--- a/Documentation/Layouts/LayoutNumbers.pptx
+++ b/Documentation/Layouts/LayoutNumbers.pptx
@@ -8,6 +8,7 @@
     <p:sldId id="256" r:id="rId2"/>
     <p:sldId id="257" r:id="rId3"/>
     <p:sldId id="258" r:id="rId4"/>
+    <p:sldId id="259" r:id="rId5"/>
   </p:sldIdLst>
   <p:sldSz cx="9144000" cy="6858000" type="screen4x3"/>
   <p:notesSz cx="7010400" cy="9296400"/>
@@ -291,7 +292,7 @@
             <a:fld id="{F5BF3120-0EED-4B2E-B277-FBCB29970201}" type="datetimeFigureOut">
               <a:rPr lang="en-US" smtClean="0"/>
               <a:pPr/>
-              <a:t>8/24/2012</a:t>
+              <a:t>8/29/2012</a:t>
             </a:fld>
             <a:endParaRPr lang="en-US"/>
           </a:p>
@@ -458,7 +459,7 @@
             <a:fld id="{F5BF3120-0EED-4B2E-B277-FBCB29970201}" type="datetimeFigureOut">
               <a:rPr lang="en-US" smtClean="0"/>
               <a:pPr/>
-              <a:t>8/24/2012</a:t>
+              <a:t>8/29/2012</a:t>
             </a:fld>
             <a:endParaRPr lang="en-US"/>
           </a:p>
@@ -635,7 +636,7 @@
             <a:fld id="{F5BF3120-0EED-4B2E-B277-FBCB29970201}" type="datetimeFigureOut">
               <a:rPr lang="en-US" smtClean="0"/>
               <a:pPr/>
-              <a:t>8/24/2012</a:t>
+              <a:t>8/29/2012</a:t>
             </a:fld>
             <a:endParaRPr lang="en-US"/>
           </a:p>
@@ -802,7 +803,7 @@
             <a:fld id="{F5BF3120-0EED-4B2E-B277-FBCB29970201}" type="datetimeFigureOut">
               <a:rPr lang="en-US" smtClean="0"/>
               <a:pPr/>
-              <a:t>8/24/2012</a:t>
+              <a:t>8/29/2012</a:t>
             </a:fld>
             <a:endParaRPr lang="en-US"/>
           </a:p>
@@ -1045,7 +1046,7 @@
             <a:fld id="{F5BF3120-0EED-4B2E-B277-FBCB29970201}" type="datetimeFigureOut">
               <a:rPr lang="en-US" smtClean="0"/>
               <a:pPr/>
-              <a:t>8/24/2012</a:t>
+              <a:t>8/29/2012</a:t>
             </a:fld>
             <a:endParaRPr lang="en-US"/>
           </a:p>
@@ -1330,7 +1331,7 @@
             <a:fld id="{F5BF3120-0EED-4B2E-B277-FBCB29970201}" type="datetimeFigureOut">
               <a:rPr lang="en-US" smtClean="0"/>
               <a:pPr/>
-              <a:t>8/24/2012</a:t>
+              <a:t>8/29/2012</a:t>
             </a:fld>
             <a:endParaRPr lang="en-US"/>
           </a:p>
@@ -1749,7 +1750,7 @@
             <a:fld id="{F5BF3120-0EED-4B2E-B277-FBCB29970201}" type="datetimeFigureOut">
               <a:rPr lang="en-US" smtClean="0"/>
               <a:pPr/>
-              <a:t>8/24/2012</a:t>
+              <a:t>8/29/2012</a:t>
             </a:fld>
             <a:endParaRPr lang="en-US"/>
           </a:p>
@@ -1864,7 +1865,7 @@
             <a:fld id="{F5BF3120-0EED-4B2E-B277-FBCB29970201}" type="datetimeFigureOut">
               <a:rPr lang="en-US" smtClean="0"/>
               <a:pPr/>
-              <a:t>8/24/2012</a:t>
+              <a:t>8/29/2012</a:t>
             </a:fld>
             <a:endParaRPr lang="en-US"/>
           </a:p>
@@ -1956,7 +1957,7 @@
             <a:fld id="{F5BF3120-0EED-4B2E-B277-FBCB29970201}" type="datetimeFigureOut">
               <a:rPr lang="en-US" smtClean="0"/>
               <a:pPr/>
-              <a:t>8/24/2012</a:t>
+              <a:t>8/29/2012</a:t>
             </a:fld>
             <a:endParaRPr lang="en-US"/>
           </a:p>
@@ -2230,7 +2231,7 @@
             <a:fld id="{F5BF3120-0EED-4B2E-B277-FBCB29970201}" type="datetimeFigureOut">
               <a:rPr lang="en-US" smtClean="0"/>
               <a:pPr/>
-              <a:t>8/24/2012</a:t>
+              <a:t>8/29/2012</a:t>
             </a:fld>
             <a:endParaRPr lang="en-US"/>
           </a:p>
@@ -2480,7 +2481,7 @@
             <a:fld id="{F5BF3120-0EED-4B2E-B277-FBCB29970201}" type="datetimeFigureOut">
               <a:rPr lang="en-US" smtClean="0"/>
               <a:pPr/>
-              <a:t>8/24/2012</a:t>
+              <a:t>8/29/2012</a:t>
             </a:fld>
             <a:endParaRPr lang="en-US"/>
           </a:p>
@@ -2690,7 +2691,7 @@
             <a:fld id="{F5BF3120-0EED-4B2E-B277-FBCB29970201}" type="datetimeFigureOut">
               <a:rPr lang="en-US" smtClean="0"/>
               <a:pPr/>
-              <a:t>8/24/2012</a:t>
+              <a:t>8/29/2012</a:t>
             </a:fld>
             <a:endParaRPr lang="en-US"/>
           </a:p>
@@ -21618,6 +21619,9815 @@
             <a:r>
               <a:rPr lang="en-US" sz="1000" smtClean="0"/>
               <a:t>93</a:t>
+            </a:r>
+            <a:endParaRPr lang="en-US" sz="1000"/>
+          </a:p>
+        </p:txBody>
+      </p:sp>
+    </p:spTree>
+  </p:cSld>
+  <p:clrMapOvr>
+    <a:masterClrMapping/>
+  </p:clrMapOvr>
+  <p:timing>
+    <p:tnLst>
+      <p:par>
+        <p:cTn id="1" dur="indefinite" restart="never" nodeType="tmRoot"/>
+      </p:par>
+    </p:tnLst>
+  </p:timing>
+</p:sld>
+</file>
+
+<file path=ppt/slides/slide4.xml><?xml version="1.0" encoding="utf-8"?>
+<p:sld xmlns:a="http://schemas.openxmlformats.org/drawingml/2006/main" xmlns:r="http://schemas.openxmlformats.org/officeDocument/2006/relationships" xmlns:p="http://schemas.openxmlformats.org/presentationml/2006/main">
+  <p:cSld>
+    <p:spTree>
+      <p:nvGrpSpPr>
+        <p:cNvPr id="1" name=""/>
+        <p:cNvGrpSpPr/>
+        <p:nvPr/>
+      </p:nvGrpSpPr>
+      <p:grpSpPr>
+        <a:xfrm>
+          <a:off x="0" y="0"/>
+          <a:ext cx="0" cy="0"/>
+          <a:chOff x="0" y="0"/>
+          <a:chExt cx="0" cy="0"/>
+        </a:xfrm>
+      </p:grpSpPr>
+      <p:pic>
+        <p:nvPicPr>
+          <p:cNvPr id="349" name="Picture 2"/>
+          <p:cNvPicPr>
+            <a:picLocks noChangeAspect="1" noChangeArrowheads="1"/>
+          </p:cNvPicPr>
+          <p:nvPr/>
+        </p:nvPicPr>
+        <p:blipFill>
+          <a:blip r:embed="rId2" cstate="print"/>
+          <a:srcRect/>
+          <a:stretch>
+            <a:fillRect/>
+          </a:stretch>
+        </p:blipFill>
+        <p:spPr bwMode="auto">
+          <a:xfrm>
+            <a:off x="502472" y="235555"/>
+            <a:ext cx="8282580" cy="6400800"/>
+          </a:xfrm>
+          <a:prstGeom prst="rect">
+            <a:avLst/>
+          </a:prstGeom>
+          <a:ln>
+            <a:headEnd/>
+            <a:tailEnd/>
+          </a:ln>
+        </p:spPr>
+        <p:style>
+          <a:lnRef idx="1">
+            <a:schemeClr val="accent3"/>
+          </a:lnRef>
+          <a:fillRef idx="2">
+            <a:schemeClr val="accent3"/>
+          </a:fillRef>
+          <a:effectRef idx="1">
+            <a:schemeClr val="accent3"/>
+          </a:effectRef>
+          <a:fontRef idx="minor">
+            <a:schemeClr val="dk1"/>
+          </a:fontRef>
+        </p:style>
+      </p:pic>
+      <p:sp>
+        <p:nvSpPr>
+          <p:cNvPr id="468" name="Rectangle 467"/>
+          <p:cNvSpPr/>
+          <p:nvPr/>
+        </p:nvSpPr>
+        <p:spPr>
+          <a:xfrm>
+            <a:off x="5607196" y="2054941"/>
+            <a:ext cx="162935" cy="66017"/>
+          </a:xfrm>
+          <a:prstGeom prst="rect">
+            <a:avLst/>
+          </a:prstGeom>
+          <a:solidFill>
+            <a:schemeClr val="accent3">
+              <a:lumMod val="75000"/>
+            </a:schemeClr>
+          </a:solidFill>
+          <a:ln>
+            <a:solidFill>
+              <a:schemeClr val="accent3">
+                <a:lumMod val="75000"/>
+              </a:schemeClr>
+            </a:solidFill>
+          </a:ln>
+        </p:spPr>
+        <p:style>
+          <a:lnRef idx="1">
+            <a:schemeClr val="accent3"/>
+          </a:lnRef>
+          <a:fillRef idx="3">
+            <a:schemeClr val="accent3"/>
+          </a:fillRef>
+          <a:effectRef idx="2">
+            <a:schemeClr val="accent3"/>
+          </a:effectRef>
+          <a:fontRef idx="minor">
+            <a:schemeClr val="lt1"/>
+          </a:fontRef>
+        </p:style>
+        <p:txBody>
+          <a:bodyPr rtlCol="0" anchor="ctr"/>
+          <a:lstStyle/>
+          <a:p>
+            <a:pPr algn="ctr"/>
+            <a:endParaRPr lang="en-US"/>
+          </a:p>
+        </p:txBody>
+      </p:sp>
+      <p:sp>
+        <p:nvSpPr>
+          <p:cNvPr id="350" name="TextBox 349"/>
+          <p:cNvSpPr txBox="1"/>
+          <p:nvPr/>
+        </p:nvSpPr>
+        <p:spPr>
+          <a:xfrm>
+            <a:off x="889473" y="694639"/>
+            <a:ext cx="289503" cy="153888"/>
+          </a:xfrm>
+          <a:prstGeom prst="rect">
+            <a:avLst/>
+          </a:prstGeom>
+          <a:ln/>
+        </p:spPr>
+        <p:style>
+          <a:lnRef idx="1">
+            <a:schemeClr val="accent5"/>
+          </a:lnRef>
+          <a:fillRef idx="2">
+            <a:schemeClr val="accent5"/>
+          </a:fillRef>
+          <a:effectRef idx="1">
+            <a:schemeClr val="accent5"/>
+          </a:effectRef>
+          <a:fontRef idx="minor">
+            <a:schemeClr val="dk1"/>
+          </a:fontRef>
+        </p:style>
+        <p:txBody>
+          <a:bodyPr wrap="none" lIns="45720" tIns="0" rIns="45720" bIns="0" rtlCol="0">
+            <a:spAutoFit/>
+          </a:bodyPr>
+          <a:lstStyle/>
+          <a:p>
+            <a:r>
+              <a:rPr lang="en-US" sz="1000" smtClean="0"/>
+              <a:t>105</a:t>
+            </a:r>
+            <a:endParaRPr lang="en-US" sz="1000"/>
+          </a:p>
+        </p:txBody>
+      </p:sp>
+      <p:sp>
+        <p:nvSpPr>
+          <p:cNvPr id="351" name="TextBox 350"/>
+          <p:cNvSpPr txBox="1"/>
+          <p:nvPr/>
+        </p:nvSpPr>
+        <p:spPr>
+          <a:xfrm>
+            <a:off x="882868" y="1158106"/>
+            <a:ext cx="223779" cy="153888"/>
+          </a:xfrm>
+          <a:prstGeom prst="rect">
+            <a:avLst/>
+          </a:prstGeom>
+          <a:ln/>
+        </p:spPr>
+        <p:style>
+          <a:lnRef idx="1">
+            <a:schemeClr val="accent5"/>
+          </a:lnRef>
+          <a:fillRef idx="2">
+            <a:schemeClr val="accent5"/>
+          </a:fillRef>
+          <a:effectRef idx="1">
+            <a:schemeClr val="accent5"/>
+          </a:effectRef>
+          <a:fontRef idx="minor">
+            <a:schemeClr val="dk1"/>
+          </a:fontRef>
+        </p:style>
+        <p:txBody>
+          <a:bodyPr wrap="none" lIns="45720" tIns="0" rIns="45720" bIns="0" rtlCol="0">
+            <a:spAutoFit/>
+          </a:bodyPr>
+          <a:lstStyle/>
+          <a:p>
+            <a:r>
+              <a:rPr lang="en-US" sz="1000" smtClean="0"/>
+              <a:t>51</a:t>
+            </a:r>
+            <a:endParaRPr lang="en-US" sz="1000"/>
+          </a:p>
+        </p:txBody>
+      </p:sp>
+      <p:sp>
+        <p:nvSpPr>
+          <p:cNvPr id="352" name="TextBox 351"/>
+          <p:cNvSpPr txBox="1"/>
+          <p:nvPr/>
+        </p:nvSpPr>
+        <p:spPr>
+          <a:xfrm>
+            <a:off x="697279" y="2211380"/>
+            <a:ext cx="404919" cy="153888"/>
+          </a:xfrm>
+          <a:prstGeom prst="rect">
+            <a:avLst/>
+          </a:prstGeom>
+          <a:ln/>
+        </p:spPr>
+        <p:style>
+          <a:lnRef idx="1">
+            <a:schemeClr val="accent5"/>
+          </a:lnRef>
+          <a:fillRef idx="2">
+            <a:schemeClr val="accent5"/>
+          </a:fillRef>
+          <a:effectRef idx="1">
+            <a:schemeClr val="accent5"/>
+          </a:effectRef>
+          <a:fontRef idx="minor">
+            <a:schemeClr val="dk1"/>
+          </a:fontRef>
+        </p:style>
+        <p:txBody>
+          <a:bodyPr wrap="none" lIns="45720" tIns="0" rIns="45720" bIns="0" rtlCol="0">
+            <a:spAutoFit/>
+          </a:bodyPr>
+          <a:lstStyle/>
+          <a:p>
+            <a:r>
+              <a:rPr lang="en-US" sz="1000" smtClean="0"/>
+              <a:t>50/49</a:t>
+            </a:r>
+            <a:endParaRPr lang="en-US" sz="1000"/>
+          </a:p>
+        </p:txBody>
+      </p:sp>
+      <p:sp>
+        <p:nvSpPr>
+          <p:cNvPr id="362" name="TextBox 361"/>
+          <p:cNvSpPr txBox="1"/>
+          <p:nvPr/>
+        </p:nvSpPr>
+        <p:spPr>
+          <a:xfrm>
+            <a:off x="424552" y="1577921"/>
+            <a:ext cx="223779" cy="153888"/>
+          </a:xfrm>
+          <a:prstGeom prst="rect">
+            <a:avLst/>
+          </a:prstGeom>
+          <a:ln/>
+        </p:spPr>
+        <p:style>
+          <a:lnRef idx="1">
+            <a:schemeClr val="accent5"/>
+          </a:lnRef>
+          <a:fillRef idx="2">
+            <a:schemeClr val="accent5"/>
+          </a:fillRef>
+          <a:effectRef idx="1">
+            <a:schemeClr val="accent5"/>
+          </a:effectRef>
+          <a:fontRef idx="minor">
+            <a:schemeClr val="dk1"/>
+          </a:fontRef>
+        </p:style>
+        <p:txBody>
+          <a:bodyPr wrap="none" lIns="45720" tIns="0" rIns="45720" bIns="0" rtlCol="0">
+            <a:spAutoFit/>
+          </a:bodyPr>
+          <a:lstStyle/>
+          <a:p>
+            <a:r>
+              <a:rPr lang="en-US" sz="1000" smtClean="0"/>
+              <a:t>27</a:t>
+            </a:r>
+            <a:endParaRPr lang="en-US" sz="1000" dirty="0"/>
+          </a:p>
+        </p:txBody>
+      </p:sp>
+      <p:sp>
+        <p:nvSpPr>
+          <p:cNvPr id="363" name="TextBox 362"/>
+          <p:cNvSpPr txBox="1"/>
+          <p:nvPr/>
+        </p:nvSpPr>
+        <p:spPr>
+          <a:xfrm>
+            <a:off x="1085828" y="2771380"/>
+            <a:ext cx="223779" cy="153888"/>
+          </a:xfrm>
+          <a:prstGeom prst="rect">
+            <a:avLst/>
+          </a:prstGeom>
+          <a:ln/>
+        </p:spPr>
+        <p:style>
+          <a:lnRef idx="1">
+            <a:schemeClr val="accent5"/>
+          </a:lnRef>
+          <a:fillRef idx="2">
+            <a:schemeClr val="accent5"/>
+          </a:fillRef>
+          <a:effectRef idx="1">
+            <a:schemeClr val="accent5"/>
+          </a:effectRef>
+          <a:fontRef idx="minor">
+            <a:schemeClr val="dk1"/>
+          </a:fontRef>
+        </p:style>
+        <p:txBody>
+          <a:bodyPr wrap="none" lIns="45720" tIns="0" rIns="45720" bIns="0" rtlCol="0">
+            <a:spAutoFit/>
+          </a:bodyPr>
+          <a:lstStyle/>
+          <a:p>
+            <a:r>
+              <a:rPr lang="en-US" sz="1000" smtClean="0"/>
+              <a:t>48</a:t>
+            </a:r>
+            <a:endParaRPr lang="en-US" sz="1000"/>
+          </a:p>
+        </p:txBody>
+      </p:sp>
+      <p:sp>
+        <p:nvSpPr>
+          <p:cNvPr id="364" name="TextBox 363"/>
+          <p:cNvSpPr txBox="1"/>
+          <p:nvPr/>
+        </p:nvSpPr>
+        <p:spPr>
+          <a:xfrm>
+            <a:off x="417224" y="3597772"/>
+            <a:ext cx="223779" cy="153888"/>
+          </a:xfrm>
+          <a:prstGeom prst="rect">
+            <a:avLst/>
+          </a:prstGeom>
+          <a:ln/>
+        </p:spPr>
+        <p:style>
+          <a:lnRef idx="1">
+            <a:schemeClr val="accent5"/>
+          </a:lnRef>
+          <a:fillRef idx="2">
+            <a:schemeClr val="accent5"/>
+          </a:fillRef>
+          <a:effectRef idx="1">
+            <a:schemeClr val="accent5"/>
+          </a:effectRef>
+          <a:fontRef idx="minor">
+            <a:schemeClr val="dk1"/>
+          </a:fontRef>
+        </p:style>
+        <p:txBody>
+          <a:bodyPr wrap="none" lIns="45720" tIns="0" rIns="45720" bIns="0" rtlCol="0">
+            <a:spAutoFit/>
+          </a:bodyPr>
+          <a:lstStyle/>
+          <a:p>
+            <a:r>
+              <a:rPr lang="en-US" sz="1000" smtClean="0"/>
+              <a:t>23</a:t>
+            </a:r>
+            <a:endParaRPr lang="en-US" sz="1000" dirty="0"/>
+          </a:p>
+        </p:txBody>
+      </p:sp>
+      <p:sp>
+        <p:nvSpPr>
+          <p:cNvPr id="365" name="TextBox 364"/>
+          <p:cNvSpPr txBox="1"/>
+          <p:nvPr/>
+        </p:nvSpPr>
+        <p:spPr>
+          <a:xfrm>
+            <a:off x="716439" y="3499177"/>
+            <a:ext cx="223779" cy="153888"/>
+          </a:xfrm>
+          <a:prstGeom prst="rect">
+            <a:avLst/>
+          </a:prstGeom>
+          <a:ln/>
+        </p:spPr>
+        <p:style>
+          <a:lnRef idx="1">
+            <a:schemeClr val="accent5"/>
+          </a:lnRef>
+          <a:fillRef idx="2">
+            <a:schemeClr val="accent5"/>
+          </a:fillRef>
+          <a:effectRef idx="1">
+            <a:schemeClr val="accent5"/>
+          </a:effectRef>
+          <a:fontRef idx="minor">
+            <a:schemeClr val="dk1"/>
+          </a:fontRef>
+        </p:style>
+        <p:txBody>
+          <a:bodyPr wrap="none" lIns="45720" tIns="0" rIns="45720" bIns="0" rtlCol="0">
+            <a:spAutoFit/>
+          </a:bodyPr>
+          <a:lstStyle/>
+          <a:p>
+            <a:r>
+              <a:rPr lang="en-US" sz="1000" smtClean="0"/>
+              <a:t>84</a:t>
+            </a:r>
+            <a:endParaRPr lang="en-US" sz="1000" dirty="0"/>
+          </a:p>
+        </p:txBody>
+      </p:sp>
+      <p:sp>
+        <p:nvSpPr>
+          <p:cNvPr id="367" name="TextBox 366"/>
+          <p:cNvSpPr txBox="1"/>
+          <p:nvPr/>
+        </p:nvSpPr>
+        <p:spPr>
+          <a:xfrm>
+            <a:off x="672112" y="4007671"/>
+            <a:ext cx="404919" cy="153888"/>
+          </a:xfrm>
+          <a:prstGeom prst="rect">
+            <a:avLst/>
+          </a:prstGeom>
+          <a:ln/>
+        </p:spPr>
+        <p:style>
+          <a:lnRef idx="1">
+            <a:schemeClr val="accent5"/>
+          </a:lnRef>
+          <a:fillRef idx="2">
+            <a:schemeClr val="accent5"/>
+          </a:fillRef>
+          <a:effectRef idx="1">
+            <a:schemeClr val="accent5"/>
+          </a:effectRef>
+          <a:fontRef idx="minor">
+            <a:schemeClr val="dk1"/>
+          </a:fontRef>
+        </p:style>
+        <p:txBody>
+          <a:bodyPr wrap="none" lIns="45720" tIns="0" rIns="45720" bIns="0" rtlCol="0">
+            <a:spAutoFit/>
+          </a:bodyPr>
+          <a:lstStyle/>
+          <a:p>
+            <a:r>
+              <a:rPr lang="en-US" sz="1000" smtClean="0"/>
+              <a:t>83/82</a:t>
+            </a:r>
+            <a:endParaRPr lang="en-US" sz="1000" dirty="0"/>
+          </a:p>
+        </p:txBody>
+      </p:sp>
+      <p:sp>
+        <p:nvSpPr>
+          <p:cNvPr id="368" name="TextBox 367"/>
+          <p:cNvSpPr txBox="1"/>
+          <p:nvPr/>
+        </p:nvSpPr>
+        <p:spPr>
+          <a:xfrm>
+            <a:off x="911023" y="5912612"/>
+            <a:ext cx="223779" cy="153888"/>
+          </a:xfrm>
+          <a:prstGeom prst="rect">
+            <a:avLst/>
+          </a:prstGeom>
+          <a:ln/>
+        </p:spPr>
+        <p:style>
+          <a:lnRef idx="1">
+            <a:schemeClr val="accent5"/>
+          </a:lnRef>
+          <a:fillRef idx="2">
+            <a:schemeClr val="accent5"/>
+          </a:fillRef>
+          <a:effectRef idx="1">
+            <a:schemeClr val="accent5"/>
+          </a:effectRef>
+          <a:fontRef idx="minor">
+            <a:schemeClr val="dk1"/>
+          </a:fontRef>
+        </p:style>
+        <p:txBody>
+          <a:bodyPr wrap="none" lIns="45720" tIns="0" rIns="45720" bIns="0" rtlCol="0">
+            <a:spAutoFit/>
+          </a:bodyPr>
+          <a:lstStyle/>
+          <a:p>
+            <a:r>
+              <a:rPr lang="en-US" sz="1000" smtClean="0"/>
+              <a:t>85</a:t>
+            </a:r>
+            <a:endParaRPr lang="en-US" sz="1000" dirty="0"/>
+          </a:p>
+        </p:txBody>
+      </p:sp>
+      <p:sp>
+        <p:nvSpPr>
+          <p:cNvPr id="369" name="TextBox 368"/>
+          <p:cNvSpPr txBox="1"/>
+          <p:nvPr/>
+        </p:nvSpPr>
+        <p:spPr>
+          <a:xfrm>
+            <a:off x="569357" y="5947393"/>
+            <a:ext cx="223779" cy="153888"/>
+          </a:xfrm>
+          <a:prstGeom prst="rect">
+            <a:avLst/>
+          </a:prstGeom>
+          <a:ln/>
+        </p:spPr>
+        <p:style>
+          <a:lnRef idx="1">
+            <a:schemeClr val="accent5"/>
+          </a:lnRef>
+          <a:fillRef idx="2">
+            <a:schemeClr val="accent5"/>
+          </a:fillRef>
+          <a:effectRef idx="1">
+            <a:schemeClr val="accent5"/>
+          </a:effectRef>
+          <a:fontRef idx="minor">
+            <a:schemeClr val="dk1"/>
+          </a:fontRef>
+        </p:style>
+        <p:txBody>
+          <a:bodyPr wrap="none" lIns="45720" tIns="0" rIns="45720" bIns="0" rtlCol="0">
+            <a:spAutoFit/>
+          </a:bodyPr>
+          <a:lstStyle/>
+          <a:p>
+            <a:r>
+              <a:rPr lang="en-US" sz="1000" smtClean="0"/>
+              <a:t>21</a:t>
+            </a:r>
+            <a:endParaRPr lang="en-US" sz="1000"/>
+          </a:p>
+        </p:txBody>
+      </p:sp>
+      <p:sp>
+        <p:nvSpPr>
+          <p:cNvPr id="370" name="TextBox 369"/>
+          <p:cNvSpPr txBox="1"/>
+          <p:nvPr/>
+        </p:nvSpPr>
+        <p:spPr>
+          <a:xfrm>
+            <a:off x="2013931" y="5952373"/>
+            <a:ext cx="223779" cy="153888"/>
+          </a:xfrm>
+          <a:prstGeom prst="rect">
+            <a:avLst/>
+          </a:prstGeom>
+          <a:ln/>
+        </p:spPr>
+        <p:style>
+          <a:lnRef idx="1">
+            <a:schemeClr val="accent5"/>
+          </a:lnRef>
+          <a:fillRef idx="2">
+            <a:schemeClr val="accent5"/>
+          </a:fillRef>
+          <a:effectRef idx="1">
+            <a:schemeClr val="accent5"/>
+          </a:effectRef>
+          <a:fontRef idx="minor">
+            <a:schemeClr val="dk1"/>
+          </a:fontRef>
+        </p:style>
+        <p:txBody>
+          <a:bodyPr wrap="none" lIns="45720" tIns="0" rIns="45720" bIns="0" rtlCol="0">
+            <a:spAutoFit/>
+          </a:bodyPr>
+          <a:lstStyle/>
+          <a:p>
+            <a:r>
+              <a:rPr lang="en-US" sz="1000" smtClean="0"/>
+              <a:t>86</a:t>
+            </a:r>
+            <a:endParaRPr lang="en-US" sz="1000" dirty="0"/>
+          </a:p>
+        </p:txBody>
+      </p:sp>
+      <p:sp>
+        <p:nvSpPr>
+          <p:cNvPr id="371" name="TextBox 370"/>
+          <p:cNvSpPr txBox="1"/>
+          <p:nvPr/>
+        </p:nvSpPr>
+        <p:spPr>
+          <a:xfrm>
+            <a:off x="2036686" y="6245494"/>
+            <a:ext cx="223779" cy="153888"/>
+          </a:xfrm>
+          <a:prstGeom prst="rect">
+            <a:avLst/>
+          </a:prstGeom>
+          <a:ln/>
+        </p:spPr>
+        <p:style>
+          <a:lnRef idx="1">
+            <a:schemeClr val="accent5"/>
+          </a:lnRef>
+          <a:fillRef idx="2">
+            <a:schemeClr val="accent5"/>
+          </a:fillRef>
+          <a:effectRef idx="1">
+            <a:schemeClr val="accent5"/>
+          </a:effectRef>
+          <a:fontRef idx="minor">
+            <a:schemeClr val="dk1"/>
+          </a:fontRef>
+        </p:style>
+        <p:txBody>
+          <a:bodyPr wrap="none" lIns="45720" tIns="0" rIns="45720" bIns="0" rtlCol="0">
+            <a:spAutoFit/>
+          </a:bodyPr>
+          <a:lstStyle/>
+          <a:p>
+            <a:r>
+              <a:rPr lang="en-US" sz="1000" smtClean="0"/>
+              <a:t>20</a:t>
+            </a:r>
+            <a:endParaRPr lang="en-US" sz="1000" dirty="0"/>
+          </a:p>
+        </p:txBody>
+      </p:sp>
+      <p:sp>
+        <p:nvSpPr>
+          <p:cNvPr id="372" name="TextBox 371"/>
+          <p:cNvSpPr txBox="1"/>
+          <p:nvPr/>
+        </p:nvSpPr>
+        <p:spPr>
+          <a:xfrm>
+            <a:off x="3585103" y="2142875"/>
+            <a:ext cx="223779" cy="153888"/>
+          </a:xfrm>
+          <a:prstGeom prst="rect">
+            <a:avLst/>
+          </a:prstGeom>
+          <a:ln/>
+        </p:spPr>
+        <p:style>
+          <a:lnRef idx="1">
+            <a:schemeClr val="accent5"/>
+          </a:lnRef>
+          <a:fillRef idx="2">
+            <a:schemeClr val="accent5"/>
+          </a:fillRef>
+          <a:effectRef idx="1">
+            <a:schemeClr val="accent5"/>
+          </a:effectRef>
+          <a:fontRef idx="minor">
+            <a:schemeClr val="dk1"/>
+          </a:fontRef>
+        </p:style>
+        <p:txBody>
+          <a:bodyPr wrap="none" lIns="45720" tIns="0" rIns="45720" bIns="0" rtlCol="0">
+            <a:spAutoFit/>
+          </a:bodyPr>
+          <a:lstStyle/>
+          <a:p>
+            <a:r>
+              <a:rPr lang="en-US" sz="1000" smtClean="0"/>
+              <a:t>44</a:t>
+            </a:r>
+            <a:endParaRPr lang="en-US" sz="1000"/>
+          </a:p>
+        </p:txBody>
+      </p:sp>
+      <p:sp>
+        <p:nvSpPr>
+          <p:cNvPr id="373" name="TextBox 372"/>
+          <p:cNvSpPr txBox="1"/>
+          <p:nvPr/>
+        </p:nvSpPr>
+        <p:spPr>
+          <a:xfrm>
+            <a:off x="4870862" y="765367"/>
+            <a:ext cx="223779" cy="153888"/>
+          </a:xfrm>
+          <a:prstGeom prst="rect">
+            <a:avLst/>
+          </a:prstGeom>
+          <a:ln/>
+        </p:spPr>
+        <p:style>
+          <a:lnRef idx="1">
+            <a:schemeClr val="accent5"/>
+          </a:lnRef>
+          <a:fillRef idx="2">
+            <a:schemeClr val="accent5"/>
+          </a:fillRef>
+          <a:effectRef idx="1">
+            <a:schemeClr val="accent5"/>
+          </a:effectRef>
+          <a:fontRef idx="minor">
+            <a:schemeClr val="dk1"/>
+          </a:fontRef>
+        </p:style>
+        <p:txBody>
+          <a:bodyPr wrap="none" lIns="45720" tIns="0" rIns="45720" bIns="0" rtlCol="0">
+            <a:spAutoFit/>
+          </a:bodyPr>
+          <a:lstStyle/>
+          <a:p>
+            <a:r>
+              <a:rPr lang="en-US" sz="1000" smtClean="0"/>
+              <a:t>54</a:t>
+            </a:r>
+            <a:endParaRPr lang="en-US" sz="1000"/>
+          </a:p>
+        </p:txBody>
+      </p:sp>
+      <p:sp>
+        <p:nvSpPr>
+          <p:cNvPr id="374" name="TextBox 373"/>
+          <p:cNvSpPr txBox="1"/>
+          <p:nvPr/>
+        </p:nvSpPr>
+        <p:spPr>
+          <a:xfrm>
+            <a:off x="3809412" y="455326"/>
+            <a:ext cx="223779" cy="461665"/>
+          </a:xfrm>
+          <a:prstGeom prst="rect">
+            <a:avLst/>
+          </a:prstGeom>
+          <a:ln/>
+        </p:spPr>
+        <p:style>
+          <a:lnRef idx="1">
+            <a:schemeClr val="accent5"/>
+          </a:lnRef>
+          <a:fillRef idx="2">
+            <a:schemeClr val="accent5"/>
+          </a:fillRef>
+          <a:effectRef idx="1">
+            <a:schemeClr val="accent5"/>
+          </a:effectRef>
+          <a:fontRef idx="minor">
+            <a:schemeClr val="dk1"/>
+          </a:fontRef>
+        </p:style>
+        <p:txBody>
+          <a:bodyPr wrap="none" lIns="45720" tIns="0" rIns="45720" bIns="0" rtlCol="0">
+            <a:spAutoFit/>
+          </a:bodyPr>
+          <a:lstStyle/>
+          <a:p>
+            <a:r>
+              <a:rPr lang="en-US" sz="1000" smtClean="0"/>
+              <a:t>29</a:t>
+            </a:r>
+            <a:br>
+              <a:rPr lang="en-US" sz="1000" smtClean="0"/>
+            </a:br>
+            <a:r>
+              <a:rPr lang="en-US" sz="1000" smtClean="0"/>
+              <a:t>30</a:t>
+            </a:r>
+            <a:br>
+              <a:rPr lang="en-US" sz="1000" smtClean="0"/>
+            </a:br>
+            <a:r>
+              <a:rPr lang="en-US" sz="1000" smtClean="0"/>
+              <a:t>31</a:t>
+            </a:r>
+            <a:endParaRPr lang="en-US" sz="1000"/>
+          </a:p>
+        </p:txBody>
+      </p:sp>
+      <p:sp>
+        <p:nvSpPr>
+          <p:cNvPr id="375" name="TextBox 374"/>
+          <p:cNvSpPr txBox="1"/>
+          <p:nvPr/>
+        </p:nvSpPr>
+        <p:spPr>
+          <a:xfrm>
+            <a:off x="4303950" y="1081096"/>
+            <a:ext cx="223779" cy="153888"/>
+          </a:xfrm>
+          <a:prstGeom prst="rect">
+            <a:avLst/>
+          </a:prstGeom>
+          <a:ln/>
+        </p:spPr>
+        <p:style>
+          <a:lnRef idx="1">
+            <a:schemeClr val="accent5"/>
+          </a:lnRef>
+          <a:fillRef idx="2">
+            <a:schemeClr val="accent5"/>
+          </a:fillRef>
+          <a:effectRef idx="1">
+            <a:schemeClr val="accent5"/>
+          </a:effectRef>
+          <a:fontRef idx="minor">
+            <a:schemeClr val="dk1"/>
+          </a:fontRef>
+        </p:style>
+        <p:txBody>
+          <a:bodyPr wrap="none" lIns="45720" tIns="0" rIns="45720" bIns="0" rtlCol="0">
+            <a:spAutoFit/>
+          </a:bodyPr>
+          <a:lstStyle/>
+          <a:p>
+            <a:r>
+              <a:rPr lang="en-US" sz="1000" smtClean="0"/>
+              <a:t>96</a:t>
+            </a:r>
+            <a:endParaRPr lang="en-US" sz="1000"/>
+          </a:p>
+        </p:txBody>
+      </p:sp>
+      <p:sp>
+        <p:nvSpPr>
+          <p:cNvPr id="376" name="TextBox 375"/>
+          <p:cNvSpPr txBox="1"/>
+          <p:nvPr/>
+        </p:nvSpPr>
+        <p:spPr>
+          <a:xfrm>
+            <a:off x="4531910" y="914865"/>
+            <a:ext cx="223779" cy="153888"/>
+          </a:xfrm>
+          <a:prstGeom prst="rect">
+            <a:avLst/>
+          </a:prstGeom>
+          <a:ln/>
+        </p:spPr>
+        <p:style>
+          <a:lnRef idx="1">
+            <a:schemeClr val="accent5"/>
+          </a:lnRef>
+          <a:fillRef idx="2">
+            <a:schemeClr val="accent5"/>
+          </a:fillRef>
+          <a:effectRef idx="1">
+            <a:schemeClr val="accent5"/>
+          </a:effectRef>
+          <a:fontRef idx="minor">
+            <a:schemeClr val="dk1"/>
+          </a:fontRef>
+        </p:style>
+        <p:txBody>
+          <a:bodyPr wrap="none" lIns="45720" tIns="0" rIns="45720" bIns="0" rtlCol="0">
+            <a:spAutoFit/>
+          </a:bodyPr>
+          <a:lstStyle/>
+          <a:p>
+            <a:r>
+              <a:rPr lang="en-US" sz="1000" smtClean="0"/>
+              <a:t>95</a:t>
+            </a:r>
+            <a:endParaRPr lang="en-US" sz="1000"/>
+          </a:p>
+        </p:txBody>
+      </p:sp>
+      <p:sp>
+        <p:nvSpPr>
+          <p:cNvPr id="377" name="TextBox 376"/>
+          <p:cNvSpPr txBox="1"/>
+          <p:nvPr/>
+        </p:nvSpPr>
+        <p:spPr>
+          <a:xfrm>
+            <a:off x="3094697" y="763177"/>
+            <a:ext cx="289503" cy="153888"/>
+          </a:xfrm>
+          <a:prstGeom prst="rect">
+            <a:avLst/>
+          </a:prstGeom>
+          <a:ln/>
+        </p:spPr>
+        <p:style>
+          <a:lnRef idx="1">
+            <a:schemeClr val="accent5"/>
+          </a:lnRef>
+          <a:fillRef idx="2">
+            <a:schemeClr val="accent5"/>
+          </a:fillRef>
+          <a:effectRef idx="1">
+            <a:schemeClr val="accent5"/>
+          </a:effectRef>
+          <a:fontRef idx="minor">
+            <a:schemeClr val="dk1"/>
+          </a:fontRef>
+        </p:style>
+        <p:txBody>
+          <a:bodyPr wrap="none" lIns="45720" tIns="0" rIns="45720" bIns="0" rtlCol="0">
+            <a:spAutoFit/>
+          </a:bodyPr>
+          <a:lstStyle/>
+          <a:p>
+            <a:r>
+              <a:rPr lang="en-US" sz="1000" smtClean="0"/>
+              <a:t>109</a:t>
+            </a:r>
+            <a:endParaRPr lang="en-US" sz="1000"/>
+          </a:p>
+        </p:txBody>
+      </p:sp>
+      <p:sp>
+        <p:nvSpPr>
+          <p:cNvPr id="379" name="TextBox 378"/>
+          <p:cNvSpPr txBox="1"/>
+          <p:nvPr/>
+        </p:nvSpPr>
+        <p:spPr>
+          <a:xfrm>
+            <a:off x="2375922" y="606245"/>
+            <a:ext cx="223779" cy="307777"/>
+          </a:xfrm>
+          <a:prstGeom prst="rect">
+            <a:avLst/>
+          </a:prstGeom>
+          <a:ln/>
+        </p:spPr>
+        <p:style>
+          <a:lnRef idx="1">
+            <a:schemeClr val="accent5"/>
+          </a:lnRef>
+          <a:fillRef idx="2">
+            <a:schemeClr val="accent5"/>
+          </a:fillRef>
+          <a:effectRef idx="1">
+            <a:schemeClr val="accent5"/>
+          </a:effectRef>
+          <a:fontRef idx="minor">
+            <a:schemeClr val="dk1"/>
+          </a:fontRef>
+        </p:style>
+        <p:txBody>
+          <a:bodyPr wrap="none" lIns="45720" tIns="0" rIns="45720" bIns="0" rtlCol="0">
+            <a:spAutoFit/>
+          </a:bodyPr>
+          <a:lstStyle/>
+          <a:p>
+            <a:r>
+              <a:rPr lang="en-US" sz="1000" smtClean="0"/>
+              <a:t>52</a:t>
+            </a:r>
+          </a:p>
+          <a:p>
+            <a:r>
+              <a:rPr lang="en-US" sz="1000" smtClean="0"/>
+              <a:t>53</a:t>
+            </a:r>
+            <a:endParaRPr lang="en-US" sz="1000"/>
+          </a:p>
+        </p:txBody>
+      </p:sp>
+      <p:sp>
+        <p:nvSpPr>
+          <p:cNvPr id="381" name="TextBox 380"/>
+          <p:cNvSpPr txBox="1"/>
+          <p:nvPr/>
+        </p:nvSpPr>
+        <p:spPr>
+          <a:xfrm>
+            <a:off x="1478548" y="1825416"/>
+            <a:ext cx="223779" cy="153888"/>
+          </a:xfrm>
+          <a:prstGeom prst="rect">
+            <a:avLst/>
+          </a:prstGeom>
+          <a:ln/>
+        </p:spPr>
+        <p:style>
+          <a:lnRef idx="1">
+            <a:schemeClr val="accent5"/>
+          </a:lnRef>
+          <a:fillRef idx="2">
+            <a:schemeClr val="accent5"/>
+          </a:fillRef>
+          <a:effectRef idx="1">
+            <a:schemeClr val="accent5"/>
+          </a:effectRef>
+          <a:fontRef idx="minor">
+            <a:schemeClr val="dk1"/>
+          </a:fontRef>
+        </p:style>
+        <p:txBody>
+          <a:bodyPr wrap="none" lIns="45720" tIns="0" rIns="45720" bIns="0" rtlCol="0">
+            <a:spAutoFit/>
+          </a:bodyPr>
+          <a:lstStyle/>
+          <a:p>
+            <a:r>
+              <a:rPr lang="en-US" sz="1000" smtClean="0"/>
+              <a:t>92</a:t>
+            </a:r>
+            <a:endParaRPr lang="en-US" sz="1000"/>
+          </a:p>
+        </p:txBody>
+      </p:sp>
+      <p:sp>
+        <p:nvSpPr>
+          <p:cNvPr id="382" name="TextBox 381"/>
+          <p:cNvSpPr txBox="1"/>
+          <p:nvPr/>
+        </p:nvSpPr>
+        <p:spPr>
+          <a:xfrm>
+            <a:off x="1247704" y="1558637"/>
+            <a:ext cx="223779" cy="153888"/>
+          </a:xfrm>
+          <a:prstGeom prst="rect">
+            <a:avLst/>
+          </a:prstGeom>
+          <a:ln/>
+        </p:spPr>
+        <p:style>
+          <a:lnRef idx="1">
+            <a:schemeClr val="accent5"/>
+          </a:lnRef>
+          <a:fillRef idx="2">
+            <a:schemeClr val="accent5"/>
+          </a:fillRef>
+          <a:effectRef idx="1">
+            <a:schemeClr val="accent5"/>
+          </a:effectRef>
+          <a:fontRef idx="minor">
+            <a:schemeClr val="dk1"/>
+          </a:fontRef>
+        </p:style>
+        <p:txBody>
+          <a:bodyPr wrap="none" lIns="45720" tIns="0" rIns="45720" bIns="0" rtlCol="0">
+            <a:spAutoFit/>
+          </a:bodyPr>
+          <a:lstStyle/>
+          <a:p>
+            <a:r>
+              <a:rPr lang="en-US" sz="1000" smtClean="0"/>
+              <a:t>91</a:t>
+            </a:r>
+            <a:endParaRPr lang="en-US" sz="1000"/>
+          </a:p>
+        </p:txBody>
+      </p:sp>
+      <p:sp>
+        <p:nvSpPr>
+          <p:cNvPr id="384" name="TextBox 383"/>
+          <p:cNvSpPr txBox="1"/>
+          <p:nvPr/>
+        </p:nvSpPr>
+        <p:spPr>
+          <a:xfrm>
+            <a:off x="2098999" y="560145"/>
+            <a:ext cx="223779" cy="153888"/>
+          </a:xfrm>
+          <a:prstGeom prst="rect">
+            <a:avLst/>
+          </a:prstGeom>
+          <a:ln/>
+        </p:spPr>
+        <p:style>
+          <a:lnRef idx="1">
+            <a:schemeClr val="accent5"/>
+          </a:lnRef>
+          <a:fillRef idx="2">
+            <a:schemeClr val="accent5"/>
+          </a:fillRef>
+          <a:effectRef idx="1">
+            <a:schemeClr val="accent5"/>
+          </a:effectRef>
+          <a:fontRef idx="minor">
+            <a:schemeClr val="dk1"/>
+          </a:fontRef>
+        </p:style>
+        <p:txBody>
+          <a:bodyPr wrap="none" lIns="45720" tIns="0" rIns="45720" bIns="0" rtlCol="0">
+            <a:spAutoFit/>
+          </a:bodyPr>
+          <a:lstStyle/>
+          <a:p>
+            <a:r>
+              <a:rPr lang="en-US" sz="1000" smtClean="0"/>
+              <a:t>28</a:t>
+            </a:r>
+            <a:endParaRPr lang="en-US" sz="1000" dirty="0"/>
+          </a:p>
+        </p:txBody>
+      </p:sp>
+      <p:sp>
+        <p:nvSpPr>
+          <p:cNvPr id="385" name="TextBox 384"/>
+          <p:cNvSpPr txBox="1"/>
+          <p:nvPr/>
+        </p:nvSpPr>
+        <p:spPr>
+          <a:xfrm>
+            <a:off x="2067624" y="2673372"/>
+            <a:ext cx="223779" cy="153888"/>
+          </a:xfrm>
+          <a:prstGeom prst="rect">
+            <a:avLst/>
+          </a:prstGeom>
+          <a:ln/>
+        </p:spPr>
+        <p:style>
+          <a:lnRef idx="1">
+            <a:schemeClr val="accent5"/>
+          </a:lnRef>
+          <a:fillRef idx="2">
+            <a:schemeClr val="accent5"/>
+          </a:fillRef>
+          <a:effectRef idx="1">
+            <a:schemeClr val="accent5"/>
+          </a:effectRef>
+          <a:fontRef idx="minor">
+            <a:schemeClr val="dk1"/>
+          </a:fontRef>
+        </p:style>
+        <p:txBody>
+          <a:bodyPr wrap="none" lIns="45720" tIns="0" rIns="45720" bIns="0" rtlCol="0">
+            <a:spAutoFit/>
+          </a:bodyPr>
+          <a:lstStyle/>
+          <a:p>
+            <a:r>
+              <a:rPr lang="en-US" sz="1000" smtClean="0"/>
+              <a:t>47</a:t>
+            </a:r>
+            <a:endParaRPr lang="en-US" sz="1000"/>
+          </a:p>
+        </p:txBody>
+      </p:sp>
+      <p:sp>
+        <p:nvSpPr>
+          <p:cNvPr id="387" name="TextBox 386"/>
+          <p:cNvSpPr txBox="1"/>
+          <p:nvPr/>
+        </p:nvSpPr>
+        <p:spPr>
+          <a:xfrm>
+            <a:off x="1202818" y="3381436"/>
+            <a:ext cx="223779" cy="153888"/>
+          </a:xfrm>
+          <a:prstGeom prst="rect">
+            <a:avLst/>
+          </a:prstGeom>
+          <a:ln/>
+        </p:spPr>
+        <p:style>
+          <a:lnRef idx="1">
+            <a:schemeClr val="accent5"/>
+          </a:lnRef>
+          <a:fillRef idx="2">
+            <a:schemeClr val="accent5"/>
+          </a:fillRef>
+          <a:effectRef idx="1">
+            <a:schemeClr val="accent5"/>
+          </a:effectRef>
+          <a:fontRef idx="minor">
+            <a:schemeClr val="dk1"/>
+          </a:fontRef>
+        </p:style>
+        <p:txBody>
+          <a:bodyPr wrap="none" lIns="45720" tIns="0" rIns="45720" bIns="0" rtlCol="0">
+            <a:spAutoFit/>
+          </a:bodyPr>
+          <a:lstStyle/>
+          <a:p>
+            <a:r>
+              <a:rPr lang="en-US" sz="1000" smtClean="0"/>
+              <a:t>81</a:t>
+            </a:r>
+            <a:endParaRPr lang="en-US" sz="1000"/>
+          </a:p>
+        </p:txBody>
+      </p:sp>
+      <p:sp>
+        <p:nvSpPr>
+          <p:cNvPr id="390" name="TextBox 389"/>
+          <p:cNvSpPr txBox="1"/>
+          <p:nvPr/>
+        </p:nvSpPr>
+        <p:spPr>
+          <a:xfrm>
+            <a:off x="8232266" y="3047566"/>
+            <a:ext cx="223779" cy="153888"/>
+          </a:xfrm>
+          <a:prstGeom prst="rect">
+            <a:avLst/>
+          </a:prstGeom>
+          <a:ln/>
+        </p:spPr>
+        <p:style>
+          <a:lnRef idx="1">
+            <a:schemeClr val="accent5"/>
+          </a:lnRef>
+          <a:fillRef idx="2">
+            <a:schemeClr val="accent5"/>
+          </a:fillRef>
+          <a:effectRef idx="1">
+            <a:schemeClr val="accent5"/>
+          </a:effectRef>
+          <a:fontRef idx="minor">
+            <a:schemeClr val="dk1"/>
+          </a:fontRef>
+        </p:style>
+        <p:txBody>
+          <a:bodyPr wrap="none" lIns="45720" tIns="0" rIns="45720" bIns="0" rtlCol="0">
+            <a:spAutoFit/>
+          </a:bodyPr>
+          <a:lstStyle/>
+          <a:p>
+            <a:r>
+              <a:rPr lang="en-US" sz="1000" smtClean="0"/>
+              <a:t>59</a:t>
+            </a:r>
+            <a:endParaRPr lang="en-US" sz="1000" dirty="0"/>
+          </a:p>
+        </p:txBody>
+      </p:sp>
+      <p:sp>
+        <p:nvSpPr>
+          <p:cNvPr id="391" name="TextBox 390"/>
+          <p:cNvSpPr txBox="1"/>
+          <p:nvPr/>
+        </p:nvSpPr>
+        <p:spPr>
+          <a:xfrm>
+            <a:off x="7098154" y="573456"/>
+            <a:ext cx="223779" cy="153888"/>
+          </a:xfrm>
+          <a:prstGeom prst="rect">
+            <a:avLst/>
+          </a:prstGeom>
+          <a:ln/>
+        </p:spPr>
+        <p:style>
+          <a:lnRef idx="1">
+            <a:schemeClr val="accent5"/>
+          </a:lnRef>
+          <a:fillRef idx="2">
+            <a:schemeClr val="accent5"/>
+          </a:fillRef>
+          <a:effectRef idx="1">
+            <a:schemeClr val="accent5"/>
+          </a:effectRef>
+          <a:fontRef idx="minor">
+            <a:schemeClr val="dk1"/>
+          </a:fontRef>
+        </p:style>
+        <p:txBody>
+          <a:bodyPr wrap="none" lIns="45720" tIns="0" rIns="45720" bIns="0" rtlCol="0">
+            <a:spAutoFit/>
+          </a:bodyPr>
+          <a:lstStyle/>
+          <a:p>
+            <a:r>
+              <a:rPr lang="en-US" sz="1000" smtClean="0"/>
+              <a:t>33</a:t>
+            </a:r>
+            <a:endParaRPr lang="en-US" sz="1000" dirty="0"/>
+          </a:p>
+        </p:txBody>
+      </p:sp>
+      <p:sp>
+        <p:nvSpPr>
+          <p:cNvPr id="392" name="TextBox 391"/>
+          <p:cNvSpPr txBox="1"/>
+          <p:nvPr/>
+        </p:nvSpPr>
+        <p:spPr>
+          <a:xfrm>
+            <a:off x="7364922" y="793937"/>
+            <a:ext cx="223779" cy="153888"/>
+          </a:xfrm>
+          <a:prstGeom prst="rect">
+            <a:avLst/>
+          </a:prstGeom>
+          <a:ln/>
+        </p:spPr>
+        <p:style>
+          <a:lnRef idx="1">
+            <a:schemeClr val="accent5"/>
+          </a:lnRef>
+          <a:fillRef idx="2">
+            <a:schemeClr val="accent5"/>
+          </a:fillRef>
+          <a:effectRef idx="1">
+            <a:schemeClr val="accent5"/>
+          </a:effectRef>
+          <a:fontRef idx="minor">
+            <a:schemeClr val="dk1"/>
+          </a:fontRef>
+        </p:style>
+        <p:txBody>
+          <a:bodyPr wrap="none" lIns="45720" tIns="0" rIns="45720" bIns="0" rtlCol="0">
+            <a:spAutoFit/>
+          </a:bodyPr>
+          <a:lstStyle/>
+          <a:p>
+            <a:r>
+              <a:rPr lang="en-US" sz="1000" smtClean="0"/>
+              <a:t>57</a:t>
+            </a:r>
+            <a:endParaRPr lang="en-US" sz="1000" dirty="0"/>
+          </a:p>
+        </p:txBody>
+      </p:sp>
+      <p:sp>
+        <p:nvSpPr>
+          <p:cNvPr id="394" name="TextBox 393"/>
+          <p:cNvSpPr txBox="1"/>
+          <p:nvPr/>
+        </p:nvSpPr>
+        <p:spPr>
+          <a:xfrm>
+            <a:off x="6558170" y="985318"/>
+            <a:ext cx="223779" cy="307777"/>
+          </a:xfrm>
+          <a:prstGeom prst="rect">
+            <a:avLst/>
+          </a:prstGeom>
+          <a:ln/>
+        </p:spPr>
+        <p:style>
+          <a:lnRef idx="1">
+            <a:schemeClr val="accent5"/>
+          </a:lnRef>
+          <a:fillRef idx="2">
+            <a:schemeClr val="accent5"/>
+          </a:fillRef>
+          <a:effectRef idx="1">
+            <a:schemeClr val="accent5"/>
+          </a:effectRef>
+          <a:fontRef idx="minor">
+            <a:schemeClr val="dk1"/>
+          </a:fontRef>
+        </p:style>
+        <p:txBody>
+          <a:bodyPr wrap="none" lIns="45720" tIns="0" rIns="45720" bIns="0" rtlCol="0">
+            <a:spAutoFit/>
+          </a:bodyPr>
+          <a:lstStyle/>
+          <a:p>
+            <a:r>
+              <a:rPr lang="en-US" sz="1000" smtClean="0"/>
+              <a:t>97</a:t>
+            </a:r>
+          </a:p>
+          <a:p>
+            <a:r>
+              <a:rPr lang="en-US" sz="1000" smtClean="0"/>
+              <a:t>98</a:t>
+            </a:r>
+            <a:endParaRPr lang="en-US" sz="1000"/>
+          </a:p>
+        </p:txBody>
+      </p:sp>
+      <p:sp>
+        <p:nvSpPr>
+          <p:cNvPr id="395" name="TextBox 394"/>
+          <p:cNvSpPr txBox="1"/>
+          <p:nvPr/>
+        </p:nvSpPr>
+        <p:spPr>
+          <a:xfrm>
+            <a:off x="5911510" y="865025"/>
+            <a:ext cx="223779" cy="153888"/>
+          </a:xfrm>
+          <a:prstGeom prst="rect">
+            <a:avLst/>
+          </a:prstGeom>
+          <a:ln/>
+        </p:spPr>
+        <p:style>
+          <a:lnRef idx="1">
+            <a:schemeClr val="accent5"/>
+          </a:lnRef>
+          <a:fillRef idx="2">
+            <a:schemeClr val="accent5"/>
+          </a:fillRef>
+          <a:effectRef idx="1">
+            <a:schemeClr val="accent5"/>
+          </a:effectRef>
+          <a:fontRef idx="minor">
+            <a:schemeClr val="dk1"/>
+          </a:fontRef>
+        </p:style>
+        <p:txBody>
+          <a:bodyPr wrap="none" lIns="45720" tIns="0" rIns="45720" bIns="0" rtlCol="0">
+            <a:spAutoFit/>
+          </a:bodyPr>
+          <a:lstStyle/>
+          <a:p>
+            <a:r>
+              <a:rPr lang="en-US" sz="1000" smtClean="0"/>
+              <a:t>51</a:t>
+            </a:r>
+            <a:endParaRPr lang="en-US" sz="1000"/>
+          </a:p>
+        </p:txBody>
+      </p:sp>
+      <p:sp>
+        <p:nvSpPr>
+          <p:cNvPr id="397" name="TextBox 396"/>
+          <p:cNvSpPr txBox="1"/>
+          <p:nvPr/>
+        </p:nvSpPr>
+        <p:spPr>
+          <a:xfrm>
+            <a:off x="5136818" y="550025"/>
+            <a:ext cx="223779" cy="153888"/>
+          </a:xfrm>
+          <a:prstGeom prst="rect">
+            <a:avLst/>
+          </a:prstGeom>
+          <a:ln/>
+        </p:spPr>
+        <p:style>
+          <a:lnRef idx="1">
+            <a:schemeClr val="accent5"/>
+          </a:lnRef>
+          <a:fillRef idx="2">
+            <a:schemeClr val="accent5"/>
+          </a:fillRef>
+          <a:effectRef idx="1">
+            <a:schemeClr val="accent5"/>
+          </a:effectRef>
+          <a:fontRef idx="minor">
+            <a:schemeClr val="dk1"/>
+          </a:fontRef>
+        </p:style>
+        <p:txBody>
+          <a:bodyPr wrap="none" lIns="45720" tIns="0" rIns="45720" bIns="0" rtlCol="0">
+            <a:spAutoFit/>
+          </a:bodyPr>
+          <a:lstStyle/>
+          <a:p>
+            <a:r>
+              <a:rPr lang="en-US" sz="1000" smtClean="0"/>
+              <a:t>32</a:t>
+            </a:r>
+            <a:endParaRPr lang="en-US" sz="1000" dirty="0"/>
+          </a:p>
+        </p:txBody>
+      </p:sp>
+      <p:sp>
+        <p:nvSpPr>
+          <p:cNvPr id="399" name="TextBox 398"/>
+          <p:cNvSpPr txBox="1"/>
+          <p:nvPr/>
+        </p:nvSpPr>
+        <p:spPr>
+          <a:xfrm>
+            <a:off x="6506689" y="2547033"/>
+            <a:ext cx="223779" cy="153888"/>
+          </a:xfrm>
+          <a:prstGeom prst="rect">
+            <a:avLst/>
+          </a:prstGeom>
+          <a:ln/>
+        </p:spPr>
+        <p:style>
+          <a:lnRef idx="1">
+            <a:schemeClr val="accent5"/>
+          </a:lnRef>
+          <a:fillRef idx="2">
+            <a:schemeClr val="accent5"/>
+          </a:fillRef>
+          <a:effectRef idx="1">
+            <a:schemeClr val="accent5"/>
+          </a:effectRef>
+          <a:fontRef idx="minor">
+            <a:schemeClr val="dk1"/>
+          </a:fontRef>
+        </p:style>
+        <p:txBody>
+          <a:bodyPr wrap="none" lIns="45720" tIns="0" rIns="45720" bIns="0" rtlCol="0">
+            <a:spAutoFit/>
+          </a:bodyPr>
+          <a:lstStyle/>
+          <a:p>
+            <a:r>
+              <a:rPr lang="en-US" sz="1000" smtClean="0"/>
+              <a:t>11</a:t>
+            </a:r>
+            <a:endParaRPr lang="en-US" sz="1000"/>
+          </a:p>
+        </p:txBody>
+      </p:sp>
+      <p:sp>
+        <p:nvSpPr>
+          <p:cNvPr id="400" name="TextBox 399"/>
+          <p:cNvSpPr txBox="1"/>
+          <p:nvPr/>
+        </p:nvSpPr>
+        <p:spPr>
+          <a:xfrm>
+            <a:off x="5750725" y="1863821"/>
+            <a:ext cx="223779" cy="307777"/>
+          </a:xfrm>
+          <a:prstGeom prst="rect">
+            <a:avLst/>
+          </a:prstGeom>
+          <a:ln/>
+        </p:spPr>
+        <p:style>
+          <a:lnRef idx="1">
+            <a:schemeClr val="accent5"/>
+          </a:lnRef>
+          <a:fillRef idx="2">
+            <a:schemeClr val="accent5"/>
+          </a:fillRef>
+          <a:effectRef idx="1">
+            <a:schemeClr val="accent5"/>
+          </a:effectRef>
+          <a:fontRef idx="minor">
+            <a:schemeClr val="dk1"/>
+          </a:fontRef>
+        </p:style>
+        <p:txBody>
+          <a:bodyPr wrap="none" lIns="45720" tIns="0" rIns="45720" bIns="0" rtlCol="0">
+            <a:spAutoFit/>
+          </a:bodyPr>
+          <a:lstStyle/>
+          <a:p>
+            <a:r>
+              <a:rPr lang="en-US" sz="1000" smtClean="0"/>
+              <a:t>13</a:t>
+            </a:r>
+          </a:p>
+          <a:p>
+            <a:r>
+              <a:rPr lang="en-US" sz="1000" smtClean="0"/>
+              <a:t>12</a:t>
+            </a:r>
+            <a:endParaRPr lang="en-US" sz="1000"/>
+          </a:p>
+        </p:txBody>
+      </p:sp>
+      <p:sp>
+        <p:nvSpPr>
+          <p:cNvPr id="401" name="TextBox 400"/>
+          <p:cNvSpPr txBox="1"/>
+          <p:nvPr/>
+        </p:nvSpPr>
+        <p:spPr>
+          <a:xfrm>
+            <a:off x="6608011" y="2070560"/>
+            <a:ext cx="223779" cy="153888"/>
+          </a:xfrm>
+          <a:prstGeom prst="rect">
+            <a:avLst/>
+          </a:prstGeom>
+          <a:ln/>
+        </p:spPr>
+        <p:style>
+          <a:lnRef idx="1">
+            <a:schemeClr val="accent5"/>
+          </a:lnRef>
+          <a:fillRef idx="2">
+            <a:schemeClr val="accent5"/>
+          </a:fillRef>
+          <a:effectRef idx="1">
+            <a:schemeClr val="accent5"/>
+          </a:effectRef>
+          <a:fontRef idx="minor">
+            <a:schemeClr val="dk1"/>
+          </a:fontRef>
+        </p:style>
+        <p:txBody>
+          <a:bodyPr wrap="none" lIns="45720" tIns="0" rIns="45720" bIns="0" rtlCol="0">
+            <a:spAutoFit/>
+          </a:bodyPr>
+          <a:lstStyle/>
+          <a:p>
+            <a:r>
+              <a:rPr lang="en-US" sz="1000" smtClean="0"/>
+              <a:t>72</a:t>
+            </a:r>
+            <a:endParaRPr lang="en-US" sz="1000"/>
+          </a:p>
+        </p:txBody>
+      </p:sp>
+      <p:sp>
+        <p:nvSpPr>
+          <p:cNvPr id="402" name="TextBox 401"/>
+          <p:cNvSpPr txBox="1"/>
+          <p:nvPr/>
+        </p:nvSpPr>
+        <p:spPr>
+          <a:xfrm>
+            <a:off x="5627913" y="1255453"/>
+            <a:ext cx="289503" cy="153888"/>
+          </a:xfrm>
+          <a:prstGeom prst="rect">
+            <a:avLst/>
+          </a:prstGeom>
+          <a:ln/>
+        </p:spPr>
+        <p:style>
+          <a:lnRef idx="1">
+            <a:schemeClr val="accent5"/>
+          </a:lnRef>
+          <a:fillRef idx="2">
+            <a:schemeClr val="accent5"/>
+          </a:fillRef>
+          <a:effectRef idx="1">
+            <a:schemeClr val="accent5"/>
+          </a:effectRef>
+          <a:fontRef idx="minor">
+            <a:schemeClr val="dk1"/>
+          </a:fontRef>
+        </p:style>
+        <p:txBody>
+          <a:bodyPr wrap="none" lIns="45720" tIns="0" rIns="45720" bIns="0" rtlCol="0">
+            <a:spAutoFit/>
+          </a:bodyPr>
+          <a:lstStyle/>
+          <a:p>
+            <a:r>
+              <a:rPr lang="en-US" sz="1000" smtClean="0"/>
+              <a:t>101</a:t>
+            </a:r>
+            <a:endParaRPr lang="en-US" sz="1000"/>
+          </a:p>
+        </p:txBody>
+      </p:sp>
+      <p:sp>
+        <p:nvSpPr>
+          <p:cNvPr id="403" name="TextBox 402"/>
+          <p:cNvSpPr txBox="1"/>
+          <p:nvPr/>
+        </p:nvSpPr>
+        <p:spPr>
+          <a:xfrm>
+            <a:off x="4808800" y="1303965"/>
+            <a:ext cx="223779" cy="307777"/>
+          </a:xfrm>
+          <a:prstGeom prst="rect">
+            <a:avLst/>
+          </a:prstGeom>
+          <a:ln/>
+        </p:spPr>
+        <p:style>
+          <a:lnRef idx="1">
+            <a:schemeClr val="accent5"/>
+          </a:lnRef>
+          <a:fillRef idx="2">
+            <a:schemeClr val="accent5"/>
+          </a:fillRef>
+          <a:effectRef idx="1">
+            <a:schemeClr val="accent5"/>
+          </a:effectRef>
+          <a:fontRef idx="minor">
+            <a:schemeClr val="dk1"/>
+          </a:fontRef>
+        </p:style>
+        <p:txBody>
+          <a:bodyPr wrap="none" lIns="45720" tIns="0" rIns="45720" bIns="0" rtlCol="0">
+            <a:spAutoFit/>
+          </a:bodyPr>
+          <a:lstStyle/>
+          <a:p>
+            <a:r>
+              <a:rPr lang="en-US" sz="1000" smtClean="0"/>
+              <a:t>76</a:t>
+            </a:r>
+          </a:p>
+          <a:p>
+            <a:r>
+              <a:rPr lang="en-US" sz="1000" smtClean="0"/>
+              <a:t>75</a:t>
+            </a:r>
+            <a:endParaRPr lang="en-US" sz="1000"/>
+          </a:p>
+        </p:txBody>
+      </p:sp>
+      <p:sp>
+        <p:nvSpPr>
+          <p:cNvPr id="404" name="TextBox 403"/>
+          <p:cNvSpPr txBox="1"/>
+          <p:nvPr/>
+        </p:nvSpPr>
+        <p:spPr>
+          <a:xfrm>
+            <a:off x="7698524" y="1966647"/>
+            <a:ext cx="223779" cy="153888"/>
+          </a:xfrm>
+          <a:prstGeom prst="rect">
+            <a:avLst/>
+          </a:prstGeom>
+          <a:ln/>
+        </p:spPr>
+        <p:style>
+          <a:lnRef idx="1">
+            <a:schemeClr val="accent5"/>
+          </a:lnRef>
+          <a:fillRef idx="2">
+            <a:schemeClr val="accent5"/>
+          </a:fillRef>
+          <a:effectRef idx="1">
+            <a:schemeClr val="accent5"/>
+          </a:effectRef>
+          <a:fontRef idx="minor">
+            <a:schemeClr val="dk1"/>
+          </a:fontRef>
+        </p:style>
+        <p:txBody>
+          <a:bodyPr wrap="none" lIns="45720" tIns="0" rIns="45720" bIns="0" rtlCol="0">
+            <a:spAutoFit/>
+          </a:bodyPr>
+          <a:lstStyle/>
+          <a:p>
+            <a:r>
+              <a:rPr lang="en-US" sz="1000" smtClean="0"/>
+              <a:t>73</a:t>
+            </a:r>
+            <a:endParaRPr lang="en-US" sz="1000" dirty="0"/>
+          </a:p>
+        </p:txBody>
+      </p:sp>
+      <p:sp>
+        <p:nvSpPr>
+          <p:cNvPr id="405" name="TextBox 404"/>
+          <p:cNvSpPr txBox="1"/>
+          <p:nvPr/>
+        </p:nvSpPr>
+        <p:spPr>
+          <a:xfrm>
+            <a:off x="7270092" y="3706728"/>
+            <a:ext cx="223779" cy="153888"/>
+          </a:xfrm>
+          <a:prstGeom prst="rect">
+            <a:avLst/>
+          </a:prstGeom>
+          <a:ln/>
+        </p:spPr>
+        <p:style>
+          <a:lnRef idx="1">
+            <a:schemeClr val="accent5"/>
+          </a:lnRef>
+          <a:fillRef idx="2">
+            <a:schemeClr val="accent5"/>
+          </a:fillRef>
+          <a:effectRef idx="1">
+            <a:schemeClr val="accent5"/>
+          </a:effectRef>
+          <a:fontRef idx="minor">
+            <a:schemeClr val="dk1"/>
+          </a:fontRef>
+        </p:style>
+        <p:txBody>
+          <a:bodyPr wrap="none" lIns="45720" tIns="0" rIns="45720" bIns="0" rtlCol="0">
+            <a:spAutoFit/>
+          </a:bodyPr>
+          <a:lstStyle/>
+          <a:p>
+            <a:r>
+              <a:rPr lang="en-US" sz="1000" smtClean="0"/>
+              <a:t>67</a:t>
+            </a:r>
+            <a:endParaRPr lang="en-US" sz="1000" dirty="0"/>
+          </a:p>
+        </p:txBody>
+      </p:sp>
+      <p:sp>
+        <p:nvSpPr>
+          <p:cNvPr id="406" name="TextBox 405"/>
+          <p:cNvSpPr txBox="1"/>
+          <p:nvPr/>
+        </p:nvSpPr>
+        <p:spPr>
+          <a:xfrm>
+            <a:off x="7953723" y="3626966"/>
+            <a:ext cx="404919" cy="153888"/>
+          </a:xfrm>
+          <a:prstGeom prst="rect">
+            <a:avLst/>
+          </a:prstGeom>
+          <a:ln/>
+        </p:spPr>
+        <p:style>
+          <a:lnRef idx="1">
+            <a:schemeClr val="accent5"/>
+          </a:lnRef>
+          <a:fillRef idx="2">
+            <a:schemeClr val="accent5"/>
+          </a:fillRef>
+          <a:effectRef idx="1">
+            <a:schemeClr val="accent5"/>
+          </a:effectRef>
+          <a:fontRef idx="minor">
+            <a:schemeClr val="dk1"/>
+          </a:fontRef>
+        </p:style>
+        <p:txBody>
+          <a:bodyPr wrap="none" lIns="45720" tIns="0" rIns="45720" bIns="0" rtlCol="0">
+            <a:spAutoFit/>
+          </a:bodyPr>
+          <a:lstStyle/>
+          <a:p>
+            <a:r>
+              <a:rPr lang="en-US" sz="1000" smtClean="0"/>
+              <a:t>61/60</a:t>
+            </a:r>
+            <a:endParaRPr lang="en-US" sz="1000"/>
+          </a:p>
+        </p:txBody>
+      </p:sp>
+      <p:sp>
+        <p:nvSpPr>
+          <p:cNvPr id="408" name="TextBox 407"/>
+          <p:cNvSpPr txBox="1"/>
+          <p:nvPr/>
+        </p:nvSpPr>
+        <p:spPr>
+          <a:xfrm>
+            <a:off x="8451981" y="3653736"/>
+            <a:ext cx="223779" cy="153888"/>
+          </a:xfrm>
+          <a:prstGeom prst="rect">
+            <a:avLst/>
+          </a:prstGeom>
+          <a:ln/>
+        </p:spPr>
+        <p:style>
+          <a:lnRef idx="1">
+            <a:schemeClr val="accent5"/>
+          </a:lnRef>
+          <a:fillRef idx="2">
+            <a:schemeClr val="accent5"/>
+          </a:fillRef>
+          <a:effectRef idx="1">
+            <a:schemeClr val="accent5"/>
+          </a:effectRef>
+          <a:fontRef idx="minor">
+            <a:schemeClr val="dk1"/>
+          </a:fontRef>
+        </p:style>
+        <p:txBody>
+          <a:bodyPr wrap="none" lIns="45720" tIns="0" rIns="45720" bIns="0" rtlCol="0">
+            <a:spAutoFit/>
+          </a:bodyPr>
+          <a:lstStyle/>
+          <a:p>
+            <a:r>
+              <a:rPr lang="en-US" sz="1000" smtClean="0"/>
+              <a:t>38</a:t>
+            </a:r>
+            <a:endParaRPr lang="en-US" sz="1000"/>
+          </a:p>
+        </p:txBody>
+      </p:sp>
+      <p:sp>
+        <p:nvSpPr>
+          <p:cNvPr id="409" name="TextBox 408"/>
+          <p:cNvSpPr txBox="1"/>
+          <p:nvPr/>
+        </p:nvSpPr>
+        <p:spPr>
+          <a:xfrm>
+            <a:off x="8039033" y="2764960"/>
+            <a:ext cx="289503" cy="153888"/>
+          </a:xfrm>
+          <a:prstGeom prst="rect">
+            <a:avLst/>
+          </a:prstGeom>
+          <a:ln/>
+        </p:spPr>
+        <p:style>
+          <a:lnRef idx="1">
+            <a:schemeClr val="accent5"/>
+          </a:lnRef>
+          <a:fillRef idx="2">
+            <a:schemeClr val="accent5"/>
+          </a:fillRef>
+          <a:effectRef idx="1">
+            <a:schemeClr val="accent5"/>
+          </a:effectRef>
+          <a:fontRef idx="minor">
+            <a:schemeClr val="dk1"/>
+          </a:fontRef>
+        </p:style>
+        <p:txBody>
+          <a:bodyPr wrap="none" lIns="45720" tIns="0" rIns="45720" bIns="0" rtlCol="0">
+            <a:spAutoFit/>
+          </a:bodyPr>
+          <a:lstStyle/>
+          <a:p>
+            <a:r>
+              <a:rPr lang="en-US" sz="1000" smtClean="0"/>
+              <a:t>100</a:t>
+            </a:r>
+            <a:endParaRPr lang="en-US" sz="1000"/>
+          </a:p>
+        </p:txBody>
+      </p:sp>
+      <p:sp>
+        <p:nvSpPr>
+          <p:cNvPr id="411" name="TextBox 410"/>
+          <p:cNvSpPr txBox="1"/>
+          <p:nvPr/>
+        </p:nvSpPr>
+        <p:spPr>
+          <a:xfrm>
+            <a:off x="8430190" y="1577692"/>
+            <a:ext cx="223779" cy="153888"/>
+          </a:xfrm>
+          <a:prstGeom prst="rect">
+            <a:avLst/>
+          </a:prstGeom>
+          <a:ln/>
+        </p:spPr>
+        <p:style>
+          <a:lnRef idx="1">
+            <a:schemeClr val="accent5"/>
+          </a:lnRef>
+          <a:fillRef idx="2">
+            <a:schemeClr val="accent5"/>
+          </a:fillRef>
+          <a:effectRef idx="1">
+            <a:schemeClr val="accent5"/>
+          </a:effectRef>
+          <a:fontRef idx="minor">
+            <a:schemeClr val="dk1"/>
+          </a:fontRef>
+        </p:style>
+        <p:txBody>
+          <a:bodyPr wrap="none" lIns="45720" tIns="0" rIns="45720" bIns="0" rtlCol="0">
+            <a:spAutoFit/>
+          </a:bodyPr>
+          <a:lstStyle/>
+          <a:p>
+            <a:r>
+              <a:rPr lang="en-US" sz="1000" smtClean="0"/>
+              <a:t>34</a:t>
+            </a:r>
+            <a:endParaRPr lang="en-US" sz="1000" dirty="0"/>
+          </a:p>
+        </p:txBody>
+      </p:sp>
+      <p:sp>
+        <p:nvSpPr>
+          <p:cNvPr id="412" name="TextBox 411"/>
+          <p:cNvSpPr txBox="1"/>
+          <p:nvPr/>
+        </p:nvSpPr>
+        <p:spPr>
+          <a:xfrm>
+            <a:off x="6356009" y="1481449"/>
+            <a:ext cx="223779" cy="153888"/>
+          </a:xfrm>
+          <a:prstGeom prst="rect">
+            <a:avLst/>
+          </a:prstGeom>
+          <a:ln/>
+        </p:spPr>
+        <p:style>
+          <a:lnRef idx="1">
+            <a:schemeClr val="accent5"/>
+          </a:lnRef>
+          <a:fillRef idx="2">
+            <a:schemeClr val="accent5"/>
+          </a:fillRef>
+          <a:effectRef idx="1">
+            <a:schemeClr val="accent5"/>
+          </a:effectRef>
+          <a:fontRef idx="minor">
+            <a:schemeClr val="dk1"/>
+          </a:fontRef>
+        </p:style>
+        <p:txBody>
+          <a:bodyPr wrap="square" lIns="45720" tIns="0" rIns="45720" bIns="0" rtlCol="0">
+            <a:spAutoFit/>
+          </a:bodyPr>
+          <a:lstStyle/>
+          <a:p>
+            <a:r>
+              <a:rPr lang="en-US" sz="1000" smtClean="0"/>
+              <a:t>74</a:t>
+            </a:r>
+            <a:endParaRPr lang="en-US" sz="1000"/>
+          </a:p>
+        </p:txBody>
+      </p:sp>
+      <p:sp>
+        <p:nvSpPr>
+          <p:cNvPr id="413" name="TextBox 412"/>
+          <p:cNvSpPr txBox="1"/>
+          <p:nvPr/>
+        </p:nvSpPr>
+        <p:spPr>
+          <a:xfrm>
+            <a:off x="2495432" y="1186161"/>
+            <a:ext cx="223779" cy="153888"/>
+          </a:xfrm>
+          <a:prstGeom prst="rect">
+            <a:avLst/>
+          </a:prstGeom>
+          <a:ln/>
+        </p:spPr>
+        <p:style>
+          <a:lnRef idx="1">
+            <a:schemeClr val="accent5"/>
+          </a:lnRef>
+          <a:fillRef idx="2">
+            <a:schemeClr val="accent5"/>
+          </a:fillRef>
+          <a:effectRef idx="1">
+            <a:schemeClr val="accent5"/>
+          </a:effectRef>
+          <a:fontRef idx="minor">
+            <a:schemeClr val="dk1"/>
+          </a:fontRef>
+        </p:style>
+        <p:txBody>
+          <a:bodyPr wrap="none" lIns="45720" tIns="0" rIns="45720" bIns="0" rtlCol="0">
+            <a:spAutoFit/>
+          </a:bodyPr>
+          <a:lstStyle/>
+          <a:p>
+            <a:r>
+              <a:rPr lang="en-US" sz="1000" smtClean="0"/>
+              <a:t>94</a:t>
+            </a:r>
+            <a:endParaRPr lang="en-US" sz="1000"/>
+          </a:p>
+        </p:txBody>
+      </p:sp>
+      <p:sp>
+        <p:nvSpPr>
+          <p:cNvPr id="414" name="TextBox 413"/>
+          <p:cNvSpPr txBox="1"/>
+          <p:nvPr/>
+        </p:nvSpPr>
+        <p:spPr>
+          <a:xfrm>
+            <a:off x="3543827" y="1876203"/>
+            <a:ext cx="223779" cy="153888"/>
+          </a:xfrm>
+          <a:prstGeom prst="rect">
+            <a:avLst/>
+          </a:prstGeom>
+          <a:ln/>
+        </p:spPr>
+        <p:style>
+          <a:lnRef idx="1">
+            <a:schemeClr val="accent5"/>
+          </a:lnRef>
+          <a:fillRef idx="2">
+            <a:schemeClr val="accent5"/>
+          </a:fillRef>
+          <a:effectRef idx="1">
+            <a:schemeClr val="accent5"/>
+          </a:effectRef>
+          <a:fontRef idx="minor">
+            <a:schemeClr val="dk1"/>
+          </a:fontRef>
+        </p:style>
+        <p:txBody>
+          <a:bodyPr wrap="none" lIns="45720" tIns="0" rIns="45720" bIns="0" rtlCol="0">
+            <a:spAutoFit/>
+          </a:bodyPr>
+          <a:lstStyle/>
+          <a:p>
+            <a:r>
+              <a:rPr lang="en-US" sz="1000" smtClean="0"/>
+              <a:t>78</a:t>
+            </a:r>
+            <a:endParaRPr lang="en-US" sz="1000" dirty="0"/>
+          </a:p>
+        </p:txBody>
+      </p:sp>
+      <p:sp>
+        <p:nvSpPr>
+          <p:cNvPr id="415" name="TextBox 414"/>
+          <p:cNvSpPr txBox="1"/>
+          <p:nvPr/>
+        </p:nvSpPr>
+        <p:spPr>
+          <a:xfrm>
+            <a:off x="3182792" y="1206409"/>
+            <a:ext cx="223779" cy="153888"/>
+          </a:xfrm>
+          <a:prstGeom prst="rect">
+            <a:avLst/>
+          </a:prstGeom>
+          <a:ln/>
+        </p:spPr>
+        <p:style>
+          <a:lnRef idx="1">
+            <a:schemeClr val="accent5"/>
+          </a:lnRef>
+          <a:fillRef idx="2">
+            <a:schemeClr val="accent5"/>
+          </a:fillRef>
+          <a:effectRef idx="1">
+            <a:schemeClr val="accent5"/>
+          </a:effectRef>
+          <a:fontRef idx="minor">
+            <a:schemeClr val="dk1"/>
+          </a:fontRef>
+        </p:style>
+        <p:txBody>
+          <a:bodyPr wrap="none" lIns="45720" tIns="0" rIns="45720" bIns="0" rtlCol="0">
+            <a:spAutoFit/>
+          </a:bodyPr>
+          <a:lstStyle/>
+          <a:p>
+            <a:r>
+              <a:rPr lang="en-US" sz="1000" dirty="0" smtClean="0"/>
+              <a:t>8</a:t>
+            </a:r>
+            <a:r>
+              <a:rPr lang="en-US" sz="1000" smtClean="0"/>
+              <a:t>0</a:t>
+            </a:r>
+            <a:endParaRPr lang="en-US" sz="1000" dirty="0"/>
+          </a:p>
+        </p:txBody>
+      </p:sp>
+      <p:sp>
+        <p:nvSpPr>
+          <p:cNvPr id="416" name="TextBox 415"/>
+          <p:cNvSpPr txBox="1"/>
+          <p:nvPr/>
+        </p:nvSpPr>
+        <p:spPr>
+          <a:xfrm>
+            <a:off x="3802889" y="1339334"/>
+            <a:ext cx="223779" cy="153888"/>
+          </a:xfrm>
+          <a:prstGeom prst="rect">
+            <a:avLst/>
+          </a:prstGeom>
+          <a:ln/>
+        </p:spPr>
+        <p:style>
+          <a:lnRef idx="1">
+            <a:schemeClr val="accent5"/>
+          </a:lnRef>
+          <a:fillRef idx="2">
+            <a:schemeClr val="accent5"/>
+          </a:fillRef>
+          <a:effectRef idx="1">
+            <a:schemeClr val="accent5"/>
+          </a:effectRef>
+          <a:fontRef idx="minor">
+            <a:schemeClr val="dk1"/>
+          </a:fontRef>
+        </p:style>
+        <p:txBody>
+          <a:bodyPr wrap="none" lIns="45720" tIns="0" rIns="45720" bIns="0" rtlCol="0">
+            <a:spAutoFit/>
+          </a:bodyPr>
+          <a:lstStyle/>
+          <a:p>
+            <a:r>
+              <a:rPr lang="en-US" sz="1000" smtClean="0"/>
+              <a:t>79</a:t>
+            </a:r>
+            <a:endParaRPr lang="en-US" sz="1000"/>
+          </a:p>
+        </p:txBody>
+      </p:sp>
+      <p:sp>
+        <p:nvSpPr>
+          <p:cNvPr id="418" name="TextBox 417"/>
+          <p:cNvSpPr txBox="1"/>
+          <p:nvPr/>
+        </p:nvSpPr>
+        <p:spPr>
+          <a:xfrm>
+            <a:off x="4096442" y="2551433"/>
+            <a:ext cx="289503" cy="153888"/>
+          </a:xfrm>
+          <a:prstGeom prst="rect">
+            <a:avLst/>
+          </a:prstGeom>
+          <a:ln/>
+        </p:spPr>
+        <p:style>
+          <a:lnRef idx="1">
+            <a:schemeClr val="accent5"/>
+          </a:lnRef>
+          <a:fillRef idx="2">
+            <a:schemeClr val="accent5"/>
+          </a:fillRef>
+          <a:effectRef idx="1">
+            <a:schemeClr val="accent5"/>
+          </a:effectRef>
+          <a:fontRef idx="minor">
+            <a:schemeClr val="dk1"/>
+          </a:fontRef>
+        </p:style>
+        <p:txBody>
+          <a:bodyPr wrap="none" lIns="45720" tIns="0" rIns="45720" bIns="0" rtlCol="0">
+            <a:spAutoFit/>
+          </a:bodyPr>
+          <a:lstStyle/>
+          <a:p>
+            <a:r>
+              <a:rPr lang="en-US" sz="1000" smtClean="0"/>
+              <a:t>104</a:t>
+            </a:r>
+            <a:endParaRPr lang="en-US" sz="1000"/>
+          </a:p>
+        </p:txBody>
+      </p:sp>
+      <p:sp>
+        <p:nvSpPr>
+          <p:cNvPr id="420" name="TextBox 419"/>
+          <p:cNvSpPr txBox="1"/>
+          <p:nvPr/>
+        </p:nvSpPr>
+        <p:spPr>
+          <a:xfrm>
+            <a:off x="4220466" y="4761609"/>
+            <a:ext cx="158057" cy="153888"/>
+          </a:xfrm>
+          <a:prstGeom prst="rect">
+            <a:avLst/>
+          </a:prstGeom>
+          <a:ln/>
+        </p:spPr>
+        <p:style>
+          <a:lnRef idx="1">
+            <a:schemeClr val="accent5"/>
+          </a:lnRef>
+          <a:fillRef idx="2">
+            <a:schemeClr val="accent5"/>
+          </a:fillRef>
+          <a:effectRef idx="1">
+            <a:schemeClr val="accent5"/>
+          </a:effectRef>
+          <a:fontRef idx="minor">
+            <a:schemeClr val="dk1"/>
+          </a:fontRef>
+        </p:style>
+        <p:txBody>
+          <a:bodyPr wrap="none" lIns="45720" tIns="0" rIns="45720" bIns="0" rtlCol="0">
+            <a:spAutoFit/>
+          </a:bodyPr>
+          <a:lstStyle/>
+          <a:p>
+            <a:r>
+              <a:rPr lang="en-US" sz="1000" smtClean="0"/>
+              <a:t>7</a:t>
+            </a:r>
+            <a:endParaRPr lang="en-US" sz="1000"/>
+          </a:p>
+        </p:txBody>
+      </p:sp>
+      <p:sp>
+        <p:nvSpPr>
+          <p:cNvPr id="421" name="TextBox 420"/>
+          <p:cNvSpPr txBox="1"/>
+          <p:nvPr/>
+        </p:nvSpPr>
+        <p:spPr>
+          <a:xfrm>
+            <a:off x="4220466" y="4574805"/>
+            <a:ext cx="158057" cy="153888"/>
+          </a:xfrm>
+          <a:prstGeom prst="rect">
+            <a:avLst/>
+          </a:prstGeom>
+          <a:ln/>
+        </p:spPr>
+        <p:style>
+          <a:lnRef idx="1">
+            <a:schemeClr val="accent5"/>
+          </a:lnRef>
+          <a:fillRef idx="2">
+            <a:schemeClr val="accent5"/>
+          </a:fillRef>
+          <a:effectRef idx="1">
+            <a:schemeClr val="accent5"/>
+          </a:effectRef>
+          <a:fontRef idx="minor">
+            <a:schemeClr val="dk1"/>
+          </a:fontRef>
+        </p:style>
+        <p:txBody>
+          <a:bodyPr wrap="none" lIns="45720" tIns="0" rIns="45720" bIns="0" rtlCol="0">
+            <a:spAutoFit/>
+          </a:bodyPr>
+          <a:lstStyle/>
+          <a:p>
+            <a:r>
+              <a:rPr lang="en-US" sz="1000" smtClean="0"/>
+              <a:t>5</a:t>
+            </a:r>
+            <a:endParaRPr lang="en-US" sz="1000"/>
+          </a:p>
+        </p:txBody>
+      </p:sp>
+      <p:sp>
+        <p:nvSpPr>
+          <p:cNvPr id="422" name="TextBox 421"/>
+          <p:cNvSpPr txBox="1"/>
+          <p:nvPr/>
+        </p:nvSpPr>
+        <p:spPr>
+          <a:xfrm>
+            <a:off x="4220466" y="4322069"/>
+            <a:ext cx="158057" cy="153888"/>
+          </a:xfrm>
+          <a:prstGeom prst="rect">
+            <a:avLst/>
+          </a:prstGeom>
+          <a:ln/>
+        </p:spPr>
+        <p:style>
+          <a:lnRef idx="1">
+            <a:schemeClr val="accent5"/>
+          </a:lnRef>
+          <a:fillRef idx="2">
+            <a:schemeClr val="accent5"/>
+          </a:fillRef>
+          <a:effectRef idx="1">
+            <a:schemeClr val="accent5"/>
+          </a:effectRef>
+          <a:fontRef idx="minor">
+            <a:schemeClr val="dk1"/>
+          </a:fontRef>
+        </p:style>
+        <p:txBody>
+          <a:bodyPr wrap="none" lIns="45720" tIns="0" rIns="45720" bIns="0" rtlCol="0">
+            <a:spAutoFit/>
+          </a:bodyPr>
+          <a:lstStyle/>
+          <a:p>
+            <a:r>
+              <a:rPr lang="en-US" sz="1000" smtClean="0"/>
+              <a:t>3</a:t>
+            </a:r>
+            <a:endParaRPr lang="en-US" sz="1000"/>
+          </a:p>
+        </p:txBody>
+      </p:sp>
+      <p:sp>
+        <p:nvSpPr>
+          <p:cNvPr id="423" name="TextBox 422"/>
+          <p:cNvSpPr txBox="1"/>
+          <p:nvPr/>
+        </p:nvSpPr>
+        <p:spPr>
+          <a:xfrm>
+            <a:off x="4220466" y="4077575"/>
+            <a:ext cx="158057" cy="153888"/>
+          </a:xfrm>
+          <a:prstGeom prst="rect">
+            <a:avLst/>
+          </a:prstGeom>
+          <a:ln/>
+        </p:spPr>
+        <p:style>
+          <a:lnRef idx="1">
+            <a:schemeClr val="accent5"/>
+          </a:lnRef>
+          <a:fillRef idx="2">
+            <a:schemeClr val="accent5"/>
+          </a:fillRef>
+          <a:effectRef idx="1">
+            <a:schemeClr val="accent5"/>
+          </a:effectRef>
+          <a:fontRef idx="minor">
+            <a:schemeClr val="dk1"/>
+          </a:fontRef>
+        </p:style>
+        <p:txBody>
+          <a:bodyPr wrap="none" lIns="45720" tIns="0" rIns="45720" bIns="0" rtlCol="0">
+            <a:spAutoFit/>
+          </a:bodyPr>
+          <a:lstStyle/>
+          <a:p>
+            <a:r>
+              <a:rPr lang="en-US" sz="1000" smtClean="0"/>
+              <a:t>1</a:t>
+            </a:r>
+            <a:endParaRPr lang="en-US" sz="1000"/>
+          </a:p>
+        </p:txBody>
+      </p:sp>
+      <p:sp>
+        <p:nvSpPr>
+          <p:cNvPr id="424" name="TextBox 423"/>
+          <p:cNvSpPr txBox="1"/>
+          <p:nvPr/>
+        </p:nvSpPr>
+        <p:spPr>
+          <a:xfrm>
+            <a:off x="1690741" y="3836068"/>
+            <a:ext cx="223779" cy="153888"/>
+          </a:xfrm>
+          <a:prstGeom prst="rect">
+            <a:avLst/>
+          </a:prstGeom>
+          <a:ln/>
+        </p:spPr>
+        <p:style>
+          <a:lnRef idx="1">
+            <a:schemeClr val="accent5"/>
+          </a:lnRef>
+          <a:fillRef idx="2">
+            <a:schemeClr val="accent5"/>
+          </a:fillRef>
+          <a:effectRef idx="1">
+            <a:schemeClr val="accent5"/>
+          </a:effectRef>
+          <a:fontRef idx="minor">
+            <a:schemeClr val="dk1"/>
+          </a:fontRef>
+        </p:style>
+        <p:txBody>
+          <a:bodyPr wrap="none" lIns="45720" tIns="0" rIns="45720" bIns="0" rtlCol="0">
+            <a:spAutoFit/>
+          </a:bodyPr>
+          <a:lstStyle/>
+          <a:p>
+            <a:r>
+              <a:rPr lang="en-US" sz="1000" smtClean="0"/>
+              <a:t>89</a:t>
+            </a:r>
+            <a:endParaRPr lang="en-US" sz="1000"/>
+          </a:p>
+        </p:txBody>
+      </p:sp>
+      <p:sp>
+        <p:nvSpPr>
+          <p:cNvPr id="425" name="TextBox 424"/>
+          <p:cNvSpPr txBox="1"/>
+          <p:nvPr/>
+        </p:nvSpPr>
+        <p:spPr>
+          <a:xfrm>
+            <a:off x="2182375" y="3880515"/>
+            <a:ext cx="289503" cy="153888"/>
+          </a:xfrm>
+          <a:prstGeom prst="rect">
+            <a:avLst/>
+          </a:prstGeom>
+          <a:ln/>
+        </p:spPr>
+        <p:style>
+          <a:lnRef idx="1">
+            <a:schemeClr val="accent5"/>
+          </a:lnRef>
+          <a:fillRef idx="2">
+            <a:schemeClr val="accent5"/>
+          </a:fillRef>
+          <a:effectRef idx="1">
+            <a:schemeClr val="accent5"/>
+          </a:effectRef>
+          <a:fontRef idx="minor">
+            <a:schemeClr val="dk1"/>
+          </a:fontRef>
+        </p:style>
+        <p:txBody>
+          <a:bodyPr wrap="none" lIns="45720" tIns="0" rIns="45720" bIns="0" rtlCol="0">
+            <a:spAutoFit/>
+          </a:bodyPr>
+          <a:lstStyle/>
+          <a:p>
+            <a:r>
+              <a:rPr lang="en-US" sz="1000" smtClean="0"/>
+              <a:t>107</a:t>
+            </a:r>
+            <a:endParaRPr lang="en-US" sz="1000"/>
+          </a:p>
+        </p:txBody>
+      </p:sp>
+      <p:sp>
+        <p:nvSpPr>
+          <p:cNvPr id="426" name="TextBox 425"/>
+          <p:cNvSpPr txBox="1"/>
+          <p:nvPr/>
+        </p:nvSpPr>
+        <p:spPr>
+          <a:xfrm>
+            <a:off x="1863128" y="3595036"/>
+            <a:ext cx="223779" cy="153888"/>
+          </a:xfrm>
+          <a:prstGeom prst="rect">
+            <a:avLst/>
+          </a:prstGeom>
+          <a:ln/>
+        </p:spPr>
+        <p:style>
+          <a:lnRef idx="1">
+            <a:schemeClr val="accent5"/>
+          </a:lnRef>
+          <a:fillRef idx="2">
+            <a:schemeClr val="accent5"/>
+          </a:fillRef>
+          <a:effectRef idx="1">
+            <a:schemeClr val="accent5"/>
+          </a:effectRef>
+          <a:fontRef idx="minor">
+            <a:schemeClr val="dk1"/>
+          </a:fontRef>
+        </p:style>
+        <p:txBody>
+          <a:bodyPr wrap="none" lIns="45720" tIns="0" rIns="45720" bIns="0" rtlCol="0">
+            <a:spAutoFit/>
+          </a:bodyPr>
+          <a:lstStyle/>
+          <a:p>
+            <a:r>
+              <a:rPr lang="en-US" sz="1000" smtClean="0"/>
+              <a:t>90</a:t>
+            </a:r>
+            <a:endParaRPr lang="en-US" sz="1000"/>
+          </a:p>
+        </p:txBody>
+      </p:sp>
+      <p:sp>
+        <p:nvSpPr>
+          <p:cNvPr id="427" name="TextBox 426"/>
+          <p:cNvSpPr txBox="1"/>
+          <p:nvPr/>
+        </p:nvSpPr>
+        <p:spPr>
+          <a:xfrm>
+            <a:off x="1854558" y="4583472"/>
+            <a:ext cx="404919" cy="153888"/>
+          </a:xfrm>
+          <a:prstGeom prst="rect">
+            <a:avLst/>
+          </a:prstGeom>
+          <a:ln/>
+        </p:spPr>
+        <p:style>
+          <a:lnRef idx="1">
+            <a:schemeClr val="accent5"/>
+          </a:lnRef>
+          <a:fillRef idx="2">
+            <a:schemeClr val="accent5"/>
+          </a:fillRef>
+          <a:effectRef idx="1">
+            <a:schemeClr val="accent5"/>
+          </a:effectRef>
+          <a:fontRef idx="minor">
+            <a:schemeClr val="dk1"/>
+          </a:fontRef>
+        </p:style>
+        <p:txBody>
+          <a:bodyPr wrap="none" lIns="45720" tIns="0" rIns="45720" bIns="0" rtlCol="0">
+            <a:spAutoFit/>
+          </a:bodyPr>
+          <a:lstStyle/>
+          <a:p>
+            <a:r>
+              <a:rPr lang="en-US" sz="1000" smtClean="0"/>
+              <a:t>87/88</a:t>
+            </a:r>
+            <a:endParaRPr lang="en-US" sz="1000"/>
+          </a:p>
+        </p:txBody>
+      </p:sp>
+      <p:sp>
+        <p:nvSpPr>
+          <p:cNvPr id="428" name="TextBox 427"/>
+          <p:cNvSpPr txBox="1"/>
+          <p:nvPr/>
+        </p:nvSpPr>
+        <p:spPr>
+          <a:xfrm>
+            <a:off x="3636885" y="2416931"/>
+            <a:ext cx="223779" cy="307777"/>
+          </a:xfrm>
+          <a:prstGeom prst="rect">
+            <a:avLst/>
+          </a:prstGeom>
+          <a:ln/>
+        </p:spPr>
+        <p:style>
+          <a:lnRef idx="1">
+            <a:schemeClr val="accent5"/>
+          </a:lnRef>
+          <a:fillRef idx="2">
+            <a:schemeClr val="accent5"/>
+          </a:fillRef>
+          <a:effectRef idx="1">
+            <a:schemeClr val="accent5"/>
+          </a:effectRef>
+          <a:fontRef idx="minor">
+            <a:schemeClr val="dk1"/>
+          </a:fontRef>
+        </p:style>
+        <p:txBody>
+          <a:bodyPr wrap="none" lIns="45720" tIns="0" rIns="45720" bIns="0" rtlCol="0">
+            <a:spAutoFit/>
+          </a:bodyPr>
+          <a:lstStyle/>
+          <a:p>
+            <a:r>
+              <a:rPr lang="en-US" sz="1000" smtClean="0"/>
+              <a:t>16</a:t>
+            </a:r>
+          </a:p>
+          <a:p>
+            <a:r>
+              <a:rPr lang="en-US" sz="1000" smtClean="0"/>
+              <a:t>17</a:t>
+            </a:r>
+            <a:endParaRPr lang="en-US" sz="1000"/>
+          </a:p>
+        </p:txBody>
+      </p:sp>
+      <p:sp>
+        <p:nvSpPr>
+          <p:cNvPr id="429" name="TextBox 428"/>
+          <p:cNvSpPr txBox="1"/>
+          <p:nvPr/>
+        </p:nvSpPr>
+        <p:spPr>
+          <a:xfrm>
+            <a:off x="4951710" y="2393407"/>
+            <a:ext cx="289503" cy="153888"/>
+          </a:xfrm>
+          <a:prstGeom prst="rect">
+            <a:avLst/>
+          </a:prstGeom>
+          <a:ln/>
+        </p:spPr>
+        <p:style>
+          <a:lnRef idx="1">
+            <a:schemeClr val="accent5"/>
+          </a:lnRef>
+          <a:fillRef idx="2">
+            <a:schemeClr val="accent5"/>
+          </a:fillRef>
+          <a:effectRef idx="1">
+            <a:schemeClr val="accent5"/>
+          </a:effectRef>
+          <a:fontRef idx="minor">
+            <a:schemeClr val="dk1"/>
+          </a:fontRef>
+        </p:style>
+        <p:txBody>
+          <a:bodyPr wrap="none" lIns="45720" tIns="0" rIns="45720" bIns="0" rtlCol="0">
+            <a:spAutoFit/>
+          </a:bodyPr>
+          <a:lstStyle/>
+          <a:p>
+            <a:r>
+              <a:rPr lang="en-US" sz="1000" smtClean="0"/>
+              <a:t>103</a:t>
+            </a:r>
+            <a:endParaRPr lang="en-US" sz="1000"/>
+          </a:p>
+        </p:txBody>
+      </p:sp>
+      <p:sp>
+        <p:nvSpPr>
+          <p:cNvPr id="430" name="TextBox 429"/>
+          <p:cNvSpPr txBox="1"/>
+          <p:nvPr/>
+        </p:nvSpPr>
+        <p:spPr>
+          <a:xfrm>
+            <a:off x="8065742" y="1212720"/>
+            <a:ext cx="223779" cy="153888"/>
+          </a:xfrm>
+          <a:prstGeom prst="rect">
+            <a:avLst/>
+          </a:prstGeom>
+          <a:ln/>
+        </p:spPr>
+        <p:style>
+          <a:lnRef idx="1">
+            <a:schemeClr val="accent5"/>
+          </a:lnRef>
+          <a:fillRef idx="2">
+            <a:schemeClr val="accent5"/>
+          </a:fillRef>
+          <a:effectRef idx="1">
+            <a:schemeClr val="accent5"/>
+          </a:effectRef>
+          <a:fontRef idx="minor">
+            <a:schemeClr val="dk1"/>
+          </a:fontRef>
+        </p:style>
+        <p:txBody>
+          <a:bodyPr wrap="none" lIns="45720" tIns="0" rIns="45720" bIns="0" rtlCol="0">
+            <a:spAutoFit/>
+          </a:bodyPr>
+          <a:lstStyle/>
+          <a:p>
+            <a:r>
+              <a:rPr lang="en-US" sz="1000" smtClean="0"/>
+              <a:t>58</a:t>
+            </a:r>
+            <a:endParaRPr lang="en-US" sz="1000"/>
+          </a:p>
+        </p:txBody>
+      </p:sp>
+      <p:sp>
+        <p:nvSpPr>
+          <p:cNvPr id="431" name="TextBox 430"/>
+          <p:cNvSpPr txBox="1"/>
+          <p:nvPr/>
+        </p:nvSpPr>
+        <p:spPr>
+          <a:xfrm>
+            <a:off x="5223317" y="1766474"/>
+            <a:ext cx="289503" cy="153888"/>
+          </a:xfrm>
+          <a:prstGeom prst="rect">
+            <a:avLst/>
+          </a:prstGeom>
+          <a:ln/>
+        </p:spPr>
+        <p:style>
+          <a:lnRef idx="1">
+            <a:schemeClr val="accent5"/>
+          </a:lnRef>
+          <a:fillRef idx="2">
+            <a:schemeClr val="accent5"/>
+          </a:fillRef>
+          <a:effectRef idx="1">
+            <a:schemeClr val="accent5"/>
+          </a:effectRef>
+          <a:fontRef idx="minor">
+            <a:schemeClr val="dk1"/>
+          </a:fontRef>
+        </p:style>
+        <p:txBody>
+          <a:bodyPr wrap="none" lIns="45720" tIns="0" rIns="45720" bIns="0" rtlCol="0">
+            <a:spAutoFit/>
+          </a:bodyPr>
+          <a:lstStyle/>
+          <a:p>
+            <a:r>
+              <a:rPr lang="en-US" sz="1000" smtClean="0"/>
+              <a:t>102</a:t>
+            </a:r>
+            <a:endParaRPr lang="en-US" sz="1000"/>
+          </a:p>
+        </p:txBody>
+      </p:sp>
+      <p:sp>
+        <p:nvSpPr>
+          <p:cNvPr id="432" name="TextBox 431"/>
+          <p:cNvSpPr txBox="1"/>
+          <p:nvPr/>
+        </p:nvSpPr>
+        <p:spPr>
+          <a:xfrm>
+            <a:off x="4198673" y="1664390"/>
+            <a:ext cx="223779" cy="153888"/>
+          </a:xfrm>
+          <a:prstGeom prst="rect">
+            <a:avLst/>
+          </a:prstGeom>
+          <a:ln/>
+        </p:spPr>
+        <p:style>
+          <a:lnRef idx="1">
+            <a:schemeClr val="accent5"/>
+          </a:lnRef>
+          <a:fillRef idx="2">
+            <a:schemeClr val="accent5"/>
+          </a:fillRef>
+          <a:effectRef idx="1">
+            <a:schemeClr val="accent5"/>
+          </a:effectRef>
+          <a:fontRef idx="minor">
+            <a:schemeClr val="dk1"/>
+          </a:fontRef>
+        </p:style>
+        <p:txBody>
+          <a:bodyPr wrap="none" lIns="45720" tIns="0" rIns="45720" bIns="0" rtlCol="0">
+            <a:spAutoFit/>
+          </a:bodyPr>
+          <a:lstStyle/>
+          <a:p>
+            <a:r>
+              <a:rPr lang="en-US" sz="1000" smtClean="0"/>
+              <a:t>77</a:t>
+            </a:r>
+            <a:endParaRPr lang="en-US" sz="1000" dirty="0"/>
+          </a:p>
+        </p:txBody>
+      </p:sp>
+      <p:sp>
+        <p:nvSpPr>
+          <p:cNvPr id="433" name="TextBox 432"/>
+          <p:cNvSpPr txBox="1"/>
+          <p:nvPr/>
+        </p:nvSpPr>
+        <p:spPr>
+          <a:xfrm>
+            <a:off x="4503406" y="1875096"/>
+            <a:ext cx="223779" cy="307777"/>
+          </a:xfrm>
+          <a:prstGeom prst="rect">
+            <a:avLst/>
+          </a:prstGeom>
+          <a:ln/>
+        </p:spPr>
+        <p:style>
+          <a:lnRef idx="1">
+            <a:schemeClr val="accent5"/>
+          </a:lnRef>
+          <a:fillRef idx="2">
+            <a:schemeClr val="accent5"/>
+          </a:fillRef>
+          <a:effectRef idx="1">
+            <a:schemeClr val="accent5"/>
+          </a:effectRef>
+          <a:fontRef idx="minor">
+            <a:schemeClr val="dk1"/>
+          </a:fontRef>
+        </p:style>
+        <p:txBody>
+          <a:bodyPr wrap="none" lIns="45720" tIns="0" rIns="45720" bIns="0" rtlCol="0">
+            <a:spAutoFit/>
+          </a:bodyPr>
+          <a:lstStyle/>
+          <a:p>
+            <a:r>
+              <a:rPr lang="en-US" sz="1000" smtClean="0"/>
+              <a:t>15</a:t>
+            </a:r>
+          </a:p>
+          <a:p>
+            <a:r>
+              <a:rPr lang="en-US" sz="1000" smtClean="0"/>
+              <a:t>14</a:t>
+            </a:r>
+            <a:endParaRPr lang="en-US" sz="1000" dirty="0"/>
+          </a:p>
+        </p:txBody>
+      </p:sp>
+      <p:sp>
+        <p:nvSpPr>
+          <p:cNvPr id="434" name="TextBox 433"/>
+          <p:cNvSpPr txBox="1"/>
+          <p:nvPr/>
+        </p:nvSpPr>
+        <p:spPr>
+          <a:xfrm>
+            <a:off x="4004583" y="1951026"/>
+            <a:ext cx="223779" cy="153888"/>
+          </a:xfrm>
+          <a:prstGeom prst="rect">
+            <a:avLst/>
+          </a:prstGeom>
+          <a:ln/>
+        </p:spPr>
+        <p:style>
+          <a:lnRef idx="1">
+            <a:schemeClr val="accent5"/>
+          </a:lnRef>
+          <a:fillRef idx="2">
+            <a:schemeClr val="accent5"/>
+          </a:fillRef>
+          <a:effectRef idx="1">
+            <a:schemeClr val="accent5"/>
+          </a:effectRef>
+          <a:fontRef idx="minor">
+            <a:schemeClr val="dk1"/>
+          </a:fontRef>
+        </p:style>
+        <p:txBody>
+          <a:bodyPr wrap="none" lIns="45720" tIns="0" rIns="45720" bIns="0" rtlCol="0">
+            <a:spAutoFit/>
+          </a:bodyPr>
+          <a:lstStyle/>
+          <a:p>
+            <a:r>
+              <a:rPr lang="en-US" sz="1000" smtClean="0"/>
+              <a:t>43</a:t>
+            </a:r>
+            <a:endParaRPr lang="en-US" sz="1000"/>
+          </a:p>
+        </p:txBody>
+      </p:sp>
+      <p:sp>
+        <p:nvSpPr>
+          <p:cNvPr id="439" name="TextBox 438"/>
+          <p:cNvSpPr txBox="1"/>
+          <p:nvPr/>
+        </p:nvSpPr>
+        <p:spPr>
+          <a:xfrm>
+            <a:off x="5623826" y="4344046"/>
+            <a:ext cx="158057" cy="153888"/>
+          </a:xfrm>
+          <a:prstGeom prst="rect">
+            <a:avLst/>
+          </a:prstGeom>
+          <a:ln/>
+        </p:spPr>
+        <p:style>
+          <a:lnRef idx="1">
+            <a:schemeClr val="accent5"/>
+          </a:lnRef>
+          <a:fillRef idx="2">
+            <a:schemeClr val="accent5"/>
+          </a:fillRef>
+          <a:effectRef idx="1">
+            <a:schemeClr val="accent5"/>
+          </a:effectRef>
+          <a:fontRef idx="minor">
+            <a:schemeClr val="dk1"/>
+          </a:fontRef>
+        </p:style>
+        <p:txBody>
+          <a:bodyPr wrap="none" lIns="45720" tIns="0" rIns="45720" bIns="0" rtlCol="0">
+            <a:spAutoFit/>
+          </a:bodyPr>
+          <a:lstStyle/>
+          <a:p>
+            <a:r>
+              <a:rPr lang="en-US" sz="1000" smtClean="0"/>
+              <a:t>4</a:t>
+            </a:r>
+            <a:endParaRPr lang="en-US" sz="1000"/>
+          </a:p>
+        </p:txBody>
+      </p:sp>
+      <p:sp>
+        <p:nvSpPr>
+          <p:cNvPr id="440" name="TextBox 439"/>
+          <p:cNvSpPr txBox="1"/>
+          <p:nvPr/>
+        </p:nvSpPr>
+        <p:spPr>
+          <a:xfrm>
+            <a:off x="5624741" y="4101309"/>
+            <a:ext cx="158057" cy="153888"/>
+          </a:xfrm>
+          <a:prstGeom prst="rect">
+            <a:avLst/>
+          </a:prstGeom>
+          <a:ln/>
+        </p:spPr>
+        <p:style>
+          <a:lnRef idx="1">
+            <a:schemeClr val="accent5"/>
+          </a:lnRef>
+          <a:fillRef idx="2">
+            <a:schemeClr val="accent5"/>
+          </a:fillRef>
+          <a:effectRef idx="1">
+            <a:schemeClr val="accent5"/>
+          </a:effectRef>
+          <a:fontRef idx="minor">
+            <a:schemeClr val="dk1"/>
+          </a:fontRef>
+        </p:style>
+        <p:txBody>
+          <a:bodyPr wrap="none" lIns="45720" tIns="0" rIns="45720" bIns="0" rtlCol="0">
+            <a:spAutoFit/>
+          </a:bodyPr>
+          <a:lstStyle/>
+          <a:p>
+            <a:r>
+              <a:rPr lang="en-US" sz="1000" smtClean="0"/>
+              <a:t>2</a:t>
+            </a:r>
+            <a:endParaRPr lang="en-US" sz="1000"/>
+          </a:p>
+        </p:txBody>
+      </p:sp>
+      <p:sp>
+        <p:nvSpPr>
+          <p:cNvPr id="441" name="TextBox 440"/>
+          <p:cNvSpPr txBox="1"/>
+          <p:nvPr/>
+        </p:nvSpPr>
+        <p:spPr>
+          <a:xfrm>
+            <a:off x="7541479" y="1240513"/>
+            <a:ext cx="223779" cy="153888"/>
+          </a:xfrm>
+          <a:prstGeom prst="rect">
+            <a:avLst/>
+          </a:prstGeom>
+          <a:ln/>
+        </p:spPr>
+        <p:style>
+          <a:lnRef idx="1">
+            <a:schemeClr val="accent5"/>
+          </a:lnRef>
+          <a:fillRef idx="2">
+            <a:schemeClr val="accent5"/>
+          </a:fillRef>
+          <a:effectRef idx="1">
+            <a:schemeClr val="accent5"/>
+          </a:effectRef>
+          <a:fontRef idx="minor">
+            <a:schemeClr val="dk1"/>
+          </a:fontRef>
+        </p:style>
+        <p:txBody>
+          <a:bodyPr wrap="none" lIns="45720" tIns="0" rIns="45720" bIns="0" rtlCol="0">
+            <a:spAutoFit/>
+          </a:bodyPr>
+          <a:lstStyle/>
+          <a:p>
+            <a:r>
+              <a:rPr lang="en-US" sz="1000" smtClean="0"/>
+              <a:t>99</a:t>
+            </a:r>
+            <a:endParaRPr lang="en-US" sz="1000"/>
+          </a:p>
+        </p:txBody>
+      </p:sp>
+      <p:sp>
+        <p:nvSpPr>
+          <p:cNvPr id="442" name="TextBox 441"/>
+          <p:cNvSpPr txBox="1"/>
+          <p:nvPr/>
+        </p:nvSpPr>
+        <p:spPr>
+          <a:xfrm>
+            <a:off x="6418312" y="5768601"/>
+            <a:ext cx="223779" cy="153888"/>
+          </a:xfrm>
+          <a:prstGeom prst="rect">
+            <a:avLst/>
+          </a:prstGeom>
+          <a:ln/>
+        </p:spPr>
+        <p:style>
+          <a:lnRef idx="1">
+            <a:schemeClr val="accent5"/>
+          </a:lnRef>
+          <a:fillRef idx="2">
+            <a:schemeClr val="accent5"/>
+          </a:fillRef>
+          <a:effectRef idx="1">
+            <a:schemeClr val="accent5"/>
+          </a:effectRef>
+          <a:fontRef idx="minor">
+            <a:schemeClr val="dk1"/>
+          </a:fontRef>
+        </p:style>
+        <p:txBody>
+          <a:bodyPr wrap="none" lIns="45720" tIns="0" rIns="45720" bIns="0" rtlCol="0">
+            <a:spAutoFit/>
+          </a:bodyPr>
+          <a:lstStyle/>
+          <a:p>
+            <a:r>
+              <a:rPr lang="en-US" sz="1000" smtClean="0"/>
+              <a:t>40</a:t>
+            </a:r>
+            <a:endParaRPr lang="en-US" sz="1000"/>
+          </a:p>
+        </p:txBody>
+      </p:sp>
+      <p:sp>
+        <p:nvSpPr>
+          <p:cNvPr id="443" name="TextBox 442"/>
+          <p:cNvSpPr txBox="1"/>
+          <p:nvPr/>
+        </p:nvSpPr>
+        <p:spPr>
+          <a:xfrm>
+            <a:off x="8057172" y="6109958"/>
+            <a:ext cx="289503" cy="153888"/>
+          </a:xfrm>
+          <a:prstGeom prst="rect">
+            <a:avLst/>
+          </a:prstGeom>
+          <a:ln/>
+        </p:spPr>
+        <p:style>
+          <a:lnRef idx="1">
+            <a:schemeClr val="accent5"/>
+          </a:lnRef>
+          <a:fillRef idx="2">
+            <a:schemeClr val="accent5"/>
+          </a:fillRef>
+          <a:effectRef idx="1">
+            <a:schemeClr val="accent5"/>
+          </a:effectRef>
+          <a:fontRef idx="minor">
+            <a:schemeClr val="dk1"/>
+          </a:fontRef>
+        </p:style>
+        <p:txBody>
+          <a:bodyPr wrap="none" lIns="45720" tIns="0" rIns="45720" bIns="0" rtlCol="0">
+            <a:spAutoFit/>
+          </a:bodyPr>
+          <a:lstStyle/>
+          <a:p>
+            <a:r>
+              <a:rPr lang="en-US" sz="1000" smtClean="0"/>
+              <a:t>106</a:t>
+            </a:r>
+            <a:endParaRPr lang="en-US" sz="1000"/>
+          </a:p>
+        </p:txBody>
+      </p:sp>
+      <p:sp>
+        <p:nvSpPr>
+          <p:cNvPr id="444" name="TextBox 443"/>
+          <p:cNvSpPr txBox="1"/>
+          <p:nvPr/>
+        </p:nvSpPr>
+        <p:spPr>
+          <a:xfrm>
+            <a:off x="6871740" y="5876672"/>
+            <a:ext cx="223779" cy="153888"/>
+          </a:xfrm>
+          <a:prstGeom prst="rect">
+            <a:avLst/>
+          </a:prstGeom>
+          <a:ln/>
+        </p:spPr>
+        <p:style>
+          <a:lnRef idx="1">
+            <a:schemeClr val="accent5"/>
+          </a:lnRef>
+          <a:fillRef idx="2">
+            <a:schemeClr val="accent5"/>
+          </a:fillRef>
+          <a:effectRef idx="1">
+            <a:schemeClr val="accent5"/>
+          </a:effectRef>
+          <a:fontRef idx="minor">
+            <a:schemeClr val="dk1"/>
+          </a:fontRef>
+        </p:style>
+        <p:txBody>
+          <a:bodyPr wrap="none" lIns="45720" tIns="0" rIns="45720" bIns="0" rtlCol="0">
+            <a:spAutoFit/>
+          </a:bodyPr>
+          <a:lstStyle/>
+          <a:p>
+            <a:r>
+              <a:rPr lang="en-US" sz="1000" smtClean="0"/>
+              <a:t>64</a:t>
+            </a:r>
+            <a:endParaRPr lang="en-US" sz="1000"/>
+          </a:p>
+        </p:txBody>
+      </p:sp>
+      <p:sp>
+        <p:nvSpPr>
+          <p:cNvPr id="445" name="TextBox 444"/>
+          <p:cNvSpPr txBox="1"/>
+          <p:nvPr/>
+        </p:nvSpPr>
+        <p:spPr>
+          <a:xfrm>
+            <a:off x="8040009" y="5737175"/>
+            <a:ext cx="289503" cy="153888"/>
+          </a:xfrm>
+          <a:prstGeom prst="rect">
+            <a:avLst/>
+          </a:prstGeom>
+          <a:ln/>
+        </p:spPr>
+        <p:style>
+          <a:lnRef idx="1">
+            <a:schemeClr val="accent5"/>
+          </a:lnRef>
+          <a:fillRef idx="2">
+            <a:schemeClr val="accent5"/>
+          </a:fillRef>
+          <a:effectRef idx="1">
+            <a:schemeClr val="accent5"/>
+          </a:effectRef>
+          <a:fontRef idx="minor">
+            <a:schemeClr val="dk1"/>
+          </a:fontRef>
+        </p:style>
+        <p:txBody>
+          <a:bodyPr wrap="none" lIns="45720" tIns="0" rIns="45720" bIns="0" rtlCol="0">
+            <a:spAutoFit/>
+          </a:bodyPr>
+          <a:lstStyle/>
+          <a:p>
+            <a:r>
+              <a:rPr lang="en-US" sz="1000" smtClean="0"/>
+              <a:t>108</a:t>
+            </a:r>
+            <a:endParaRPr lang="en-US" sz="1000" dirty="0"/>
+          </a:p>
+        </p:txBody>
+      </p:sp>
+      <p:sp>
+        <p:nvSpPr>
+          <p:cNvPr id="450" name="TextBox 449"/>
+          <p:cNvSpPr txBox="1"/>
+          <p:nvPr/>
+        </p:nvSpPr>
+        <p:spPr>
+          <a:xfrm>
+            <a:off x="7693552" y="3962295"/>
+            <a:ext cx="223779" cy="153888"/>
+          </a:xfrm>
+          <a:prstGeom prst="rect">
+            <a:avLst/>
+          </a:prstGeom>
+          <a:ln/>
+        </p:spPr>
+        <p:style>
+          <a:lnRef idx="1">
+            <a:schemeClr val="accent5"/>
+          </a:lnRef>
+          <a:fillRef idx="2">
+            <a:schemeClr val="accent5"/>
+          </a:fillRef>
+          <a:effectRef idx="1">
+            <a:schemeClr val="accent5"/>
+          </a:effectRef>
+          <a:fontRef idx="minor">
+            <a:schemeClr val="dk1"/>
+          </a:fontRef>
+        </p:style>
+        <p:txBody>
+          <a:bodyPr wrap="none" lIns="45720" tIns="0" rIns="45720" bIns="0" rtlCol="0">
+            <a:spAutoFit/>
+          </a:bodyPr>
+          <a:lstStyle/>
+          <a:p>
+            <a:r>
+              <a:rPr lang="en-US" sz="1000" smtClean="0"/>
+              <a:t>68</a:t>
+            </a:r>
+            <a:endParaRPr lang="en-US" sz="1000"/>
+          </a:p>
+        </p:txBody>
+      </p:sp>
+      <p:sp>
+        <p:nvSpPr>
+          <p:cNvPr id="451" name="TextBox 450"/>
+          <p:cNvSpPr txBox="1"/>
+          <p:nvPr/>
+        </p:nvSpPr>
+        <p:spPr>
+          <a:xfrm>
+            <a:off x="7501735" y="3343265"/>
+            <a:ext cx="223779" cy="153888"/>
+          </a:xfrm>
+          <a:prstGeom prst="rect">
+            <a:avLst/>
+          </a:prstGeom>
+          <a:ln/>
+        </p:spPr>
+        <p:style>
+          <a:lnRef idx="1">
+            <a:schemeClr val="accent5"/>
+          </a:lnRef>
+          <a:fillRef idx="2">
+            <a:schemeClr val="accent5"/>
+          </a:fillRef>
+          <a:effectRef idx="1">
+            <a:schemeClr val="accent5"/>
+          </a:effectRef>
+          <a:fontRef idx="minor">
+            <a:schemeClr val="dk1"/>
+          </a:fontRef>
+        </p:style>
+        <p:txBody>
+          <a:bodyPr wrap="none" lIns="45720" tIns="0" rIns="45720" bIns="0" rtlCol="0">
+            <a:spAutoFit/>
+          </a:bodyPr>
+          <a:lstStyle/>
+          <a:p>
+            <a:r>
+              <a:rPr lang="en-US" sz="1000" smtClean="0"/>
+              <a:t>69</a:t>
+            </a:r>
+            <a:endParaRPr lang="en-US" sz="1000"/>
+          </a:p>
+        </p:txBody>
+      </p:sp>
+      <p:sp>
+        <p:nvSpPr>
+          <p:cNvPr id="452" name="TextBox 451"/>
+          <p:cNvSpPr txBox="1"/>
+          <p:nvPr/>
+        </p:nvSpPr>
+        <p:spPr>
+          <a:xfrm>
+            <a:off x="7224564" y="3003234"/>
+            <a:ext cx="223779" cy="153888"/>
+          </a:xfrm>
+          <a:prstGeom prst="rect">
+            <a:avLst/>
+          </a:prstGeom>
+          <a:ln/>
+        </p:spPr>
+        <p:style>
+          <a:lnRef idx="1">
+            <a:schemeClr val="accent5"/>
+          </a:lnRef>
+          <a:fillRef idx="2">
+            <a:schemeClr val="accent5"/>
+          </a:fillRef>
+          <a:effectRef idx="1">
+            <a:schemeClr val="accent5"/>
+          </a:effectRef>
+          <a:fontRef idx="minor">
+            <a:schemeClr val="dk1"/>
+          </a:fontRef>
+        </p:style>
+        <p:txBody>
+          <a:bodyPr wrap="none" lIns="45720" tIns="0" rIns="45720" bIns="0" rtlCol="0">
+            <a:spAutoFit/>
+          </a:bodyPr>
+          <a:lstStyle/>
+          <a:p>
+            <a:r>
+              <a:rPr lang="en-US" sz="1000" smtClean="0"/>
+              <a:t>70</a:t>
+            </a:r>
+            <a:endParaRPr lang="en-US" sz="1000"/>
+          </a:p>
+        </p:txBody>
+      </p:sp>
+      <p:sp>
+        <p:nvSpPr>
+          <p:cNvPr id="453" name="TextBox 452"/>
+          <p:cNvSpPr txBox="1"/>
+          <p:nvPr/>
+        </p:nvSpPr>
+        <p:spPr>
+          <a:xfrm>
+            <a:off x="6980393" y="2548426"/>
+            <a:ext cx="223779" cy="153888"/>
+          </a:xfrm>
+          <a:prstGeom prst="rect">
+            <a:avLst/>
+          </a:prstGeom>
+          <a:ln/>
+        </p:spPr>
+        <p:style>
+          <a:lnRef idx="1">
+            <a:schemeClr val="accent5"/>
+          </a:lnRef>
+          <a:fillRef idx="2">
+            <a:schemeClr val="accent5"/>
+          </a:fillRef>
+          <a:effectRef idx="1">
+            <a:schemeClr val="accent5"/>
+          </a:effectRef>
+          <a:fontRef idx="minor">
+            <a:schemeClr val="dk1"/>
+          </a:fontRef>
+        </p:style>
+        <p:txBody>
+          <a:bodyPr wrap="none" lIns="45720" tIns="0" rIns="45720" bIns="0" rtlCol="0">
+            <a:spAutoFit/>
+          </a:bodyPr>
+          <a:lstStyle/>
+          <a:p>
+            <a:r>
+              <a:rPr lang="en-US" sz="1000" smtClean="0"/>
+              <a:t>71</a:t>
+            </a:r>
+            <a:endParaRPr lang="en-US" sz="1000" dirty="0"/>
+          </a:p>
+        </p:txBody>
+      </p:sp>
+      <p:sp>
+        <p:nvSpPr>
+          <p:cNvPr id="454" name="TextBox 453"/>
+          <p:cNvSpPr txBox="1"/>
+          <p:nvPr/>
+        </p:nvSpPr>
+        <p:spPr>
+          <a:xfrm>
+            <a:off x="3629891" y="3519054"/>
+            <a:ext cx="1813702" cy="369332"/>
+          </a:xfrm>
+          <a:prstGeom prst="rect">
+            <a:avLst/>
+          </a:prstGeom>
+        </p:spPr>
+        <p:style>
+          <a:lnRef idx="1">
+            <a:schemeClr val="accent5"/>
+          </a:lnRef>
+          <a:fillRef idx="2">
+            <a:schemeClr val="accent5"/>
+          </a:fillRef>
+          <a:effectRef idx="1">
+            <a:schemeClr val="accent5"/>
+          </a:effectRef>
+          <a:fontRef idx="minor">
+            <a:schemeClr val="dk1"/>
+          </a:fontRef>
+        </p:style>
+        <p:txBody>
+          <a:bodyPr wrap="none" rtlCol="0">
+            <a:spAutoFit/>
+          </a:bodyPr>
+          <a:lstStyle/>
+          <a:p>
+            <a:r>
+              <a:rPr lang="en-US" b="1" smtClean="0"/>
+              <a:t>Section Numbers</a:t>
+            </a:r>
+            <a:endParaRPr lang="en-US" b="1" dirty="0"/>
+          </a:p>
+        </p:txBody>
+      </p:sp>
+      <p:sp>
+        <p:nvSpPr>
+          <p:cNvPr id="462" name="Rectangle 461"/>
+          <p:cNvSpPr/>
+          <p:nvPr/>
+        </p:nvSpPr>
+        <p:spPr>
+          <a:xfrm>
+            <a:off x="2182761" y="897544"/>
+            <a:ext cx="105346" cy="63208"/>
+          </a:xfrm>
+          <a:prstGeom prst="rect">
+            <a:avLst/>
+          </a:prstGeom>
+          <a:solidFill>
+            <a:schemeClr val="accent3">
+              <a:lumMod val="75000"/>
+            </a:schemeClr>
+          </a:solidFill>
+          <a:ln>
+            <a:solidFill>
+              <a:schemeClr val="accent3">
+                <a:lumMod val="75000"/>
+              </a:schemeClr>
+            </a:solidFill>
+          </a:ln>
+          <a:effectLst/>
+        </p:spPr>
+        <p:style>
+          <a:lnRef idx="1">
+            <a:schemeClr val="accent3"/>
+          </a:lnRef>
+          <a:fillRef idx="3">
+            <a:schemeClr val="accent3"/>
+          </a:fillRef>
+          <a:effectRef idx="2">
+            <a:schemeClr val="accent3"/>
+          </a:effectRef>
+          <a:fontRef idx="minor">
+            <a:schemeClr val="lt1"/>
+          </a:fontRef>
+        </p:style>
+        <p:txBody>
+          <a:bodyPr rtlCol="0" anchor="ctr"/>
+          <a:lstStyle/>
+          <a:p>
+            <a:pPr algn="ctr"/>
+            <a:endParaRPr lang="en-US"/>
+          </a:p>
+        </p:txBody>
+      </p:sp>
+      <p:sp>
+        <p:nvSpPr>
+          <p:cNvPr id="463" name="Rectangle 462"/>
+          <p:cNvSpPr/>
+          <p:nvPr/>
+        </p:nvSpPr>
+        <p:spPr>
+          <a:xfrm>
+            <a:off x="4994786" y="1661650"/>
+            <a:ext cx="162935" cy="66017"/>
+          </a:xfrm>
+          <a:prstGeom prst="rect">
+            <a:avLst/>
+          </a:prstGeom>
+          <a:solidFill>
+            <a:schemeClr val="accent3">
+              <a:lumMod val="75000"/>
+            </a:schemeClr>
+          </a:solidFill>
+          <a:ln>
+            <a:solidFill>
+              <a:schemeClr val="accent3">
+                <a:lumMod val="75000"/>
+              </a:schemeClr>
+            </a:solidFill>
+          </a:ln>
+          <a:effectLst/>
+        </p:spPr>
+        <p:style>
+          <a:lnRef idx="1">
+            <a:schemeClr val="accent3"/>
+          </a:lnRef>
+          <a:fillRef idx="3">
+            <a:schemeClr val="accent3"/>
+          </a:fillRef>
+          <a:effectRef idx="2">
+            <a:schemeClr val="accent3"/>
+          </a:effectRef>
+          <a:fontRef idx="minor">
+            <a:schemeClr val="lt1"/>
+          </a:fontRef>
+        </p:style>
+        <p:txBody>
+          <a:bodyPr rtlCol="0" anchor="ctr"/>
+          <a:lstStyle/>
+          <a:p>
+            <a:pPr algn="ctr"/>
+            <a:endParaRPr lang="en-US"/>
+          </a:p>
+        </p:txBody>
+      </p:sp>
+      <p:sp>
+        <p:nvSpPr>
+          <p:cNvPr id="464" name="Rectangle 463"/>
+          <p:cNvSpPr/>
+          <p:nvPr/>
+        </p:nvSpPr>
+        <p:spPr>
+          <a:xfrm>
+            <a:off x="486696" y="2593608"/>
+            <a:ext cx="105346" cy="63208"/>
+          </a:xfrm>
+          <a:prstGeom prst="rect">
+            <a:avLst/>
+          </a:prstGeom>
+          <a:solidFill>
+            <a:schemeClr val="accent3">
+              <a:lumMod val="75000"/>
+            </a:schemeClr>
+          </a:solidFill>
+          <a:ln>
+            <a:solidFill>
+              <a:schemeClr val="accent3">
+                <a:lumMod val="75000"/>
+              </a:schemeClr>
+            </a:solidFill>
+          </a:ln>
+          <a:effectLst/>
+        </p:spPr>
+        <p:style>
+          <a:lnRef idx="1">
+            <a:schemeClr val="accent3"/>
+          </a:lnRef>
+          <a:fillRef idx="3">
+            <a:schemeClr val="accent3"/>
+          </a:fillRef>
+          <a:effectRef idx="2">
+            <a:schemeClr val="accent3"/>
+          </a:effectRef>
+          <a:fontRef idx="minor">
+            <a:schemeClr val="lt1"/>
+          </a:fontRef>
+        </p:style>
+        <p:txBody>
+          <a:bodyPr rtlCol="0" anchor="ctr"/>
+          <a:lstStyle/>
+          <a:p>
+            <a:pPr algn="ctr"/>
+            <a:endParaRPr lang="en-US"/>
+          </a:p>
+        </p:txBody>
+      </p:sp>
+      <p:sp>
+        <p:nvSpPr>
+          <p:cNvPr id="465" name="Rectangle 464"/>
+          <p:cNvSpPr/>
+          <p:nvPr/>
+        </p:nvSpPr>
+        <p:spPr>
+          <a:xfrm>
+            <a:off x="807648" y="2105507"/>
+            <a:ext cx="105346" cy="63208"/>
+          </a:xfrm>
+          <a:prstGeom prst="rect">
+            <a:avLst/>
+          </a:prstGeom>
+          <a:solidFill>
+            <a:schemeClr val="accent3">
+              <a:lumMod val="75000"/>
+            </a:schemeClr>
+          </a:solidFill>
+          <a:ln>
+            <a:solidFill>
+              <a:schemeClr val="accent3">
+                <a:lumMod val="75000"/>
+              </a:schemeClr>
+            </a:solidFill>
+          </a:ln>
+          <a:effectLst/>
+        </p:spPr>
+        <p:style>
+          <a:lnRef idx="1">
+            <a:schemeClr val="accent3"/>
+          </a:lnRef>
+          <a:fillRef idx="3">
+            <a:schemeClr val="accent3"/>
+          </a:fillRef>
+          <a:effectRef idx="2">
+            <a:schemeClr val="accent3"/>
+          </a:effectRef>
+          <a:fontRef idx="minor">
+            <a:schemeClr val="lt1"/>
+          </a:fontRef>
+        </p:style>
+        <p:txBody>
+          <a:bodyPr rtlCol="0" anchor="ctr"/>
+          <a:lstStyle/>
+          <a:p>
+            <a:pPr algn="ctr"/>
+            <a:endParaRPr lang="en-US"/>
+          </a:p>
+        </p:txBody>
+      </p:sp>
+      <p:sp>
+        <p:nvSpPr>
+          <p:cNvPr id="466" name="Rectangle 465"/>
+          <p:cNvSpPr/>
+          <p:nvPr/>
+        </p:nvSpPr>
+        <p:spPr>
+          <a:xfrm>
+            <a:off x="3673753" y="585019"/>
+            <a:ext cx="105346" cy="63208"/>
+          </a:xfrm>
+          <a:prstGeom prst="rect">
+            <a:avLst/>
+          </a:prstGeom>
+          <a:solidFill>
+            <a:schemeClr val="accent3">
+              <a:lumMod val="75000"/>
+            </a:schemeClr>
+          </a:solidFill>
+          <a:ln>
+            <a:solidFill>
+              <a:schemeClr val="accent3">
+                <a:lumMod val="75000"/>
+              </a:schemeClr>
+            </a:solidFill>
+          </a:ln>
+          <a:effectLst/>
+        </p:spPr>
+        <p:style>
+          <a:lnRef idx="1">
+            <a:schemeClr val="accent3"/>
+          </a:lnRef>
+          <a:fillRef idx="3">
+            <a:schemeClr val="accent3"/>
+          </a:fillRef>
+          <a:effectRef idx="2">
+            <a:schemeClr val="accent3"/>
+          </a:effectRef>
+          <a:fontRef idx="minor">
+            <a:schemeClr val="lt1"/>
+          </a:fontRef>
+        </p:style>
+        <p:txBody>
+          <a:bodyPr rtlCol="0" anchor="ctr"/>
+          <a:lstStyle/>
+          <a:p>
+            <a:pPr algn="ctr"/>
+            <a:endParaRPr lang="en-US"/>
+          </a:p>
+        </p:txBody>
+      </p:sp>
+      <p:sp>
+        <p:nvSpPr>
+          <p:cNvPr id="467" name="Rectangle 466"/>
+          <p:cNvSpPr/>
+          <p:nvPr/>
+        </p:nvSpPr>
+        <p:spPr>
+          <a:xfrm>
+            <a:off x="806947" y="2999248"/>
+            <a:ext cx="162935" cy="66017"/>
+          </a:xfrm>
+          <a:prstGeom prst="rect">
+            <a:avLst/>
+          </a:prstGeom>
+          <a:solidFill>
+            <a:schemeClr val="accent3">
+              <a:lumMod val="75000"/>
+            </a:schemeClr>
+          </a:solidFill>
+          <a:ln>
+            <a:solidFill>
+              <a:schemeClr val="accent3">
+                <a:lumMod val="75000"/>
+              </a:schemeClr>
+            </a:solidFill>
+          </a:ln>
+          <a:effectLst/>
+        </p:spPr>
+        <p:style>
+          <a:lnRef idx="1">
+            <a:schemeClr val="accent3"/>
+          </a:lnRef>
+          <a:fillRef idx="3">
+            <a:schemeClr val="accent3"/>
+          </a:fillRef>
+          <a:effectRef idx="2">
+            <a:schemeClr val="accent3"/>
+          </a:effectRef>
+          <a:fontRef idx="minor">
+            <a:schemeClr val="lt1"/>
+          </a:fontRef>
+        </p:style>
+        <p:txBody>
+          <a:bodyPr rtlCol="0" anchor="ctr"/>
+          <a:lstStyle/>
+          <a:p>
+            <a:pPr algn="ctr"/>
+            <a:endParaRPr lang="en-US"/>
+          </a:p>
+        </p:txBody>
+      </p:sp>
+      <p:sp>
+        <p:nvSpPr>
+          <p:cNvPr id="469" name="Rectangle 468"/>
+          <p:cNvSpPr/>
+          <p:nvPr/>
+        </p:nvSpPr>
+        <p:spPr>
+          <a:xfrm>
+            <a:off x="4760919" y="2072499"/>
+            <a:ext cx="162935" cy="66017"/>
+          </a:xfrm>
+          <a:prstGeom prst="rect">
+            <a:avLst/>
+          </a:prstGeom>
+          <a:solidFill>
+            <a:schemeClr val="accent3">
+              <a:lumMod val="75000"/>
+            </a:schemeClr>
+          </a:solidFill>
+          <a:ln>
+            <a:solidFill>
+              <a:schemeClr val="accent3">
+                <a:lumMod val="75000"/>
+              </a:schemeClr>
+            </a:solidFill>
+          </a:ln>
+        </p:spPr>
+        <p:style>
+          <a:lnRef idx="1">
+            <a:schemeClr val="accent3"/>
+          </a:lnRef>
+          <a:fillRef idx="3">
+            <a:schemeClr val="accent3"/>
+          </a:fillRef>
+          <a:effectRef idx="2">
+            <a:schemeClr val="accent3"/>
+          </a:effectRef>
+          <a:fontRef idx="minor">
+            <a:schemeClr val="lt1"/>
+          </a:fontRef>
+        </p:style>
+        <p:txBody>
+          <a:bodyPr rtlCol="0" anchor="ctr"/>
+          <a:lstStyle/>
+          <a:p>
+            <a:pPr algn="ctr"/>
+            <a:endParaRPr lang="en-US"/>
+          </a:p>
+        </p:txBody>
+      </p:sp>
+      <p:sp>
+        <p:nvSpPr>
+          <p:cNvPr id="470" name="Rectangle 469"/>
+          <p:cNvSpPr/>
+          <p:nvPr/>
+        </p:nvSpPr>
+        <p:spPr>
+          <a:xfrm>
+            <a:off x="2616785" y="2924384"/>
+            <a:ext cx="162935" cy="66017"/>
+          </a:xfrm>
+          <a:prstGeom prst="rect">
+            <a:avLst/>
+          </a:prstGeom>
+          <a:solidFill>
+            <a:schemeClr val="accent3">
+              <a:lumMod val="75000"/>
+            </a:schemeClr>
+          </a:solidFill>
+          <a:ln>
+            <a:solidFill>
+              <a:schemeClr val="accent3">
+                <a:lumMod val="75000"/>
+              </a:schemeClr>
+            </a:solidFill>
+          </a:ln>
+          <a:effectLst/>
+        </p:spPr>
+        <p:style>
+          <a:lnRef idx="1">
+            <a:schemeClr val="accent3"/>
+          </a:lnRef>
+          <a:fillRef idx="3">
+            <a:schemeClr val="accent3"/>
+          </a:fillRef>
+          <a:effectRef idx="2">
+            <a:schemeClr val="accent3"/>
+          </a:effectRef>
+          <a:fontRef idx="minor">
+            <a:schemeClr val="lt1"/>
+          </a:fontRef>
+        </p:style>
+        <p:txBody>
+          <a:bodyPr rtlCol="0" anchor="ctr"/>
+          <a:lstStyle/>
+          <a:p>
+            <a:pPr algn="ctr"/>
+            <a:endParaRPr lang="en-US"/>
+          </a:p>
+        </p:txBody>
+      </p:sp>
+      <p:sp>
+        <p:nvSpPr>
+          <p:cNvPr id="471" name="Rectangle 470"/>
+          <p:cNvSpPr/>
+          <p:nvPr/>
+        </p:nvSpPr>
+        <p:spPr>
+          <a:xfrm>
+            <a:off x="6740425" y="3298599"/>
+            <a:ext cx="162935" cy="66017"/>
+          </a:xfrm>
+          <a:prstGeom prst="rect">
+            <a:avLst/>
+          </a:prstGeom>
+          <a:solidFill>
+            <a:schemeClr val="accent3">
+              <a:lumMod val="75000"/>
+            </a:schemeClr>
+          </a:solidFill>
+          <a:ln>
+            <a:solidFill>
+              <a:schemeClr val="accent3">
+                <a:lumMod val="75000"/>
+              </a:schemeClr>
+            </a:solidFill>
+          </a:ln>
+          <a:effectLst/>
+        </p:spPr>
+        <p:style>
+          <a:lnRef idx="1">
+            <a:schemeClr val="accent3"/>
+          </a:lnRef>
+          <a:fillRef idx="3">
+            <a:schemeClr val="accent3"/>
+          </a:fillRef>
+          <a:effectRef idx="2">
+            <a:schemeClr val="accent3"/>
+          </a:effectRef>
+          <a:fontRef idx="minor">
+            <a:schemeClr val="lt1"/>
+          </a:fontRef>
+        </p:style>
+        <p:txBody>
+          <a:bodyPr rtlCol="0" anchor="ctr"/>
+          <a:lstStyle/>
+          <a:p>
+            <a:pPr algn="ctr"/>
+            <a:endParaRPr lang="en-US"/>
+          </a:p>
+        </p:txBody>
+      </p:sp>
+      <p:sp>
+        <p:nvSpPr>
+          <p:cNvPr id="472" name="Rectangle 471"/>
+          <p:cNvSpPr/>
+          <p:nvPr/>
+        </p:nvSpPr>
+        <p:spPr>
+          <a:xfrm>
+            <a:off x="2842926" y="2413116"/>
+            <a:ext cx="162935" cy="66017"/>
+          </a:xfrm>
+          <a:prstGeom prst="rect">
+            <a:avLst/>
+          </a:prstGeom>
+          <a:solidFill>
+            <a:schemeClr val="accent3">
+              <a:lumMod val="75000"/>
+            </a:schemeClr>
+          </a:solidFill>
+          <a:ln>
+            <a:solidFill>
+              <a:schemeClr val="accent3">
+                <a:lumMod val="75000"/>
+              </a:schemeClr>
+            </a:solidFill>
+          </a:ln>
+          <a:effectLst/>
+        </p:spPr>
+        <p:style>
+          <a:lnRef idx="1">
+            <a:schemeClr val="accent3"/>
+          </a:lnRef>
+          <a:fillRef idx="3">
+            <a:schemeClr val="accent3"/>
+          </a:fillRef>
+          <a:effectRef idx="2">
+            <a:schemeClr val="accent3"/>
+          </a:effectRef>
+          <a:fontRef idx="minor">
+            <a:schemeClr val="lt1"/>
+          </a:fontRef>
+        </p:style>
+        <p:txBody>
+          <a:bodyPr rtlCol="0" anchor="ctr"/>
+          <a:lstStyle/>
+          <a:p>
+            <a:pPr algn="ctr"/>
+            <a:endParaRPr lang="en-US"/>
+          </a:p>
+        </p:txBody>
+      </p:sp>
+      <p:sp>
+        <p:nvSpPr>
+          <p:cNvPr id="473" name="Rectangle 472"/>
+          <p:cNvSpPr/>
+          <p:nvPr/>
+        </p:nvSpPr>
+        <p:spPr>
+          <a:xfrm>
+            <a:off x="3425136" y="2721428"/>
+            <a:ext cx="162935" cy="66017"/>
+          </a:xfrm>
+          <a:prstGeom prst="rect">
+            <a:avLst/>
+          </a:prstGeom>
+        </p:spPr>
+        <p:style>
+          <a:lnRef idx="1">
+            <a:schemeClr val="accent1"/>
+          </a:lnRef>
+          <a:fillRef idx="3">
+            <a:schemeClr val="accent1"/>
+          </a:fillRef>
+          <a:effectRef idx="2">
+            <a:schemeClr val="accent1"/>
+          </a:effectRef>
+          <a:fontRef idx="minor">
+            <a:schemeClr val="lt1"/>
+          </a:fontRef>
+        </p:style>
+        <p:txBody>
+          <a:bodyPr rtlCol="0" anchor="ctr"/>
+          <a:lstStyle/>
+          <a:p>
+            <a:pPr algn="ctr"/>
+            <a:endParaRPr lang="en-US"/>
+          </a:p>
+        </p:txBody>
+      </p:sp>
+      <p:sp>
+        <p:nvSpPr>
+          <p:cNvPr id="474" name="Rectangle 473"/>
+          <p:cNvSpPr/>
+          <p:nvPr/>
+        </p:nvSpPr>
+        <p:spPr>
+          <a:xfrm>
+            <a:off x="6535180" y="891103"/>
+            <a:ext cx="162935" cy="66017"/>
+          </a:xfrm>
+          <a:prstGeom prst="rect">
+            <a:avLst/>
+          </a:prstGeom>
+          <a:solidFill>
+            <a:schemeClr val="accent3">
+              <a:lumMod val="75000"/>
+            </a:schemeClr>
+          </a:solidFill>
+          <a:ln>
+            <a:solidFill>
+              <a:schemeClr val="accent3">
+                <a:lumMod val="75000"/>
+              </a:schemeClr>
+            </a:solidFill>
+          </a:ln>
+          <a:effectLst/>
+        </p:spPr>
+        <p:style>
+          <a:lnRef idx="1">
+            <a:schemeClr val="accent3"/>
+          </a:lnRef>
+          <a:fillRef idx="3">
+            <a:schemeClr val="accent3"/>
+          </a:fillRef>
+          <a:effectRef idx="2">
+            <a:schemeClr val="accent3"/>
+          </a:effectRef>
+          <a:fontRef idx="minor">
+            <a:schemeClr val="lt1"/>
+          </a:fontRef>
+        </p:style>
+        <p:txBody>
+          <a:bodyPr rtlCol="0" anchor="ctr"/>
+          <a:lstStyle/>
+          <a:p>
+            <a:pPr algn="ctr"/>
+            <a:endParaRPr lang="en-US"/>
+          </a:p>
+        </p:txBody>
+      </p:sp>
+      <p:sp>
+        <p:nvSpPr>
+          <p:cNvPr id="475" name="Rectangle 474"/>
+          <p:cNvSpPr/>
+          <p:nvPr/>
+        </p:nvSpPr>
+        <p:spPr>
+          <a:xfrm>
+            <a:off x="6785249" y="1211471"/>
+            <a:ext cx="162935" cy="66017"/>
+          </a:xfrm>
+          <a:prstGeom prst="rect">
+            <a:avLst/>
+          </a:prstGeom>
+          <a:solidFill>
+            <a:schemeClr val="accent3">
+              <a:lumMod val="75000"/>
+            </a:schemeClr>
+          </a:solidFill>
+          <a:ln>
+            <a:solidFill>
+              <a:schemeClr val="accent3">
+                <a:lumMod val="75000"/>
+              </a:schemeClr>
+            </a:solidFill>
+          </a:ln>
+          <a:effectLst/>
+        </p:spPr>
+        <p:style>
+          <a:lnRef idx="1">
+            <a:schemeClr val="accent3"/>
+          </a:lnRef>
+          <a:fillRef idx="3">
+            <a:schemeClr val="accent3"/>
+          </a:fillRef>
+          <a:effectRef idx="2">
+            <a:schemeClr val="accent3"/>
+          </a:effectRef>
+          <a:fontRef idx="minor">
+            <a:schemeClr val="lt1"/>
+          </a:fontRef>
+        </p:style>
+        <p:txBody>
+          <a:bodyPr rtlCol="0" anchor="ctr"/>
+          <a:lstStyle/>
+          <a:p>
+            <a:pPr algn="ctr"/>
+            <a:endParaRPr lang="en-US"/>
+          </a:p>
+        </p:txBody>
+      </p:sp>
+      <p:sp>
+        <p:nvSpPr>
+          <p:cNvPr id="476" name="Rectangle 475"/>
+          <p:cNvSpPr/>
+          <p:nvPr/>
+        </p:nvSpPr>
+        <p:spPr>
+          <a:xfrm>
+            <a:off x="8161803" y="2068548"/>
+            <a:ext cx="162935" cy="66017"/>
+          </a:xfrm>
+          <a:prstGeom prst="rect">
+            <a:avLst/>
+          </a:prstGeom>
+          <a:solidFill>
+            <a:schemeClr val="accent3">
+              <a:lumMod val="75000"/>
+            </a:schemeClr>
+          </a:solidFill>
+          <a:ln>
+            <a:solidFill>
+              <a:schemeClr val="accent3">
+                <a:lumMod val="75000"/>
+              </a:schemeClr>
+            </a:solidFill>
+          </a:ln>
+          <a:effectLst/>
+        </p:spPr>
+        <p:style>
+          <a:lnRef idx="1">
+            <a:schemeClr val="accent3"/>
+          </a:lnRef>
+          <a:fillRef idx="3">
+            <a:schemeClr val="accent3"/>
+          </a:fillRef>
+          <a:effectRef idx="2">
+            <a:schemeClr val="accent3"/>
+          </a:effectRef>
+          <a:fontRef idx="minor">
+            <a:schemeClr val="lt1"/>
+          </a:fontRef>
+        </p:style>
+        <p:txBody>
+          <a:bodyPr rtlCol="0" anchor="ctr"/>
+          <a:lstStyle/>
+          <a:p>
+            <a:pPr algn="ctr"/>
+            <a:endParaRPr lang="en-US"/>
+          </a:p>
+        </p:txBody>
+      </p:sp>
+      <p:sp>
+        <p:nvSpPr>
+          <p:cNvPr id="477" name="Rectangle 476"/>
+          <p:cNvSpPr/>
+          <p:nvPr/>
+        </p:nvSpPr>
+        <p:spPr>
+          <a:xfrm>
+            <a:off x="8515437" y="2644174"/>
+            <a:ext cx="162935" cy="66017"/>
+          </a:xfrm>
+          <a:prstGeom prst="rect">
+            <a:avLst/>
+          </a:prstGeom>
+          <a:solidFill>
+            <a:schemeClr val="accent3">
+              <a:lumMod val="75000"/>
+            </a:schemeClr>
+          </a:solidFill>
+          <a:ln>
+            <a:solidFill>
+              <a:schemeClr val="accent3">
+                <a:lumMod val="75000"/>
+              </a:schemeClr>
+            </a:solidFill>
+          </a:ln>
+          <a:effectLst/>
+        </p:spPr>
+        <p:style>
+          <a:lnRef idx="1">
+            <a:schemeClr val="accent3"/>
+          </a:lnRef>
+          <a:fillRef idx="3">
+            <a:schemeClr val="accent3"/>
+          </a:fillRef>
+          <a:effectRef idx="2">
+            <a:schemeClr val="accent3"/>
+          </a:effectRef>
+          <a:fontRef idx="minor">
+            <a:schemeClr val="lt1"/>
+          </a:fontRef>
+        </p:style>
+        <p:txBody>
+          <a:bodyPr rtlCol="0" anchor="ctr"/>
+          <a:lstStyle/>
+          <a:p>
+            <a:pPr algn="ctr"/>
+            <a:endParaRPr lang="en-US"/>
+          </a:p>
+        </p:txBody>
+      </p:sp>
+      <p:sp>
+        <p:nvSpPr>
+          <p:cNvPr id="478" name="Rectangle 477"/>
+          <p:cNvSpPr/>
+          <p:nvPr/>
+        </p:nvSpPr>
+        <p:spPr>
+          <a:xfrm>
+            <a:off x="8112025" y="3841344"/>
+            <a:ext cx="162935" cy="66017"/>
+          </a:xfrm>
+          <a:prstGeom prst="rect">
+            <a:avLst/>
+          </a:prstGeom>
+          <a:solidFill>
+            <a:schemeClr val="accent3">
+              <a:lumMod val="75000"/>
+            </a:schemeClr>
+          </a:solidFill>
+          <a:ln>
+            <a:solidFill>
+              <a:schemeClr val="accent3">
+                <a:lumMod val="75000"/>
+              </a:schemeClr>
+            </a:solidFill>
+          </a:ln>
+          <a:effectLst/>
+        </p:spPr>
+        <p:style>
+          <a:lnRef idx="1">
+            <a:schemeClr val="accent3"/>
+          </a:lnRef>
+          <a:fillRef idx="3">
+            <a:schemeClr val="accent3"/>
+          </a:fillRef>
+          <a:effectRef idx="2">
+            <a:schemeClr val="accent3"/>
+          </a:effectRef>
+          <a:fontRef idx="minor">
+            <a:schemeClr val="lt1"/>
+          </a:fontRef>
+        </p:style>
+        <p:txBody>
+          <a:bodyPr rtlCol="0" anchor="ctr"/>
+          <a:lstStyle/>
+          <a:p>
+            <a:pPr algn="ctr"/>
+            <a:endParaRPr lang="en-US"/>
+          </a:p>
+        </p:txBody>
+      </p:sp>
+      <p:sp>
+        <p:nvSpPr>
+          <p:cNvPr id="479" name="Rectangle 478"/>
+          <p:cNvSpPr/>
+          <p:nvPr/>
+        </p:nvSpPr>
+        <p:spPr>
+          <a:xfrm>
+            <a:off x="6301155" y="4152370"/>
+            <a:ext cx="162935" cy="66017"/>
+          </a:xfrm>
+          <a:prstGeom prst="rect">
+            <a:avLst/>
+          </a:prstGeom>
+          <a:solidFill>
+            <a:schemeClr val="accent3">
+              <a:lumMod val="75000"/>
+            </a:schemeClr>
+          </a:solidFill>
+          <a:ln>
+            <a:solidFill>
+              <a:schemeClr val="accent3">
+                <a:lumMod val="75000"/>
+              </a:schemeClr>
+            </a:solidFill>
+          </a:ln>
+          <a:effectLst/>
+        </p:spPr>
+        <p:style>
+          <a:lnRef idx="1">
+            <a:schemeClr val="accent3"/>
+          </a:lnRef>
+          <a:fillRef idx="3">
+            <a:schemeClr val="accent3"/>
+          </a:fillRef>
+          <a:effectRef idx="2">
+            <a:schemeClr val="accent3"/>
+          </a:effectRef>
+          <a:fontRef idx="minor">
+            <a:schemeClr val="lt1"/>
+          </a:fontRef>
+        </p:style>
+        <p:txBody>
+          <a:bodyPr rtlCol="0" anchor="ctr"/>
+          <a:lstStyle/>
+          <a:p>
+            <a:pPr algn="ctr"/>
+            <a:endParaRPr lang="en-US"/>
+          </a:p>
+        </p:txBody>
+      </p:sp>
+      <p:sp>
+        <p:nvSpPr>
+          <p:cNvPr id="480" name="Rectangle 479"/>
+          <p:cNvSpPr/>
+          <p:nvPr/>
+        </p:nvSpPr>
+        <p:spPr>
+          <a:xfrm>
+            <a:off x="6749390" y="4051633"/>
+            <a:ext cx="162935" cy="66017"/>
+          </a:xfrm>
+          <a:prstGeom prst="rect">
+            <a:avLst/>
+          </a:prstGeom>
+          <a:solidFill>
+            <a:schemeClr val="accent3">
+              <a:lumMod val="75000"/>
+            </a:schemeClr>
+          </a:solidFill>
+          <a:ln>
+            <a:solidFill>
+              <a:schemeClr val="accent3">
+                <a:lumMod val="75000"/>
+              </a:schemeClr>
+            </a:solidFill>
+          </a:ln>
+          <a:effectLst/>
+        </p:spPr>
+        <p:style>
+          <a:lnRef idx="1">
+            <a:schemeClr val="accent3"/>
+          </a:lnRef>
+          <a:fillRef idx="3">
+            <a:schemeClr val="accent3"/>
+          </a:fillRef>
+          <a:effectRef idx="2">
+            <a:schemeClr val="accent3"/>
+          </a:effectRef>
+          <a:fontRef idx="minor">
+            <a:schemeClr val="lt1"/>
+          </a:fontRef>
+        </p:style>
+        <p:txBody>
+          <a:bodyPr rtlCol="0" anchor="ctr"/>
+          <a:lstStyle/>
+          <a:p>
+            <a:pPr algn="ctr"/>
+            <a:endParaRPr lang="en-US"/>
+          </a:p>
+        </p:txBody>
+      </p:sp>
+      <p:sp>
+        <p:nvSpPr>
+          <p:cNvPr id="481" name="Rectangle 480"/>
+          <p:cNvSpPr/>
+          <p:nvPr/>
+        </p:nvSpPr>
+        <p:spPr>
+          <a:xfrm>
+            <a:off x="6478323" y="3899233"/>
+            <a:ext cx="162935" cy="66017"/>
+          </a:xfrm>
+          <a:prstGeom prst="rect">
+            <a:avLst/>
+          </a:prstGeom>
+          <a:solidFill>
+            <a:schemeClr val="accent3">
+              <a:lumMod val="75000"/>
+            </a:schemeClr>
+          </a:solidFill>
+          <a:ln>
+            <a:solidFill>
+              <a:schemeClr val="accent3">
+                <a:lumMod val="75000"/>
+              </a:schemeClr>
+            </a:solidFill>
+          </a:ln>
+          <a:effectLst/>
+        </p:spPr>
+        <p:style>
+          <a:lnRef idx="1">
+            <a:schemeClr val="accent3"/>
+          </a:lnRef>
+          <a:fillRef idx="3">
+            <a:schemeClr val="accent3"/>
+          </a:fillRef>
+          <a:effectRef idx="2">
+            <a:schemeClr val="accent3"/>
+          </a:effectRef>
+          <a:fontRef idx="minor">
+            <a:schemeClr val="lt1"/>
+          </a:fontRef>
+        </p:style>
+        <p:txBody>
+          <a:bodyPr rtlCol="0" anchor="ctr"/>
+          <a:lstStyle/>
+          <a:p>
+            <a:pPr algn="ctr"/>
+            <a:endParaRPr lang="en-US"/>
+          </a:p>
+        </p:txBody>
+      </p:sp>
+      <p:sp>
+        <p:nvSpPr>
+          <p:cNvPr id="482" name="Rectangle 481"/>
+          <p:cNvSpPr/>
+          <p:nvPr/>
+        </p:nvSpPr>
+        <p:spPr>
+          <a:xfrm>
+            <a:off x="6156536" y="4371058"/>
+            <a:ext cx="162935" cy="66017"/>
+          </a:xfrm>
+          <a:prstGeom prst="rect">
+            <a:avLst/>
+          </a:prstGeom>
+          <a:solidFill>
+            <a:schemeClr val="accent3">
+              <a:lumMod val="75000"/>
+            </a:schemeClr>
+          </a:solidFill>
+          <a:ln>
+            <a:solidFill>
+              <a:schemeClr val="accent3">
+                <a:lumMod val="75000"/>
+              </a:schemeClr>
+            </a:solidFill>
+          </a:ln>
+          <a:effectLst/>
+        </p:spPr>
+        <p:style>
+          <a:lnRef idx="1">
+            <a:schemeClr val="accent3"/>
+          </a:lnRef>
+          <a:fillRef idx="3">
+            <a:schemeClr val="accent3"/>
+          </a:fillRef>
+          <a:effectRef idx="2">
+            <a:schemeClr val="accent3"/>
+          </a:effectRef>
+          <a:fontRef idx="minor">
+            <a:schemeClr val="lt1"/>
+          </a:fontRef>
+        </p:style>
+        <p:txBody>
+          <a:bodyPr rtlCol="0" anchor="ctr"/>
+          <a:lstStyle/>
+          <a:p>
+            <a:pPr algn="ctr"/>
+            <a:endParaRPr lang="en-US"/>
+          </a:p>
+        </p:txBody>
+      </p:sp>
+      <p:sp>
+        <p:nvSpPr>
+          <p:cNvPr id="483" name="Rectangle 482"/>
+          <p:cNvSpPr/>
+          <p:nvPr/>
+        </p:nvSpPr>
+        <p:spPr>
+          <a:xfrm>
+            <a:off x="2069814" y="4797249"/>
+            <a:ext cx="162935" cy="66017"/>
+          </a:xfrm>
+          <a:prstGeom prst="rect">
+            <a:avLst/>
+          </a:prstGeom>
+          <a:solidFill>
+            <a:schemeClr val="accent3">
+              <a:lumMod val="75000"/>
+            </a:schemeClr>
+          </a:solidFill>
+          <a:ln>
+            <a:solidFill>
+              <a:schemeClr val="accent3">
+                <a:lumMod val="75000"/>
+              </a:schemeClr>
+            </a:solidFill>
+          </a:ln>
+          <a:effectLst/>
+        </p:spPr>
+        <p:style>
+          <a:lnRef idx="1">
+            <a:schemeClr val="accent3"/>
+          </a:lnRef>
+          <a:fillRef idx="3">
+            <a:schemeClr val="accent3"/>
+          </a:fillRef>
+          <a:effectRef idx="2">
+            <a:schemeClr val="accent3"/>
+          </a:effectRef>
+          <a:fontRef idx="minor">
+            <a:schemeClr val="lt1"/>
+          </a:fontRef>
+        </p:style>
+        <p:txBody>
+          <a:bodyPr rtlCol="0" anchor="ctr"/>
+          <a:lstStyle/>
+          <a:p>
+            <a:pPr algn="ctr"/>
+            <a:endParaRPr lang="en-US"/>
+          </a:p>
+        </p:txBody>
+      </p:sp>
+      <p:sp>
+        <p:nvSpPr>
+          <p:cNvPr id="484" name="Rectangle 483"/>
+          <p:cNvSpPr/>
+          <p:nvPr/>
+        </p:nvSpPr>
+        <p:spPr>
+          <a:xfrm>
+            <a:off x="6751276" y="5205251"/>
+            <a:ext cx="162935" cy="66017"/>
+          </a:xfrm>
+          <a:prstGeom prst="rect">
+            <a:avLst/>
+          </a:prstGeom>
+          <a:solidFill>
+            <a:schemeClr val="accent3">
+              <a:lumMod val="75000"/>
+            </a:schemeClr>
+          </a:solidFill>
+          <a:ln>
+            <a:solidFill>
+              <a:schemeClr val="accent3">
+                <a:lumMod val="75000"/>
+              </a:schemeClr>
+            </a:solidFill>
+          </a:ln>
+          <a:effectLst/>
+        </p:spPr>
+        <p:style>
+          <a:lnRef idx="1">
+            <a:schemeClr val="accent3"/>
+          </a:lnRef>
+          <a:fillRef idx="3">
+            <a:schemeClr val="accent3"/>
+          </a:fillRef>
+          <a:effectRef idx="2">
+            <a:schemeClr val="accent3"/>
+          </a:effectRef>
+          <a:fontRef idx="minor">
+            <a:schemeClr val="lt1"/>
+          </a:fontRef>
+        </p:style>
+        <p:txBody>
+          <a:bodyPr rtlCol="0" anchor="ctr"/>
+          <a:lstStyle/>
+          <a:p>
+            <a:pPr algn="ctr"/>
+            <a:endParaRPr lang="en-US"/>
+          </a:p>
+        </p:txBody>
+      </p:sp>
+      <p:sp>
+        <p:nvSpPr>
+          <p:cNvPr id="485" name="Rectangle 484"/>
+          <p:cNvSpPr/>
+          <p:nvPr/>
+        </p:nvSpPr>
+        <p:spPr>
+          <a:xfrm>
+            <a:off x="8094095" y="5043380"/>
+            <a:ext cx="162935" cy="66017"/>
+          </a:xfrm>
+          <a:prstGeom prst="rect">
+            <a:avLst/>
+          </a:prstGeom>
+          <a:solidFill>
+            <a:schemeClr val="accent3">
+              <a:lumMod val="75000"/>
+            </a:schemeClr>
+          </a:solidFill>
+          <a:ln>
+            <a:solidFill>
+              <a:schemeClr val="accent3">
+                <a:lumMod val="75000"/>
+              </a:schemeClr>
+            </a:solidFill>
+          </a:ln>
+          <a:effectLst/>
+        </p:spPr>
+        <p:style>
+          <a:lnRef idx="1">
+            <a:schemeClr val="accent3"/>
+          </a:lnRef>
+          <a:fillRef idx="3">
+            <a:schemeClr val="accent3"/>
+          </a:fillRef>
+          <a:effectRef idx="2">
+            <a:schemeClr val="accent3"/>
+          </a:effectRef>
+          <a:fontRef idx="minor">
+            <a:schemeClr val="lt1"/>
+          </a:fontRef>
+        </p:style>
+        <p:txBody>
+          <a:bodyPr rtlCol="0" anchor="ctr"/>
+          <a:lstStyle/>
+          <a:p>
+            <a:pPr algn="ctr"/>
+            <a:endParaRPr lang="en-US"/>
+          </a:p>
+        </p:txBody>
+      </p:sp>
+      <p:sp>
+        <p:nvSpPr>
+          <p:cNvPr id="486" name="Rectangle 485"/>
+          <p:cNvSpPr/>
+          <p:nvPr/>
+        </p:nvSpPr>
+        <p:spPr>
+          <a:xfrm>
+            <a:off x="805790" y="4242960"/>
+            <a:ext cx="162935" cy="66017"/>
+          </a:xfrm>
+          <a:prstGeom prst="rect">
+            <a:avLst/>
+          </a:prstGeom>
+          <a:solidFill>
+            <a:schemeClr val="accent3">
+              <a:lumMod val="75000"/>
+            </a:schemeClr>
+          </a:solidFill>
+          <a:ln>
+            <a:solidFill>
+              <a:schemeClr val="accent3">
+                <a:lumMod val="75000"/>
+              </a:schemeClr>
+            </a:solidFill>
+          </a:ln>
+          <a:effectLst/>
+        </p:spPr>
+        <p:style>
+          <a:lnRef idx="1">
+            <a:schemeClr val="accent3"/>
+          </a:lnRef>
+          <a:fillRef idx="3">
+            <a:schemeClr val="accent3"/>
+          </a:fillRef>
+          <a:effectRef idx="2">
+            <a:schemeClr val="accent3"/>
+          </a:effectRef>
+          <a:fontRef idx="minor">
+            <a:schemeClr val="lt1"/>
+          </a:fontRef>
+        </p:style>
+        <p:txBody>
+          <a:bodyPr rtlCol="0" anchor="ctr"/>
+          <a:lstStyle/>
+          <a:p>
+            <a:pPr algn="ctr"/>
+            <a:endParaRPr lang="en-US"/>
+          </a:p>
+        </p:txBody>
+      </p:sp>
+      <p:sp>
+        <p:nvSpPr>
+          <p:cNvPr id="487" name="Oval 486"/>
+          <p:cNvSpPr/>
+          <p:nvPr/>
+        </p:nvSpPr>
+        <p:spPr>
+          <a:xfrm>
+            <a:off x="8320677" y="3975859"/>
+            <a:ext cx="47708" cy="71562"/>
+          </a:xfrm>
+          <a:prstGeom prst="ellipse">
+            <a:avLst/>
+          </a:prstGeom>
+          <a:solidFill>
+            <a:schemeClr val="tx1">
+              <a:lumMod val="50000"/>
+              <a:lumOff val="50000"/>
+            </a:schemeClr>
+          </a:solidFill>
+          <a:ln>
+            <a:solidFill>
+              <a:schemeClr val="tx1">
+                <a:lumMod val="50000"/>
+                <a:lumOff val="50000"/>
+              </a:schemeClr>
+            </a:solidFill>
+          </a:ln>
+        </p:spPr>
+        <p:style>
+          <a:lnRef idx="1">
+            <a:schemeClr val="dk1"/>
+          </a:lnRef>
+          <a:fillRef idx="2">
+            <a:schemeClr val="dk1"/>
+          </a:fillRef>
+          <a:effectRef idx="1">
+            <a:schemeClr val="dk1"/>
+          </a:effectRef>
+          <a:fontRef idx="minor">
+            <a:schemeClr val="dk1"/>
+          </a:fontRef>
+        </p:style>
+        <p:txBody>
+          <a:bodyPr rtlCol="0" anchor="ctr"/>
+          <a:lstStyle/>
+          <a:p>
+            <a:pPr algn="ctr"/>
+            <a:endParaRPr lang="en-US"/>
+          </a:p>
+        </p:txBody>
+      </p:sp>
+      <p:sp>
+        <p:nvSpPr>
+          <p:cNvPr id="488" name="Oval 487"/>
+          <p:cNvSpPr/>
+          <p:nvPr/>
+        </p:nvSpPr>
+        <p:spPr>
+          <a:xfrm>
+            <a:off x="8319887" y="4546522"/>
+            <a:ext cx="64008" cy="64008"/>
+          </a:xfrm>
+          <a:prstGeom prst="ellipse">
+            <a:avLst/>
+          </a:prstGeom>
+          <a:solidFill>
+            <a:srgbClr val="2358CF"/>
+          </a:solidFill>
+          <a:ln>
+            <a:solidFill>
+              <a:srgbClr val="2358CF"/>
+            </a:solidFill>
+          </a:ln>
+        </p:spPr>
+        <p:style>
+          <a:lnRef idx="1">
+            <a:schemeClr val="accent1"/>
+          </a:lnRef>
+          <a:fillRef idx="3">
+            <a:schemeClr val="accent1"/>
+          </a:fillRef>
+          <a:effectRef idx="2">
+            <a:schemeClr val="accent1"/>
+          </a:effectRef>
+          <a:fontRef idx="minor">
+            <a:schemeClr val="lt1"/>
+          </a:fontRef>
+        </p:style>
+        <p:txBody>
+          <a:bodyPr rtlCol="0" anchor="ctr"/>
+          <a:lstStyle/>
+          <a:p>
+            <a:pPr algn="ctr"/>
+            <a:endParaRPr lang="en-US" dirty="0">
+              <a:solidFill>
+                <a:schemeClr val="tx2">
+                  <a:lumMod val="75000"/>
+                </a:schemeClr>
+              </a:solidFill>
+            </a:endParaRPr>
+          </a:p>
+        </p:txBody>
+      </p:sp>
+      <p:sp>
+        <p:nvSpPr>
+          <p:cNvPr id="489" name="Oval 488"/>
+          <p:cNvSpPr/>
+          <p:nvPr/>
+        </p:nvSpPr>
+        <p:spPr>
+          <a:xfrm>
+            <a:off x="8317960" y="4699317"/>
+            <a:ext cx="54864" cy="64008"/>
+          </a:xfrm>
+          <a:prstGeom prst="ellipse">
+            <a:avLst/>
+          </a:prstGeom>
+          <a:solidFill>
+            <a:schemeClr val="tx1">
+              <a:lumMod val="50000"/>
+              <a:lumOff val="50000"/>
+            </a:schemeClr>
+          </a:solidFill>
+          <a:ln>
+            <a:solidFill>
+              <a:schemeClr val="tx1">
+                <a:lumMod val="50000"/>
+                <a:lumOff val="50000"/>
+              </a:schemeClr>
+            </a:solidFill>
+          </a:ln>
+        </p:spPr>
+        <p:style>
+          <a:lnRef idx="1">
+            <a:schemeClr val="dk1"/>
+          </a:lnRef>
+          <a:fillRef idx="2">
+            <a:schemeClr val="dk1"/>
+          </a:fillRef>
+          <a:effectRef idx="1">
+            <a:schemeClr val="dk1"/>
+          </a:effectRef>
+          <a:fontRef idx="minor">
+            <a:schemeClr val="dk1"/>
+          </a:fontRef>
+        </p:style>
+        <p:txBody>
+          <a:bodyPr rtlCol="0" anchor="ctr"/>
+          <a:lstStyle/>
+          <a:p>
+            <a:pPr algn="ctr"/>
+            <a:endParaRPr lang="en-US"/>
+          </a:p>
+        </p:txBody>
+      </p:sp>
+      <p:sp>
+        <p:nvSpPr>
+          <p:cNvPr id="490" name="Oval 489"/>
+          <p:cNvSpPr/>
+          <p:nvPr/>
+        </p:nvSpPr>
+        <p:spPr>
+          <a:xfrm>
+            <a:off x="8236637" y="4724602"/>
+            <a:ext cx="54864" cy="64008"/>
+          </a:xfrm>
+          <a:prstGeom prst="ellipse">
+            <a:avLst/>
+          </a:prstGeom>
+          <a:solidFill>
+            <a:schemeClr val="tx1">
+              <a:lumMod val="50000"/>
+              <a:lumOff val="50000"/>
+            </a:schemeClr>
+          </a:solidFill>
+          <a:ln>
+            <a:solidFill>
+              <a:schemeClr val="tx1">
+                <a:lumMod val="50000"/>
+                <a:lumOff val="50000"/>
+              </a:schemeClr>
+            </a:solidFill>
+          </a:ln>
+        </p:spPr>
+        <p:style>
+          <a:lnRef idx="1">
+            <a:schemeClr val="dk1"/>
+          </a:lnRef>
+          <a:fillRef idx="2">
+            <a:schemeClr val="dk1"/>
+          </a:fillRef>
+          <a:effectRef idx="1">
+            <a:schemeClr val="dk1"/>
+          </a:effectRef>
+          <a:fontRef idx="minor">
+            <a:schemeClr val="dk1"/>
+          </a:fontRef>
+        </p:style>
+        <p:txBody>
+          <a:bodyPr rtlCol="0" anchor="ctr"/>
+          <a:lstStyle/>
+          <a:p>
+            <a:pPr algn="ctr"/>
+            <a:endParaRPr lang="en-US"/>
+          </a:p>
+        </p:txBody>
+      </p:sp>
+      <p:sp>
+        <p:nvSpPr>
+          <p:cNvPr id="492" name="Oval 491"/>
+          <p:cNvSpPr/>
+          <p:nvPr/>
+        </p:nvSpPr>
+        <p:spPr>
+          <a:xfrm>
+            <a:off x="8149034" y="4568391"/>
+            <a:ext cx="64008" cy="64008"/>
+          </a:xfrm>
+          <a:prstGeom prst="ellipse">
+            <a:avLst/>
+          </a:prstGeom>
+          <a:solidFill>
+            <a:srgbClr val="2358CF"/>
+          </a:solidFill>
+          <a:ln>
+            <a:solidFill>
+              <a:srgbClr val="2358CF"/>
+            </a:solidFill>
+          </a:ln>
+        </p:spPr>
+        <p:style>
+          <a:lnRef idx="1">
+            <a:schemeClr val="accent1"/>
+          </a:lnRef>
+          <a:fillRef idx="3">
+            <a:schemeClr val="accent1"/>
+          </a:fillRef>
+          <a:effectRef idx="2">
+            <a:schemeClr val="accent1"/>
+          </a:effectRef>
+          <a:fontRef idx="minor">
+            <a:schemeClr val="lt1"/>
+          </a:fontRef>
+        </p:style>
+        <p:txBody>
+          <a:bodyPr rtlCol="0" anchor="ctr"/>
+          <a:lstStyle/>
+          <a:p>
+            <a:pPr algn="ctr"/>
+            <a:endParaRPr lang="en-US" dirty="0">
+              <a:solidFill>
+                <a:schemeClr val="tx2">
+                  <a:lumMod val="75000"/>
+                </a:schemeClr>
+              </a:solidFill>
+            </a:endParaRPr>
+          </a:p>
+        </p:txBody>
+      </p:sp>
+      <p:sp>
+        <p:nvSpPr>
+          <p:cNvPr id="493" name="TextBox 492"/>
+          <p:cNvSpPr txBox="1"/>
+          <p:nvPr/>
+        </p:nvSpPr>
+        <p:spPr>
+          <a:xfrm>
+            <a:off x="5636926" y="4563816"/>
+            <a:ext cx="158057" cy="153888"/>
+          </a:xfrm>
+          <a:prstGeom prst="rect">
+            <a:avLst/>
+          </a:prstGeom>
+          <a:ln/>
+        </p:spPr>
+        <p:style>
+          <a:lnRef idx="1">
+            <a:schemeClr val="accent5"/>
+          </a:lnRef>
+          <a:fillRef idx="2">
+            <a:schemeClr val="accent5"/>
+          </a:fillRef>
+          <a:effectRef idx="1">
+            <a:schemeClr val="accent5"/>
+          </a:effectRef>
+          <a:fontRef idx="minor">
+            <a:schemeClr val="dk1"/>
+          </a:fontRef>
+        </p:style>
+        <p:txBody>
+          <a:bodyPr wrap="none" lIns="45720" tIns="0" rIns="45720" bIns="0" rtlCol="0">
+            <a:spAutoFit/>
+          </a:bodyPr>
+          <a:lstStyle/>
+          <a:p>
+            <a:r>
+              <a:rPr lang="en-US" sz="1000" smtClean="0"/>
+              <a:t>6</a:t>
+            </a:r>
+            <a:endParaRPr lang="en-US" sz="1000"/>
+          </a:p>
+        </p:txBody>
+      </p:sp>
+      <p:sp>
+        <p:nvSpPr>
+          <p:cNvPr id="494" name="TextBox 493"/>
+          <p:cNvSpPr txBox="1"/>
+          <p:nvPr/>
+        </p:nvSpPr>
+        <p:spPr>
+          <a:xfrm>
+            <a:off x="5627176" y="4775345"/>
+            <a:ext cx="158057" cy="153888"/>
+          </a:xfrm>
+          <a:prstGeom prst="rect">
+            <a:avLst/>
+          </a:prstGeom>
+          <a:ln/>
+        </p:spPr>
+        <p:style>
+          <a:lnRef idx="1">
+            <a:schemeClr val="accent5"/>
+          </a:lnRef>
+          <a:fillRef idx="2">
+            <a:schemeClr val="accent5"/>
+          </a:fillRef>
+          <a:effectRef idx="1">
+            <a:schemeClr val="accent5"/>
+          </a:effectRef>
+          <a:fontRef idx="minor">
+            <a:schemeClr val="dk1"/>
+          </a:fontRef>
+        </p:style>
+        <p:txBody>
+          <a:bodyPr wrap="none" lIns="45720" tIns="0" rIns="45720" bIns="0" rtlCol="0">
+            <a:spAutoFit/>
+          </a:bodyPr>
+          <a:lstStyle/>
+          <a:p>
+            <a:r>
+              <a:rPr lang="en-US" sz="1000" dirty="0" smtClean="0"/>
+              <a:t>8</a:t>
+            </a:r>
+            <a:endParaRPr lang="en-US" sz="1000" dirty="0"/>
+          </a:p>
+        </p:txBody>
+      </p:sp>
+      <p:sp>
+        <p:nvSpPr>
+          <p:cNvPr id="495" name="Oval 494"/>
+          <p:cNvSpPr/>
+          <p:nvPr/>
+        </p:nvSpPr>
+        <p:spPr>
+          <a:xfrm>
+            <a:off x="2748717" y="2616362"/>
+            <a:ext cx="54864" cy="64008"/>
+          </a:xfrm>
+          <a:prstGeom prst="ellipse">
+            <a:avLst/>
+          </a:prstGeom>
+          <a:solidFill>
+            <a:schemeClr val="tx1">
+              <a:lumMod val="50000"/>
+              <a:lumOff val="50000"/>
+            </a:schemeClr>
+          </a:solidFill>
+          <a:ln>
+            <a:solidFill>
+              <a:schemeClr val="tx1">
+                <a:lumMod val="50000"/>
+                <a:lumOff val="50000"/>
+              </a:schemeClr>
+            </a:solidFill>
+          </a:ln>
+        </p:spPr>
+        <p:style>
+          <a:lnRef idx="1">
+            <a:schemeClr val="dk1"/>
+          </a:lnRef>
+          <a:fillRef idx="2">
+            <a:schemeClr val="dk1"/>
+          </a:fillRef>
+          <a:effectRef idx="1">
+            <a:schemeClr val="dk1"/>
+          </a:effectRef>
+          <a:fontRef idx="minor">
+            <a:schemeClr val="dk1"/>
+          </a:fontRef>
+        </p:style>
+        <p:txBody>
+          <a:bodyPr rtlCol="0" anchor="ctr"/>
+          <a:lstStyle/>
+          <a:p>
+            <a:pPr algn="ctr"/>
+            <a:endParaRPr lang="en-US"/>
+          </a:p>
+        </p:txBody>
+      </p:sp>
+      <p:sp>
+        <p:nvSpPr>
+          <p:cNvPr id="496" name="Oval 495"/>
+          <p:cNvSpPr/>
+          <p:nvPr/>
+        </p:nvSpPr>
+        <p:spPr>
+          <a:xfrm>
+            <a:off x="2515394" y="2724014"/>
+            <a:ext cx="64008" cy="64008"/>
+          </a:xfrm>
+          <a:prstGeom prst="ellipse">
+            <a:avLst/>
+          </a:prstGeom>
+          <a:solidFill>
+            <a:srgbClr val="2358CF"/>
+          </a:solidFill>
+          <a:ln>
+            <a:solidFill>
+              <a:srgbClr val="2358CF"/>
+            </a:solidFill>
+          </a:ln>
+        </p:spPr>
+        <p:style>
+          <a:lnRef idx="1">
+            <a:schemeClr val="accent1"/>
+          </a:lnRef>
+          <a:fillRef idx="3">
+            <a:schemeClr val="accent1"/>
+          </a:fillRef>
+          <a:effectRef idx="2">
+            <a:schemeClr val="accent1"/>
+          </a:effectRef>
+          <a:fontRef idx="minor">
+            <a:schemeClr val="lt1"/>
+          </a:fontRef>
+        </p:style>
+        <p:txBody>
+          <a:bodyPr rtlCol="0" anchor="ctr"/>
+          <a:lstStyle/>
+          <a:p>
+            <a:pPr algn="ctr"/>
+            <a:endParaRPr lang="en-US" dirty="0">
+              <a:solidFill>
+                <a:schemeClr val="tx2">
+                  <a:lumMod val="75000"/>
+                </a:schemeClr>
+              </a:solidFill>
+            </a:endParaRPr>
+          </a:p>
+        </p:txBody>
+      </p:sp>
+      <p:sp>
+        <p:nvSpPr>
+          <p:cNvPr id="435" name="TextBox 434"/>
+          <p:cNvSpPr txBox="1"/>
+          <p:nvPr/>
+        </p:nvSpPr>
+        <p:spPr>
+          <a:xfrm>
+            <a:off x="6566355" y="3271678"/>
+            <a:ext cx="339195" cy="153888"/>
+          </a:xfrm>
+          <a:prstGeom prst="rect">
+            <a:avLst/>
+          </a:prstGeom>
+          <a:ln/>
+        </p:spPr>
+        <p:style>
+          <a:lnRef idx="1">
+            <a:schemeClr val="accent5"/>
+          </a:lnRef>
+          <a:fillRef idx="2">
+            <a:schemeClr val="accent5"/>
+          </a:fillRef>
+          <a:effectRef idx="1">
+            <a:schemeClr val="accent5"/>
+          </a:effectRef>
+          <a:fontRef idx="minor">
+            <a:schemeClr val="dk1"/>
+          </a:fontRef>
+        </p:style>
+        <p:txBody>
+          <a:bodyPr wrap="none" lIns="45720" tIns="0" rIns="45720" bIns="0" rtlCol="0">
+            <a:spAutoFit/>
+          </a:bodyPr>
+          <a:lstStyle/>
+          <a:p>
+            <a:r>
+              <a:rPr lang="en-US" sz="1000" smtClean="0"/>
+              <a:t>9/10</a:t>
+            </a:r>
+            <a:endParaRPr lang="en-US" sz="1000"/>
+          </a:p>
+        </p:txBody>
+      </p:sp>
+      <p:sp>
+        <p:nvSpPr>
+          <p:cNvPr id="438" name="TextBox 437"/>
+          <p:cNvSpPr txBox="1"/>
+          <p:nvPr/>
+        </p:nvSpPr>
+        <p:spPr>
+          <a:xfrm>
+            <a:off x="6493974" y="4148341"/>
+            <a:ext cx="404919" cy="153888"/>
+          </a:xfrm>
+          <a:prstGeom prst="rect">
+            <a:avLst/>
+          </a:prstGeom>
+          <a:ln/>
+        </p:spPr>
+        <p:style>
+          <a:lnRef idx="1">
+            <a:schemeClr val="accent5"/>
+          </a:lnRef>
+          <a:fillRef idx="2">
+            <a:schemeClr val="accent5"/>
+          </a:fillRef>
+          <a:effectRef idx="1">
+            <a:schemeClr val="accent5"/>
+          </a:effectRef>
+          <a:fontRef idx="minor">
+            <a:schemeClr val="dk1"/>
+          </a:fontRef>
+        </p:style>
+        <p:txBody>
+          <a:bodyPr wrap="none" lIns="45720" tIns="0" rIns="45720" bIns="0" rtlCol="0">
+            <a:spAutoFit/>
+          </a:bodyPr>
+          <a:lstStyle/>
+          <a:p>
+            <a:r>
+              <a:rPr lang="en-US" sz="1000" smtClean="0"/>
+              <a:t>41/42</a:t>
+            </a:r>
+            <a:endParaRPr lang="en-US" sz="1000"/>
+          </a:p>
+        </p:txBody>
+      </p:sp>
+      <p:sp>
+        <p:nvSpPr>
+          <p:cNvPr id="502" name="TextBox 501"/>
+          <p:cNvSpPr txBox="1"/>
+          <p:nvPr/>
+        </p:nvSpPr>
+        <p:spPr>
+          <a:xfrm>
+            <a:off x="6564290" y="4832314"/>
+            <a:ext cx="404919" cy="153888"/>
+          </a:xfrm>
+          <a:prstGeom prst="rect">
+            <a:avLst/>
+          </a:prstGeom>
+          <a:ln/>
+        </p:spPr>
+        <p:style>
+          <a:lnRef idx="1">
+            <a:schemeClr val="accent5"/>
+          </a:lnRef>
+          <a:fillRef idx="2">
+            <a:schemeClr val="accent5"/>
+          </a:fillRef>
+          <a:effectRef idx="1">
+            <a:schemeClr val="accent5"/>
+          </a:effectRef>
+          <a:fontRef idx="minor">
+            <a:schemeClr val="dk1"/>
+          </a:fontRef>
+        </p:style>
+        <p:txBody>
+          <a:bodyPr wrap="none" lIns="45720" tIns="0" rIns="45720" bIns="0" rtlCol="0">
+            <a:spAutoFit/>
+          </a:bodyPr>
+          <a:lstStyle/>
+          <a:p>
+            <a:r>
+              <a:rPr lang="en-US" sz="1000" smtClean="0"/>
+              <a:t>65/66</a:t>
+            </a:r>
+            <a:endParaRPr lang="en-US" sz="1000"/>
+          </a:p>
+        </p:txBody>
+      </p:sp>
+      <p:sp>
+        <p:nvSpPr>
+          <p:cNvPr id="446" name="TextBox 445"/>
+          <p:cNvSpPr txBox="1"/>
+          <p:nvPr/>
+        </p:nvSpPr>
+        <p:spPr>
+          <a:xfrm>
+            <a:off x="7986020" y="4736153"/>
+            <a:ext cx="404919" cy="153888"/>
+          </a:xfrm>
+          <a:prstGeom prst="rect">
+            <a:avLst/>
+          </a:prstGeom>
+          <a:ln/>
+        </p:spPr>
+        <p:style>
+          <a:lnRef idx="1">
+            <a:schemeClr val="accent5"/>
+          </a:lnRef>
+          <a:fillRef idx="2">
+            <a:schemeClr val="accent5"/>
+          </a:fillRef>
+          <a:effectRef idx="1">
+            <a:schemeClr val="accent5"/>
+          </a:effectRef>
+          <a:fontRef idx="minor">
+            <a:schemeClr val="dk1"/>
+          </a:fontRef>
+        </p:style>
+        <p:txBody>
+          <a:bodyPr wrap="none" lIns="45720" tIns="0" rIns="45720" bIns="0" rtlCol="0">
+            <a:spAutoFit/>
+          </a:bodyPr>
+          <a:lstStyle/>
+          <a:p>
+            <a:r>
+              <a:rPr lang="en-US" sz="1000" smtClean="0"/>
+              <a:t>63/62</a:t>
+            </a:r>
+            <a:endParaRPr lang="en-US" sz="1000" dirty="0"/>
+          </a:p>
+        </p:txBody>
+      </p:sp>
+      <p:sp>
+        <p:nvSpPr>
+          <p:cNvPr id="503" name="TextBox 502"/>
+          <p:cNvSpPr txBox="1"/>
+          <p:nvPr/>
+        </p:nvSpPr>
+        <p:spPr>
+          <a:xfrm>
+            <a:off x="8150232" y="2294491"/>
+            <a:ext cx="586058" cy="153888"/>
+          </a:xfrm>
+          <a:prstGeom prst="rect">
+            <a:avLst/>
+          </a:prstGeom>
+          <a:ln/>
+        </p:spPr>
+        <p:style>
+          <a:lnRef idx="1">
+            <a:schemeClr val="accent5"/>
+          </a:lnRef>
+          <a:fillRef idx="2">
+            <a:schemeClr val="accent5"/>
+          </a:fillRef>
+          <a:effectRef idx="1">
+            <a:schemeClr val="accent5"/>
+          </a:effectRef>
+          <a:fontRef idx="minor">
+            <a:schemeClr val="dk1"/>
+          </a:fontRef>
+        </p:style>
+        <p:txBody>
+          <a:bodyPr wrap="none" lIns="45720" tIns="0" rIns="45720" bIns="0" rtlCol="0">
+            <a:spAutoFit/>
+          </a:bodyPr>
+          <a:lstStyle/>
+          <a:p>
+            <a:r>
+              <a:rPr lang="en-US" sz="1000" smtClean="0"/>
+              <a:t>37/36/35</a:t>
+            </a:r>
+            <a:endParaRPr lang="en-US" sz="1000"/>
+          </a:p>
+        </p:txBody>
+      </p:sp>
+      <p:sp>
+        <p:nvSpPr>
+          <p:cNvPr id="504" name="TextBox 503"/>
+          <p:cNvSpPr txBox="1"/>
+          <p:nvPr/>
+        </p:nvSpPr>
+        <p:spPr>
+          <a:xfrm>
+            <a:off x="400836" y="2748816"/>
+            <a:ext cx="586058" cy="153888"/>
+          </a:xfrm>
+          <a:prstGeom prst="rect">
+            <a:avLst/>
+          </a:prstGeom>
+          <a:ln/>
+        </p:spPr>
+        <p:style>
+          <a:lnRef idx="1">
+            <a:schemeClr val="accent5"/>
+          </a:lnRef>
+          <a:fillRef idx="2">
+            <a:schemeClr val="accent5"/>
+          </a:fillRef>
+          <a:effectRef idx="1">
+            <a:schemeClr val="accent5"/>
+          </a:effectRef>
+          <a:fontRef idx="minor">
+            <a:schemeClr val="dk1"/>
+          </a:fontRef>
+        </p:style>
+        <p:txBody>
+          <a:bodyPr wrap="none" lIns="45720" tIns="0" rIns="45720" bIns="0" rtlCol="0">
+            <a:spAutoFit/>
+          </a:bodyPr>
+          <a:lstStyle/>
+          <a:p>
+            <a:r>
+              <a:rPr lang="en-US" sz="1000" smtClean="0"/>
+              <a:t>24/25/26</a:t>
+            </a:r>
+            <a:endParaRPr lang="en-US" sz="1000"/>
+          </a:p>
+        </p:txBody>
+      </p:sp>
+      <p:sp>
+        <p:nvSpPr>
+          <p:cNvPr id="417" name="TextBox 416"/>
+          <p:cNvSpPr txBox="1"/>
+          <p:nvPr/>
+        </p:nvSpPr>
+        <p:spPr>
+          <a:xfrm>
+            <a:off x="2790786" y="2317557"/>
+            <a:ext cx="404919" cy="153888"/>
+          </a:xfrm>
+          <a:prstGeom prst="rect">
+            <a:avLst/>
+          </a:prstGeom>
+          <a:ln/>
+        </p:spPr>
+        <p:style>
+          <a:lnRef idx="1">
+            <a:schemeClr val="accent5"/>
+          </a:lnRef>
+          <a:fillRef idx="2">
+            <a:schemeClr val="accent5"/>
+          </a:fillRef>
+          <a:effectRef idx="1">
+            <a:schemeClr val="accent5"/>
+          </a:effectRef>
+          <a:fontRef idx="minor">
+            <a:schemeClr val="dk1"/>
+          </a:fontRef>
+        </p:style>
+        <p:txBody>
+          <a:bodyPr wrap="none" lIns="45720" tIns="0" rIns="45720" bIns="0" rtlCol="0">
+            <a:spAutoFit/>
+          </a:bodyPr>
+          <a:lstStyle/>
+          <a:p>
+            <a:r>
+              <a:rPr lang="en-US" sz="1000" smtClean="0"/>
+              <a:t>46/45</a:t>
+            </a:r>
+            <a:endParaRPr lang="en-US" sz="1000"/>
+          </a:p>
+        </p:txBody>
+      </p:sp>
+      <p:sp>
+        <p:nvSpPr>
+          <p:cNvPr id="388" name="TextBox 387"/>
+          <p:cNvSpPr txBox="1"/>
+          <p:nvPr/>
+        </p:nvSpPr>
+        <p:spPr>
+          <a:xfrm>
+            <a:off x="2346734" y="2914711"/>
+            <a:ext cx="404919" cy="153888"/>
+          </a:xfrm>
+          <a:prstGeom prst="rect">
+            <a:avLst/>
+          </a:prstGeom>
+          <a:ln/>
+        </p:spPr>
+        <p:style>
+          <a:lnRef idx="1">
+            <a:schemeClr val="accent5"/>
+          </a:lnRef>
+          <a:fillRef idx="2">
+            <a:schemeClr val="accent5"/>
+          </a:fillRef>
+          <a:effectRef idx="1">
+            <a:schemeClr val="accent5"/>
+          </a:effectRef>
+          <a:fontRef idx="minor">
+            <a:schemeClr val="dk1"/>
+          </a:fontRef>
+        </p:style>
+        <p:txBody>
+          <a:bodyPr wrap="none" lIns="45720" tIns="0" rIns="45720" bIns="0" rtlCol="0">
+            <a:spAutoFit/>
+          </a:bodyPr>
+          <a:lstStyle/>
+          <a:p>
+            <a:r>
+              <a:rPr lang="en-US" sz="1000" smtClean="0"/>
+              <a:t>19/18</a:t>
+            </a:r>
+            <a:endParaRPr lang="en-US" sz="1000"/>
+          </a:p>
+        </p:txBody>
+      </p:sp>
+      <p:sp>
+        <p:nvSpPr>
+          <p:cNvPr id="419" name="TextBox 418"/>
+          <p:cNvSpPr txBox="1"/>
+          <p:nvPr/>
+        </p:nvSpPr>
+        <p:spPr>
+          <a:xfrm>
+            <a:off x="2088126" y="942357"/>
+            <a:ext cx="223779" cy="153888"/>
+          </a:xfrm>
+          <a:prstGeom prst="rect">
+            <a:avLst/>
+          </a:prstGeom>
+          <a:ln/>
+        </p:spPr>
+        <p:style>
+          <a:lnRef idx="1">
+            <a:schemeClr val="accent5"/>
+          </a:lnRef>
+          <a:fillRef idx="2">
+            <a:schemeClr val="accent5"/>
+          </a:fillRef>
+          <a:effectRef idx="1">
+            <a:schemeClr val="accent5"/>
+          </a:effectRef>
+          <a:fontRef idx="minor">
+            <a:schemeClr val="dk1"/>
+          </a:fontRef>
+        </p:style>
+        <p:txBody>
+          <a:bodyPr wrap="none" lIns="45720" tIns="0" rIns="45720" bIns="0" rtlCol="0">
+            <a:spAutoFit/>
+          </a:bodyPr>
+          <a:lstStyle/>
+          <a:p>
+            <a:r>
+              <a:rPr lang="en-US" sz="1000" smtClean="0"/>
+              <a:t>93</a:t>
+            </a:r>
+            <a:endParaRPr lang="en-US" sz="1000"/>
+          </a:p>
+        </p:txBody>
+      </p:sp>
+      <p:sp>
+        <p:nvSpPr>
+          <p:cNvPr id="121" name="TextBox 120"/>
+          <p:cNvSpPr txBox="1"/>
+          <p:nvPr/>
+        </p:nvSpPr>
+        <p:spPr>
+          <a:xfrm>
+            <a:off x="3620654" y="2992581"/>
+            <a:ext cx="1754391" cy="369332"/>
+          </a:xfrm>
+          <a:prstGeom prst="rect">
+            <a:avLst/>
+          </a:prstGeom>
+        </p:spPr>
+        <p:style>
+          <a:lnRef idx="1">
+            <a:schemeClr val="accent3"/>
+          </a:lnRef>
+          <a:fillRef idx="2">
+            <a:schemeClr val="accent3"/>
+          </a:fillRef>
+          <a:effectRef idx="1">
+            <a:schemeClr val="accent3"/>
+          </a:effectRef>
+          <a:fontRef idx="minor">
+            <a:schemeClr val="dk1"/>
+          </a:fontRef>
+        </p:style>
+        <p:txBody>
+          <a:bodyPr wrap="none" rtlCol="0">
+            <a:spAutoFit/>
+          </a:bodyPr>
+          <a:lstStyle/>
+          <a:p>
+            <a:r>
+              <a:rPr lang="en-US" b="1" dirty="0" smtClean="0"/>
+              <a:t>Sensor Numbers</a:t>
+            </a:r>
+            <a:endParaRPr lang="en-US" b="1" dirty="0"/>
+          </a:p>
+        </p:txBody>
+      </p:sp>
+      <p:sp>
+        <p:nvSpPr>
+          <p:cNvPr id="122" name="TextBox 121"/>
+          <p:cNvSpPr txBox="1"/>
+          <p:nvPr/>
+        </p:nvSpPr>
+        <p:spPr>
+          <a:xfrm>
+            <a:off x="423647" y="1143212"/>
+            <a:ext cx="223779" cy="153888"/>
+          </a:xfrm>
+          <a:prstGeom prst="rect">
+            <a:avLst/>
+          </a:prstGeom>
+          <a:ln/>
+        </p:spPr>
+        <p:style>
+          <a:lnRef idx="1">
+            <a:schemeClr val="accent3"/>
+          </a:lnRef>
+          <a:fillRef idx="2">
+            <a:schemeClr val="accent3"/>
+          </a:fillRef>
+          <a:effectRef idx="1">
+            <a:schemeClr val="accent3"/>
+          </a:effectRef>
+          <a:fontRef idx="minor">
+            <a:schemeClr val="dk1"/>
+          </a:fontRef>
+        </p:style>
+        <p:txBody>
+          <a:bodyPr wrap="none" lIns="45720" tIns="0" rIns="45720" bIns="0" rtlCol="0">
+            <a:spAutoFit/>
+          </a:bodyPr>
+          <a:lstStyle/>
+          <a:p>
+            <a:r>
+              <a:rPr lang="en-US" sz="1000" smtClean="0"/>
+              <a:t>97</a:t>
+            </a:r>
+            <a:endParaRPr lang="en-US" sz="1000"/>
+          </a:p>
+        </p:txBody>
+      </p:sp>
+      <p:sp>
+        <p:nvSpPr>
+          <p:cNvPr id="123" name="TextBox 122"/>
+          <p:cNvSpPr txBox="1"/>
+          <p:nvPr/>
+        </p:nvSpPr>
+        <p:spPr>
+          <a:xfrm>
+            <a:off x="822483" y="1753328"/>
+            <a:ext cx="223779" cy="153888"/>
+          </a:xfrm>
+          <a:prstGeom prst="rect">
+            <a:avLst/>
+          </a:prstGeom>
+          <a:ln/>
+        </p:spPr>
+        <p:style>
+          <a:lnRef idx="1">
+            <a:schemeClr val="accent3"/>
+          </a:lnRef>
+          <a:fillRef idx="2">
+            <a:schemeClr val="accent3"/>
+          </a:fillRef>
+          <a:effectRef idx="1">
+            <a:schemeClr val="accent3"/>
+          </a:effectRef>
+          <a:fontRef idx="minor">
+            <a:schemeClr val="dk1"/>
+          </a:fontRef>
+        </p:style>
+        <p:txBody>
+          <a:bodyPr wrap="none" lIns="45720" tIns="0" rIns="45720" bIns="0" rtlCol="0">
+            <a:spAutoFit/>
+          </a:bodyPr>
+          <a:lstStyle/>
+          <a:p>
+            <a:r>
+              <a:rPr lang="en-US" sz="1000" smtClean="0"/>
+              <a:t>98</a:t>
+            </a:r>
+            <a:endParaRPr lang="en-US" sz="1000"/>
+          </a:p>
+        </p:txBody>
+      </p:sp>
+      <p:sp>
+        <p:nvSpPr>
+          <p:cNvPr id="124" name="TextBox 123"/>
+          <p:cNvSpPr txBox="1"/>
+          <p:nvPr/>
+        </p:nvSpPr>
+        <p:spPr>
+          <a:xfrm>
+            <a:off x="979131" y="2423838"/>
+            <a:ext cx="289503" cy="153888"/>
+          </a:xfrm>
+          <a:prstGeom prst="rect">
+            <a:avLst/>
+          </a:prstGeom>
+          <a:ln/>
+        </p:spPr>
+        <p:style>
+          <a:lnRef idx="1">
+            <a:schemeClr val="accent3"/>
+          </a:lnRef>
+          <a:fillRef idx="2">
+            <a:schemeClr val="accent3"/>
+          </a:fillRef>
+          <a:effectRef idx="1">
+            <a:schemeClr val="accent3"/>
+          </a:effectRef>
+          <a:fontRef idx="minor">
+            <a:schemeClr val="dk1"/>
+          </a:fontRef>
+        </p:style>
+        <p:txBody>
+          <a:bodyPr wrap="none" lIns="45720" tIns="0" rIns="45720" bIns="0" rtlCol="0">
+            <a:spAutoFit/>
+          </a:bodyPr>
+          <a:lstStyle/>
+          <a:p>
+            <a:r>
+              <a:rPr lang="en-US" sz="1000" smtClean="0"/>
+              <a:t>100</a:t>
+            </a:r>
+            <a:endParaRPr lang="en-US" sz="1000"/>
+          </a:p>
+        </p:txBody>
+      </p:sp>
+      <p:sp>
+        <p:nvSpPr>
+          <p:cNvPr id="125" name="TextBox 124"/>
+          <p:cNvSpPr txBox="1"/>
+          <p:nvPr/>
+        </p:nvSpPr>
+        <p:spPr>
+          <a:xfrm>
+            <a:off x="329662" y="2190396"/>
+            <a:ext cx="223779" cy="153888"/>
+          </a:xfrm>
+          <a:prstGeom prst="rect">
+            <a:avLst/>
+          </a:prstGeom>
+          <a:ln/>
+        </p:spPr>
+        <p:style>
+          <a:lnRef idx="1">
+            <a:schemeClr val="accent3"/>
+          </a:lnRef>
+          <a:fillRef idx="2">
+            <a:schemeClr val="accent3"/>
+          </a:fillRef>
+          <a:effectRef idx="1">
+            <a:schemeClr val="accent3"/>
+          </a:effectRef>
+          <a:fontRef idx="minor">
+            <a:schemeClr val="dk1"/>
+          </a:fontRef>
+        </p:style>
+        <p:txBody>
+          <a:bodyPr wrap="none" lIns="45720" tIns="0" rIns="45720" bIns="0" rtlCol="0">
+            <a:spAutoFit/>
+          </a:bodyPr>
+          <a:lstStyle/>
+          <a:p>
+            <a:r>
+              <a:rPr lang="en-US" sz="1000" dirty="0" smtClean="0"/>
+              <a:t>99</a:t>
+            </a:r>
+            <a:endParaRPr lang="en-US" sz="1000" dirty="0"/>
+          </a:p>
+        </p:txBody>
+      </p:sp>
+      <p:sp>
+        <p:nvSpPr>
+          <p:cNvPr id="126" name="TextBox 125"/>
+          <p:cNvSpPr txBox="1"/>
+          <p:nvPr/>
+        </p:nvSpPr>
+        <p:spPr>
+          <a:xfrm>
+            <a:off x="809783" y="2616105"/>
+            <a:ext cx="289503" cy="153888"/>
+          </a:xfrm>
+          <a:prstGeom prst="rect">
+            <a:avLst/>
+          </a:prstGeom>
+          <a:ln/>
+        </p:spPr>
+        <p:style>
+          <a:lnRef idx="1">
+            <a:schemeClr val="accent3"/>
+          </a:lnRef>
+          <a:fillRef idx="2">
+            <a:schemeClr val="accent3"/>
+          </a:fillRef>
+          <a:effectRef idx="1">
+            <a:schemeClr val="accent3"/>
+          </a:effectRef>
+          <a:fontRef idx="minor">
+            <a:schemeClr val="dk1"/>
+          </a:fontRef>
+        </p:style>
+        <p:txBody>
+          <a:bodyPr wrap="none" lIns="45720" tIns="0" rIns="45720" bIns="0" rtlCol="0">
+            <a:spAutoFit/>
+          </a:bodyPr>
+          <a:lstStyle/>
+          <a:p>
+            <a:r>
+              <a:rPr lang="en-US" sz="1000" smtClean="0"/>
+              <a:t>101</a:t>
+            </a:r>
+            <a:endParaRPr lang="en-US" sz="1000"/>
+          </a:p>
+        </p:txBody>
+      </p:sp>
+      <p:sp>
+        <p:nvSpPr>
+          <p:cNvPr id="127" name="TextBox 126"/>
+          <p:cNvSpPr txBox="1"/>
+          <p:nvPr/>
+        </p:nvSpPr>
+        <p:spPr>
+          <a:xfrm>
+            <a:off x="270582" y="3028456"/>
+            <a:ext cx="289503" cy="153888"/>
+          </a:xfrm>
+          <a:prstGeom prst="rect">
+            <a:avLst/>
+          </a:prstGeom>
+          <a:ln/>
+        </p:spPr>
+        <p:style>
+          <a:lnRef idx="1">
+            <a:schemeClr val="accent3"/>
+          </a:lnRef>
+          <a:fillRef idx="2">
+            <a:schemeClr val="accent3"/>
+          </a:fillRef>
+          <a:effectRef idx="1">
+            <a:schemeClr val="accent3"/>
+          </a:effectRef>
+          <a:fontRef idx="minor">
+            <a:schemeClr val="dk1"/>
+          </a:fontRef>
+        </p:style>
+        <p:txBody>
+          <a:bodyPr wrap="none" lIns="45720" tIns="0" rIns="45720" bIns="0" rtlCol="0">
+            <a:spAutoFit/>
+          </a:bodyPr>
+          <a:lstStyle/>
+          <a:p>
+            <a:r>
+              <a:rPr lang="en-US" sz="1000" dirty="0" smtClean="0"/>
+              <a:t>103</a:t>
+            </a:r>
+            <a:endParaRPr lang="en-US" sz="1000" dirty="0"/>
+          </a:p>
+        </p:txBody>
+      </p:sp>
+      <p:sp>
+        <p:nvSpPr>
+          <p:cNvPr id="128" name="TextBox 127"/>
+          <p:cNvSpPr txBox="1"/>
+          <p:nvPr/>
+        </p:nvSpPr>
+        <p:spPr>
+          <a:xfrm>
+            <a:off x="811330" y="3214505"/>
+            <a:ext cx="289503" cy="153888"/>
+          </a:xfrm>
+          <a:prstGeom prst="rect">
+            <a:avLst/>
+          </a:prstGeom>
+          <a:ln/>
+        </p:spPr>
+        <p:style>
+          <a:lnRef idx="1">
+            <a:schemeClr val="accent3"/>
+          </a:lnRef>
+          <a:fillRef idx="2">
+            <a:schemeClr val="accent3"/>
+          </a:fillRef>
+          <a:effectRef idx="1">
+            <a:schemeClr val="accent3"/>
+          </a:effectRef>
+          <a:fontRef idx="minor">
+            <a:schemeClr val="dk1"/>
+          </a:fontRef>
+        </p:style>
+        <p:txBody>
+          <a:bodyPr wrap="none" lIns="45720" tIns="0" rIns="45720" bIns="0" rtlCol="0">
+            <a:spAutoFit/>
+          </a:bodyPr>
+          <a:lstStyle/>
+          <a:p>
+            <a:r>
+              <a:rPr lang="en-US" sz="1000" dirty="0" smtClean="0"/>
+              <a:t>104</a:t>
+            </a:r>
+            <a:endParaRPr lang="en-US" sz="1000" dirty="0"/>
+          </a:p>
+        </p:txBody>
+      </p:sp>
+      <p:sp>
+        <p:nvSpPr>
+          <p:cNvPr id="129" name="TextBox 128"/>
+          <p:cNvSpPr txBox="1"/>
+          <p:nvPr/>
+        </p:nvSpPr>
+        <p:spPr>
+          <a:xfrm>
+            <a:off x="948878" y="3870534"/>
+            <a:ext cx="289503" cy="153888"/>
+          </a:xfrm>
+          <a:prstGeom prst="rect">
+            <a:avLst/>
+          </a:prstGeom>
+          <a:ln/>
+        </p:spPr>
+        <p:style>
+          <a:lnRef idx="1">
+            <a:schemeClr val="accent3"/>
+          </a:lnRef>
+          <a:fillRef idx="2">
+            <a:schemeClr val="accent3"/>
+          </a:fillRef>
+          <a:effectRef idx="1">
+            <a:schemeClr val="accent3"/>
+          </a:effectRef>
+          <a:fontRef idx="minor">
+            <a:schemeClr val="dk1"/>
+          </a:fontRef>
+        </p:style>
+        <p:txBody>
+          <a:bodyPr wrap="none" lIns="45720" tIns="0" rIns="45720" bIns="0" rtlCol="0">
+            <a:spAutoFit/>
+          </a:bodyPr>
+          <a:lstStyle/>
+          <a:p>
+            <a:r>
+              <a:rPr lang="en-US" sz="1000" dirty="0" smtClean="0"/>
+              <a:t>105</a:t>
+            </a:r>
+            <a:endParaRPr lang="en-US" sz="1000" dirty="0"/>
+          </a:p>
+        </p:txBody>
+      </p:sp>
+      <p:sp>
+        <p:nvSpPr>
+          <p:cNvPr id="130" name="TextBox 129"/>
+          <p:cNvSpPr txBox="1"/>
+          <p:nvPr/>
+        </p:nvSpPr>
+        <p:spPr>
+          <a:xfrm>
+            <a:off x="378814" y="3869649"/>
+            <a:ext cx="289503" cy="153888"/>
+          </a:xfrm>
+          <a:prstGeom prst="rect">
+            <a:avLst/>
+          </a:prstGeom>
+          <a:ln/>
+        </p:spPr>
+        <p:style>
+          <a:lnRef idx="1">
+            <a:schemeClr val="accent3"/>
+          </a:lnRef>
+          <a:fillRef idx="2">
+            <a:schemeClr val="accent3"/>
+          </a:fillRef>
+          <a:effectRef idx="1">
+            <a:schemeClr val="accent3"/>
+          </a:effectRef>
+          <a:fontRef idx="minor">
+            <a:schemeClr val="dk1"/>
+          </a:fontRef>
+        </p:style>
+        <p:txBody>
+          <a:bodyPr wrap="none" lIns="45720" tIns="0" rIns="45720" bIns="0" rtlCol="0">
+            <a:spAutoFit/>
+          </a:bodyPr>
+          <a:lstStyle/>
+          <a:p>
+            <a:r>
+              <a:rPr lang="en-US" sz="1000" dirty="0" smtClean="0"/>
+              <a:t>106</a:t>
+            </a:r>
+            <a:endParaRPr lang="en-US" sz="1000" dirty="0"/>
+          </a:p>
+        </p:txBody>
+      </p:sp>
+      <p:sp>
+        <p:nvSpPr>
+          <p:cNvPr id="131" name="TextBox 130"/>
+          <p:cNvSpPr txBox="1"/>
+          <p:nvPr/>
+        </p:nvSpPr>
+        <p:spPr>
+          <a:xfrm>
+            <a:off x="816133" y="4480627"/>
+            <a:ext cx="289503" cy="153888"/>
+          </a:xfrm>
+          <a:prstGeom prst="rect">
+            <a:avLst/>
+          </a:prstGeom>
+          <a:ln/>
+        </p:spPr>
+        <p:style>
+          <a:lnRef idx="1">
+            <a:schemeClr val="accent3"/>
+          </a:lnRef>
+          <a:fillRef idx="2">
+            <a:schemeClr val="accent3"/>
+          </a:fillRef>
+          <a:effectRef idx="1">
+            <a:schemeClr val="accent3"/>
+          </a:effectRef>
+          <a:fontRef idx="minor">
+            <a:schemeClr val="dk1"/>
+          </a:fontRef>
+        </p:style>
+        <p:txBody>
+          <a:bodyPr wrap="none" lIns="45720" tIns="0" rIns="45720" bIns="0" rtlCol="0">
+            <a:spAutoFit/>
+          </a:bodyPr>
+          <a:lstStyle/>
+          <a:p>
+            <a:r>
+              <a:rPr lang="en-US" sz="1000" dirty="0" smtClean="0"/>
+              <a:t>107</a:t>
+            </a:r>
+            <a:endParaRPr lang="en-US" sz="1000" dirty="0"/>
+          </a:p>
+        </p:txBody>
+      </p:sp>
+      <p:sp>
+        <p:nvSpPr>
+          <p:cNvPr id="132" name="TextBox 131"/>
+          <p:cNvSpPr txBox="1"/>
+          <p:nvPr/>
+        </p:nvSpPr>
+        <p:spPr>
+          <a:xfrm>
+            <a:off x="189797" y="4782827"/>
+            <a:ext cx="289503" cy="153888"/>
+          </a:xfrm>
+          <a:prstGeom prst="rect">
+            <a:avLst/>
+          </a:prstGeom>
+          <a:ln/>
+        </p:spPr>
+        <p:style>
+          <a:lnRef idx="1">
+            <a:schemeClr val="accent3"/>
+          </a:lnRef>
+          <a:fillRef idx="2">
+            <a:schemeClr val="accent3"/>
+          </a:fillRef>
+          <a:effectRef idx="1">
+            <a:schemeClr val="accent3"/>
+          </a:effectRef>
+          <a:fontRef idx="minor">
+            <a:schemeClr val="dk1"/>
+          </a:fontRef>
+        </p:style>
+        <p:txBody>
+          <a:bodyPr wrap="none" lIns="45720" tIns="0" rIns="45720" bIns="0" rtlCol="0">
+            <a:spAutoFit/>
+          </a:bodyPr>
+          <a:lstStyle/>
+          <a:p>
+            <a:r>
+              <a:rPr lang="en-US" sz="1000" smtClean="0"/>
+              <a:t>108</a:t>
+            </a:r>
+            <a:endParaRPr lang="en-US" sz="1000"/>
+          </a:p>
+        </p:txBody>
+      </p:sp>
+      <p:sp>
+        <p:nvSpPr>
+          <p:cNvPr id="133" name="TextBox 132"/>
+          <p:cNvSpPr txBox="1"/>
+          <p:nvPr/>
+        </p:nvSpPr>
+        <p:spPr>
+          <a:xfrm>
+            <a:off x="1530852" y="6047263"/>
+            <a:ext cx="289503" cy="153888"/>
+          </a:xfrm>
+          <a:prstGeom prst="rect">
+            <a:avLst/>
+          </a:prstGeom>
+          <a:ln/>
+        </p:spPr>
+        <p:style>
+          <a:lnRef idx="1">
+            <a:schemeClr val="accent3"/>
+          </a:lnRef>
+          <a:fillRef idx="2">
+            <a:schemeClr val="accent3"/>
+          </a:fillRef>
+          <a:effectRef idx="1">
+            <a:schemeClr val="accent3"/>
+          </a:effectRef>
+          <a:fontRef idx="minor">
+            <a:schemeClr val="dk1"/>
+          </a:fontRef>
+        </p:style>
+        <p:txBody>
+          <a:bodyPr wrap="none" lIns="45720" tIns="0" rIns="45720" bIns="0" rtlCol="0">
+            <a:spAutoFit/>
+          </a:bodyPr>
+          <a:lstStyle/>
+          <a:p>
+            <a:r>
+              <a:rPr lang="en-US" sz="1000" dirty="0" smtClean="0"/>
+              <a:t>117</a:t>
+            </a:r>
+            <a:endParaRPr lang="en-US" sz="1000" dirty="0"/>
+          </a:p>
+        </p:txBody>
+      </p:sp>
+      <p:sp>
+        <p:nvSpPr>
+          <p:cNvPr id="134" name="TextBox 133"/>
+          <p:cNvSpPr txBox="1"/>
+          <p:nvPr/>
+        </p:nvSpPr>
+        <p:spPr>
+          <a:xfrm>
+            <a:off x="1501849" y="6469781"/>
+            <a:ext cx="289503" cy="153888"/>
+          </a:xfrm>
+          <a:prstGeom prst="rect">
+            <a:avLst/>
+          </a:prstGeom>
+          <a:ln/>
+        </p:spPr>
+        <p:style>
+          <a:lnRef idx="1">
+            <a:schemeClr val="accent3"/>
+          </a:lnRef>
+          <a:fillRef idx="2">
+            <a:schemeClr val="accent3"/>
+          </a:fillRef>
+          <a:effectRef idx="1">
+            <a:schemeClr val="accent3"/>
+          </a:effectRef>
+          <a:fontRef idx="minor">
+            <a:schemeClr val="dk1"/>
+          </a:fontRef>
+        </p:style>
+        <p:txBody>
+          <a:bodyPr wrap="none" lIns="45720" tIns="0" rIns="45720" bIns="0" rtlCol="0">
+            <a:spAutoFit/>
+          </a:bodyPr>
+          <a:lstStyle/>
+          <a:p>
+            <a:r>
+              <a:rPr lang="en-US" sz="1000" dirty="0" smtClean="0"/>
+              <a:t>118</a:t>
+            </a:r>
+            <a:endParaRPr lang="en-US" sz="1000" dirty="0"/>
+          </a:p>
+        </p:txBody>
+      </p:sp>
+      <p:sp>
+        <p:nvSpPr>
+          <p:cNvPr id="135" name="TextBox 134"/>
+          <p:cNvSpPr txBox="1"/>
+          <p:nvPr/>
+        </p:nvSpPr>
+        <p:spPr>
+          <a:xfrm>
+            <a:off x="1644160" y="2505184"/>
+            <a:ext cx="223779" cy="153888"/>
+          </a:xfrm>
+          <a:prstGeom prst="rect">
+            <a:avLst/>
+          </a:prstGeom>
+          <a:ln/>
+        </p:spPr>
+        <p:style>
+          <a:lnRef idx="1">
+            <a:schemeClr val="accent3"/>
+          </a:lnRef>
+          <a:fillRef idx="2">
+            <a:schemeClr val="accent3"/>
+          </a:fillRef>
+          <a:effectRef idx="1">
+            <a:schemeClr val="accent3"/>
+          </a:effectRef>
+          <a:fontRef idx="minor">
+            <a:schemeClr val="dk1"/>
+          </a:fontRef>
+        </p:style>
+        <p:txBody>
+          <a:bodyPr wrap="none" lIns="45720" tIns="0" rIns="45720" bIns="0" rtlCol="0">
+            <a:spAutoFit/>
+          </a:bodyPr>
+          <a:lstStyle/>
+          <a:p>
+            <a:r>
+              <a:rPr lang="en-US" sz="1000" smtClean="0"/>
+              <a:t>90</a:t>
+            </a:r>
+            <a:endParaRPr lang="en-US" sz="1000"/>
+          </a:p>
+        </p:txBody>
+      </p:sp>
+      <p:sp>
+        <p:nvSpPr>
+          <p:cNvPr id="136" name="TextBox 135"/>
+          <p:cNvSpPr txBox="1"/>
+          <p:nvPr/>
+        </p:nvSpPr>
+        <p:spPr>
+          <a:xfrm>
+            <a:off x="4491318" y="739489"/>
+            <a:ext cx="223779" cy="153888"/>
+          </a:xfrm>
+          <a:prstGeom prst="rect">
+            <a:avLst/>
+          </a:prstGeom>
+          <a:ln/>
+        </p:spPr>
+        <p:style>
+          <a:lnRef idx="1">
+            <a:schemeClr val="accent3"/>
+          </a:lnRef>
+          <a:fillRef idx="2">
+            <a:schemeClr val="accent3"/>
+          </a:fillRef>
+          <a:effectRef idx="1">
+            <a:schemeClr val="accent3"/>
+          </a:effectRef>
+          <a:fontRef idx="minor">
+            <a:schemeClr val="dk1"/>
+          </a:fontRef>
+        </p:style>
+        <p:txBody>
+          <a:bodyPr wrap="none" lIns="45720" tIns="0" rIns="45720" bIns="0" rtlCol="0">
+            <a:spAutoFit/>
+          </a:bodyPr>
+          <a:lstStyle/>
+          <a:p>
+            <a:r>
+              <a:rPr lang="en-US" sz="1000" smtClean="0"/>
+              <a:t>72</a:t>
+            </a:r>
+            <a:endParaRPr lang="en-US" sz="1000"/>
+          </a:p>
+        </p:txBody>
+      </p:sp>
+      <p:sp>
+        <p:nvSpPr>
+          <p:cNvPr id="137" name="TextBox 136"/>
+          <p:cNvSpPr txBox="1"/>
+          <p:nvPr/>
+        </p:nvSpPr>
+        <p:spPr>
+          <a:xfrm>
+            <a:off x="4068204" y="489831"/>
+            <a:ext cx="223779" cy="153888"/>
+          </a:xfrm>
+          <a:prstGeom prst="rect">
+            <a:avLst/>
+          </a:prstGeom>
+          <a:ln/>
+        </p:spPr>
+        <p:style>
+          <a:lnRef idx="1">
+            <a:schemeClr val="accent3"/>
+          </a:lnRef>
+          <a:fillRef idx="2">
+            <a:schemeClr val="accent3"/>
+          </a:fillRef>
+          <a:effectRef idx="1">
+            <a:schemeClr val="accent3"/>
+          </a:effectRef>
+          <a:fontRef idx="minor">
+            <a:schemeClr val="dk1"/>
+          </a:fontRef>
+        </p:style>
+        <p:txBody>
+          <a:bodyPr wrap="none" lIns="45720" tIns="0" rIns="45720" bIns="0" rtlCol="0">
+            <a:spAutoFit/>
+          </a:bodyPr>
+          <a:lstStyle/>
+          <a:p>
+            <a:r>
+              <a:rPr lang="en-US" sz="1000" smtClean="0"/>
+              <a:t>65</a:t>
+            </a:r>
+            <a:endParaRPr lang="en-US" sz="1000"/>
+          </a:p>
+        </p:txBody>
+      </p:sp>
+      <p:sp>
+        <p:nvSpPr>
+          <p:cNvPr id="138" name="TextBox 137"/>
+          <p:cNvSpPr txBox="1"/>
+          <p:nvPr/>
+        </p:nvSpPr>
+        <p:spPr>
+          <a:xfrm>
+            <a:off x="3967519" y="1106975"/>
+            <a:ext cx="223779" cy="153888"/>
+          </a:xfrm>
+          <a:prstGeom prst="rect">
+            <a:avLst/>
+          </a:prstGeom>
+          <a:ln/>
+        </p:spPr>
+        <p:style>
+          <a:lnRef idx="1">
+            <a:schemeClr val="accent3"/>
+          </a:lnRef>
+          <a:fillRef idx="2">
+            <a:schemeClr val="accent3"/>
+          </a:fillRef>
+          <a:effectRef idx="1">
+            <a:schemeClr val="accent3"/>
+          </a:effectRef>
+          <a:fontRef idx="minor">
+            <a:schemeClr val="dk1"/>
+          </a:fontRef>
+        </p:style>
+        <p:txBody>
+          <a:bodyPr wrap="none" lIns="45720" tIns="0" rIns="45720" bIns="0" rtlCol="0">
+            <a:spAutoFit/>
+          </a:bodyPr>
+          <a:lstStyle/>
+          <a:p>
+            <a:r>
+              <a:rPr lang="en-US" sz="1000" smtClean="0"/>
+              <a:t>68</a:t>
+            </a:r>
+            <a:endParaRPr lang="en-US" sz="1000"/>
+          </a:p>
+        </p:txBody>
+      </p:sp>
+      <p:sp>
+        <p:nvSpPr>
+          <p:cNvPr id="139" name="TextBox 138"/>
+          <p:cNvSpPr txBox="1"/>
+          <p:nvPr/>
+        </p:nvSpPr>
+        <p:spPr>
+          <a:xfrm>
+            <a:off x="3971193" y="932118"/>
+            <a:ext cx="223779" cy="153888"/>
+          </a:xfrm>
+          <a:prstGeom prst="rect">
+            <a:avLst/>
+          </a:prstGeom>
+          <a:ln/>
+        </p:spPr>
+        <p:style>
+          <a:lnRef idx="1">
+            <a:schemeClr val="accent3"/>
+          </a:lnRef>
+          <a:fillRef idx="2">
+            <a:schemeClr val="accent3"/>
+          </a:fillRef>
+          <a:effectRef idx="1">
+            <a:schemeClr val="accent3"/>
+          </a:effectRef>
+          <a:fontRef idx="minor">
+            <a:schemeClr val="dk1"/>
+          </a:fontRef>
+        </p:style>
+        <p:txBody>
+          <a:bodyPr wrap="none" lIns="45720" tIns="0" rIns="45720" bIns="0" rtlCol="0">
+            <a:spAutoFit/>
+          </a:bodyPr>
+          <a:lstStyle/>
+          <a:p>
+            <a:r>
+              <a:rPr lang="en-US" sz="1000" smtClean="0"/>
+              <a:t>67</a:t>
+            </a:r>
+            <a:endParaRPr lang="en-US" sz="1000"/>
+          </a:p>
+        </p:txBody>
+      </p:sp>
+      <p:sp>
+        <p:nvSpPr>
+          <p:cNvPr id="140" name="TextBox 139"/>
+          <p:cNvSpPr txBox="1"/>
+          <p:nvPr/>
+        </p:nvSpPr>
+        <p:spPr>
+          <a:xfrm>
+            <a:off x="3456989" y="832185"/>
+            <a:ext cx="223779" cy="153888"/>
+          </a:xfrm>
+          <a:prstGeom prst="rect">
+            <a:avLst/>
+          </a:prstGeom>
+          <a:ln/>
+        </p:spPr>
+        <p:style>
+          <a:lnRef idx="1">
+            <a:schemeClr val="accent3"/>
+          </a:lnRef>
+          <a:fillRef idx="2">
+            <a:schemeClr val="accent3"/>
+          </a:fillRef>
+          <a:effectRef idx="1">
+            <a:schemeClr val="accent3"/>
+          </a:effectRef>
+          <a:fontRef idx="minor">
+            <a:schemeClr val="dk1"/>
+          </a:fontRef>
+        </p:style>
+        <p:txBody>
+          <a:bodyPr wrap="none" lIns="45720" tIns="0" rIns="45720" bIns="0" rtlCol="0">
+            <a:spAutoFit/>
+          </a:bodyPr>
+          <a:lstStyle/>
+          <a:p>
+            <a:r>
+              <a:rPr lang="en-US" sz="1000" smtClean="0"/>
+              <a:t>88</a:t>
+            </a:r>
+            <a:endParaRPr lang="en-US" sz="1000"/>
+          </a:p>
+        </p:txBody>
+      </p:sp>
+      <p:sp>
+        <p:nvSpPr>
+          <p:cNvPr id="141" name="TextBox 140"/>
+          <p:cNvSpPr txBox="1"/>
+          <p:nvPr/>
+        </p:nvSpPr>
+        <p:spPr>
+          <a:xfrm>
+            <a:off x="3401643" y="476095"/>
+            <a:ext cx="223779" cy="153888"/>
+          </a:xfrm>
+          <a:prstGeom prst="rect">
+            <a:avLst/>
+          </a:prstGeom>
+          <a:ln/>
+        </p:spPr>
+        <p:style>
+          <a:lnRef idx="1">
+            <a:schemeClr val="accent3"/>
+          </a:lnRef>
+          <a:fillRef idx="2">
+            <a:schemeClr val="accent3"/>
+          </a:fillRef>
+          <a:effectRef idx="1">
+            <a:schemeClr val="accent3"/>
+          </a:effectRef>
+          <a:fontRef idx="minor">
+            <a:schemeClr val="dk1"/>
+          </a:fontRef>
+        </p:style>
+        <p:txBody>
+          <a:bodyPr wrap="none" lIns="45720" tIns="0" rIns="45720" bIns="0" rtlCol="0">
+            <a:spAutoFit/>
+          </a:bodyPr>
+          <a:lstStyle/>
+          <a:p>
+            <a:r>
+              <a:rPr lang="en-US" sz="1000" smtClean="0"/>
+              <a:t>87</a:t>
+            </a:r>
+            <a:endParaRPr lang="en-US" sz="1000"/>
+          </a:p>
+        </p:txBody>
+      </p:sp>
+      <p:sp>
+        <p:nvSpPr>
+          <p:cNvPr id="142" name="TextBox 141"/>
+          <p:cNvSpPr txBox="1"/>
+          <p:nvPr/>
+        </p:nvSpPr>
+        <p:spPr>
+          <a:xfrm>
+            <a:off x="2573934" y="606245"/>
+            <a:ext cx="223779" cy="153888"/>
+          </a:xfrm>
+          <a:prstGeom prst="rect">
+            <a:avLst/>
+          </a:prstGeom>
+          <a:ln/>
+        </p:spPr>
+        <p:style>
+          <a:lnRef idx="1">
+            <a:schemeClr val="accent3"/>
+          </a:lnRef>
+          <a:fillRef idx="2">
+            <a:schemeClr val="accent3"/>
+          </a:fillRef>
+          <a:effectRef idx="1">
+            <a:schemeClr val="accent3"/>
+          </a:effectRef>
+          <a:fontRef idx="minor">
+            <a:schemeClr val="dk1"/>
+          </a:fontRef>
+        </p:style>
+        <p:txBody>
+          <a:bodyPr wrap="none" lIns="45720" tIns="0" rIns="45720" bIns="0" rtlCol="0">
+            <a:spAutoFit/>
+          </a:bodyPr>
+          <a:lstStyle/>
+          <a:p>
+            <a:r>
+              <a:rPr lang="en-US" sz="1000" smtClean="0"/>
+              <a:t>85</a:t>
+            </a:r>
+            <a:endParaRPr lang="en-US" sz="1000"/>
+          </a:p>
+        </p:txBody>
+      </p:sp>
+      <p:sp>
+        <p:nvSpPr>
+          <p:cNvPr id="143" name="TextBox 142"/>
+          <p:cNvSpPr txBox="1"/>
+          <p:nvPr/>
+        </p:nvSpPr>
+        <p:spPr>
+          <a:xfrm>
+            <a:off x="2533552" y="973893"/>
+            <a:ext cx="223779" cy="153888"/>
+          </a:xfrm>
+          <a:prstGeom prst="rect">
+            <a:avLst/>
+          </a:prstGeom>
+          <a:ln/>
+        </p:spPr>
+        <p:style>
+          <a:lnRef idx="1">
+            <a:schemeClr val="accent3"/>
+          </a:lnRef>
+          <a:fillRef idx="2">
+            <a:schemeClr val="accent3"/>
+          </a:fillRef>
+          <a:effectRef idx="1">
+            <a:schemeClr val="accent3"/>
+          </a:effectRef>
+          <a:fontRef idx="minor">
+            <a:schemeClr val="dk1"/>
+          </a:fontRef>
+        </p:style>
+        <p:txBody>
+          <a:bodyPr wrap="none" lIns="45720" tIns="0" rIns="45720" bIns="0" rtlCol="0">
+            <a:spAutoFit/>
+          </a:bodyPr>
+          <a:lstStyle/>
+          <a:p>
+            <a:r>
+              <a:rPr lang="en-US" sz="1000" smtClean="0"/>
+              <a:t>86</a:t>
+            </a:r>
+            <a:endParaRPr lang="en-US" sz="1000"/>
+          </a:p>
+        </p:txBody>
+      </p:sp>
+      <p:sp>
+        <p:nvSpPr>
+          <p:cNvPr id="144" name="TextBox 143"/>
+          <p:cNvSpPr txBox="1"/>
+          <p:nvPr/>
+        </p:nvSpPr>
+        <p:spPr>
+          <a:xfrm>
+            <a:off x="1987507" y="1264699"/>
+            <a:ext cx="223779" cy="153888"/>
+          </a:xfrm>
+          <a:prstGeom prst="rect">
+            <a:avLst/>
+          </a:prstGeom>
+          <a:ln/>
+        </p:spPr>
+        <p:style>
+          <a:lnRef idx="1">
+            <a:schemeClr val="accent3"/>
+          </a:lnRef>
+          <a:fillRef idx="2">
+            <a:schemeClr val="accent3"/>
+          </a:fillRef>
+          <a:effectRef idx="1">
+            <a:schemeClr val="accent3"/>
+          </a:effectRef>
+          <a:fontRef idx="minor">
+            <a:schemeClr val="dk1"/>
+          </a:fontRef>
+        </p:style>
+        <p:txBody>
+          <a:bodyPr wrap="none" lIns="45720" tIns="0" rIns="45720" bIns="0" rtlCol="0">
+            <a:spAutoFit/>
+          </a:bodyPr>
+          <a:lstStyle/>
+          <a:p>
+            <a:r>
+              <a:rPr lang="en-US" sz="1000" smtClean="0"/>
+              <a:t>84</a:t>
+            </a:r>
+            <a:endParaRPr lang="en-US" sz="1000"/>
+          </a:p>
+        </p:txBody>
+      </p:sp>
+      <p:sp>
+        <p:nvSpPr>
+          <p:cNvPr id="145" name="TextBox 144"/>
+          <p:cNvSpPr txBox="1"/>
+          <p:nvPr/>
+        </p:nvSpPr>
+        <p:spPr>
+          <a:xfrm>
+            <a:off x="1644519" y="1058305"/>
+            <a:ext cx="223779" cy="153888"/>
+          </a:xfrm>
+          <a:prstGeom prst="rect">
+            <a:avLst/>
+          </a:prstGeom>
+          <a:ln/>
+        </p:spPr>
+        <p:style>
+          <a:lnRef idx="1">
+            <a:schemeClr val="accent3"/>
+          </a:lnRef>
+          <a:fillRef idx="2">
+            <a:schemeClr val="accent3"/>
+          </a:fillRef>
+          <a:effectRef idx="1">
+            <a:schemeClr val="accent3"/>
+          </a:effectRef>
+          <a:fontRef idx="minor">
+            <a:schemeClr val="dk1"/>
+          </a:fontRef>
+        </p:style>
+        <p:txBody>
+          <a:bodyPr wrap="none" lIns="45720" tIns="0" rIns="45720" bIns="0" rtlCol="0">
+            <a:spAutoFit/>
+          </a:bodyPr>
+          <a:lstStyle/>
+          <a:p>
+            <a:r>
+              <a:rPr lang="en-US" sz="1000" smtClean="0"/>
+              <a:t>83</a:t>
+            </a:r>
+            <a:endParaRPr lang="en-US" sz="1000"/>
+          </a:p>
+        </p:txBody>
+      </p:sp>
+      <p:sp>
+        <p:nvSpPr>
+          <p:cNvPr id="146" name="TextBox 145"/>
+          <p:cNvSpPr txBox="1"/>
+          <p:nvPr/>
+        </p:nvSpPr>
+        <p:spPr>
+          <a:xfrm>
+            <a:off x="1834720" y="785817"/>
+            <a:ext cx="223779" cy="153888"/>
+          </a:xfrm>
+          <a:prstGeom prst="rect">
+            <a:avLst/>
+          </a:prstGeom>
+          <a:ln/>
+        </p:spPr>
+        <p:style>
+          <a:lnRef idx="1">
+            <a:schemeClr val="accent3"/>
+          </a:lnRef>
+          <a:fillRef idx="2">
+            <a:schemeClr val="accent3"/>
+          </a:fillRef>
+          <a:effectRef idx="1">
+            <a:schemeClr val="accent3"/>
+          </a:effectRef>
+          <a:fontRef idx="minor">
+            <a:schemeClr val="dk1"/>
+          </a:fontRef>
+        </p:style>
+        <p:txBody>
+          <a:bodyPr wrap="none" lIns="45720" tIns="0" rIns="45720" bIns="0" rtlCol="0">
+            <a:spAutoFit/>
+          </a:bodyPr>
+          <a:lstStyle/>
+          <a:p>
+            <a:r>
+              <a:rPr lang="en-US" sz="1000" smtClean="0"/>
+              <a:t>82</a:t>
+            </a:r>
+            <a:endParaRPr lang="en-US" sz="1000"/>
+          </a:p>
+        </p:txBody>
+      </p:sp>
+      <p:sp>
+        <p:nvSpPr>
+          <p:cNvPr id="147" name="TextBox 146"/>
+          <p:cNvSpPr txBox="1"/>
+          <p:nvPr/>
+        </p:nvSpPr>
+        <p:spPr>
+          <a:xfrm>
+            <a:off x="1883349" y="465259"/>
+            <a:ext cx="223779" cy="153888"/>
+          </a:xfrm>
+          <a:prstGeom prst="rect">
+            <a:avLst/>
+          </a:prstGeom>
+          <a:ln/>
+        </p:spPr>
+        <p:style>
+          <a:lnRef idx="1">
+            <a:schemeClr val="accent3"/>
+          </a:lnRef>
+          <a:fillRef idx="2">
+            <a:schemeClr val="accent3"/>
+          </a:fillRef>
+          <a:effectRef idx="1">
+            <a:schemeClr val="accent3"/>
+          </a:effectRef>
+          <a:fontRef idx="minor">
+            <a:schemeClr val="dk1"/>
+          </a:fontRef>
+        </p:style>
+        <p:txBody>
+          <a:bodyPr wrap="none" lIns="45720" tIns="0" rIns="45720" bIns="0" rtlCol="0">
+            <a:spAutoFit/>
+          </a:bodyPr>
+          <a:lstStyle/>
+          <a:p>
+            <a:r>
+              <a:rPr lang="en-US" sz="1000" dirty="0" smtClean="0"/>
+              <a:t>81</a:t>
+            </a:r>
+            <a:endParaRPr lang="en-US" sz="1000" dirty="0"/>
+          </a:p>
+        </p:txBody>
+      </p:sp>
+      <p:sp>
+        <p:nvSpPr>
+          <p:cNvPr id="148" name="TextBox 147"/>
+          <p:cNvSpPr txBox="1"/>
+          <p:nvPr/>
+        </p:nvSpPr>
+        <p:spPr>
+          <a:xfrm>
+            <a:off x="2162510" y="2800342"/>
+            <a:ext cx="223779" cy="153888"/>
+          </a:xfrm>
+          <a:prstGeom prst="rect">
+            <a:avLst/>
+          </a:prstGeom>
+          <a:ln/>
+        </p:spPr>
+        <p:style>
+          <a:lnRef idx="1">
+            <a:schemeClr val="accent3"/>
+          </a:lnRef>
+          <a:fillRef idx="2">
+            <a:schemeClr val="accent3"/>
+          </a:fillRef>
+          <a:effectRef idx="1">
+            <a:schemeClr val="accent3"/>
+          </a:effectRef>
+          <a:fontRef idx="minor">
+            <a:schemeClr val="dk1"/>
+          </a:fontRef>
+        </p:style>
+        <p:txBody>
+          <a:bodyPr wrap="none" lIns="45720" tIns="0" rIns="45720" bIns="0" rtlCol="0">
+            <a:spAutoFit/>
+          </a:bodyPr>
+          <a:lstStyle/>
+          <a:p>
+            <a:r>
+              <a:rPr lang="en-US" sz="1000" smtClean="0"/>
+              <a:t>92</a:t>
+            </a:r>
+            <a:endParaRPr lang="en-US" sz="1000"/>
+          </a:p>
+        </p:txBody>
+      </p:sp>
+      <p:sp>
+        <p:nvSpPr>
+          <p:cNvPr id="149" name="TextBox 148"/>
+          <p:cNvSpPr txBox="1"/>
+          <p:nvPr/>
+        </p:nvSpPr>
+        <p:spPr>
+          <a:xfrm>
+            <a:off x="2231864" y="3268525"/>
+            <a:ext cx="223779" cy="153888"/>
+          </a:xfrm>
+          <a:prstGeom prst="rect">
+            <a:avLst/>
+          </a:prstGeom>
+          <a:ln/>
+        </p:spPr>
+        <p:style>
+          <a:lnRef idx="1">
+            <a:schemeClr val="accent3"/>
+          </a:lnRef>
+          <a:fillRef idx="2">
+            <a:schemeClr val="accent3"/>
+          </a:fillRef>
+          <a:effectRef idx="1">
+            <a:schemeClr val="accent3"/>
+          </a:effectRef>
+          <a:fontRef idx="minor">
+            <a:schemeClr val="dk1"/>
+          </a:fontRef>
+        </p:style>
+        <p:txBody>
+          <a:bodyPr wrap="none" lIns="45720" tIns="0" rIns="45720" bIns="0" rtlCol="0">
+            <a:spAutoFit/>
+          </a:bodyPr>
+          <a:lstStyle/>
+          <a:p>
+            <a:r>
+              <a:rPr lang="en-US" sz="1000" smtClean="0"/>
+              <a:t>93</a:t>
+            </a:r>
+            <a:endParaRPr lang="en-US" sz="1000"/>
+          </a:p>
+        </p:txBody>
+      </p:sp>
+      <p:sp>
+        <p:nvSpPr>
+          <p:cNvPr id="150" name="TextBox 149"/>
+          <p:cNvSpPr txBox="1"/>
+          <p:nvPr/>
+        </p:nvSpPr>
+        <p:spPr>
+          <a:xfrm>
+            <a:off x="1720403" y="3001874"/>
+            <a:ext cx="223779" cy="153888"/>
+          </a:xfrm>
+          <a:prstGeom prst="rect">
+            <a:avLst/>
+          </a:prstGeom>
+          <a:ln/>
+        </p:spPr>
+        <p:style>
+          <a:lnRef idx="1">
+            <a:schemeClr val="accent3"/>
+          </a:lnRef>
+          <a:fillRef idx="2">
+            <a:schemeClr val="accent3"/>
+          </a:fillRef>
+          <a:effectRef idx="1">
+            <a:schemeClr val="accent3"/>
+          </a:effectRef>
+          <a:fontRef idx="minor">
+            <a:schemeClr val="dk1"/>
+          </a:fontRef>
+        </p:style>
+        <p:txBody>
+          <a:bodyPr wrap="none" lIns="45720" tIns="0" rIns="45720" bIns="0" rtlCol="0">
+            <a:spAutoFit/>
+          </a:bodyPr>
+          <a:lstStyle/>
+          <a:p>
+            <a:r>
+              <a:rPr lang="en-US" sz="1000" smtClean="0"/>
+              <a:t>91</a:t>
+            </a:r>
+            <a:endParaRPr lang="en-US" sz="1000"/>
+          </a:p>
+        </p:txBody>
+      </p:sp>
+      <p:sp>
+        <p:nvSpPr>
+          <p:cNvPr id="151" name="TextBox 150"/>
+          <p:cNvSpPr txBox="1"/>
+          <p:nvPr/>
+        </p:nvSpPr>
+        <p:spPr>
+          <a:xfrm>
+            <a:off x="1285682" y="2655916"/>
+            <a:ext cx="223779" cy="153888"/>
+          </a:xfrm>
+          <a:prstGeom prst="rect">
+            <a:avLst/>
+          </a:prstGeom>
+          <a:ln/>
+        </p:spPr>
+        <p:style>
+          <a:lnRef idx="1">
+            <a:schemeClr val="accent3"/>
+          </a:lnRef>
+          <a:fillRef idx="2">
+            <a:schemeClr val="accent3"/>
+          </a:fillRef>
+          <a:effectRef idx="1">
+            <a:schemeClr val="accent3"/>
+          </a:effectRef>
+          <a:fontRef idx="minor">
+            <a:schemeClr val="dk1"/>
+          </a:fontRef>
+        </p:style>
+        <p:txBody>
+          <a:bodyPr wrap="none" lIns="45720" tIns="0" rIns="45720" bIns="0" rtlCol="0">
+            <a:spAutoFit/>
+          </a:bodyPr>
+          <a:lstStyle/>
+          <a:p>
+            <a:r>
+              <a:rPr lang="en-US" sz="1000" smtClean="0"/>
+              <a:t>89</a:t>
+            </a:r>
+            <a:endParaRPr lang="en-US" sz="1000"/>
+          </a:p>
+        </p:txBody>
+      </p:sp>
+      <p:sp>
+        <p:nvSpPr>
+          <p:cNvPr id="152" name="TextBox 151"/>
+          <p:cNvSpPr txBox="1"/>
+          <p:nvPr/>
+        </p:nvSpPr>
+        <p:spPr>
+          <a:xfrm>
+            <a:off x="7782155" y="1702136"/>
+            <a:ext cx="223779" cy="153888"/>
+          </a:xfrm>
+          <a:prstGeom prst="rect">
+            <a:avLst/>
+          </a:prstGeom>
+          <a:ln/>
+        </p:spPr>
+        <p:style>
+          <a:lnRef idx="1">
+            <a:schemeClr val="accent3"/>
+          </a:lnRef>
+          <a:fillRef idx="2">
+            <a:schemeClr val="accent3"/>
+          </a:fillRef>
+          <a:effectRef idx="1">
+            <a:schemeClr val="accent3"/>
+          </a:effectRef>
+          <a:fontRef idx="minor">
+            <a:schemeClr val="dk1"/>
+          </a:fontRef>
+        </p:style>
+        <p:txBody>
+          <a:bodyPr wrap="none" lIns="45720" tIns="0" rIns="45720" bIns="0" rtlCol="0">
+            <a:spAutoFit/>
+          </a:bodyPr>
+          <a:lstStyle/>
+          <a:p>
+            <a:r>
+              <a:rPr lang="en-US" sz="1000" smtClean="0"/>
+              <a:t>43</a:t>
+            </a:r>
+            <a:endParaRPr lang="en-US" sz="1000"/>
+          </a:p>
+        </p:txBody>
+      </p:sp>
+      <p:sp>
+        <p:nvSpPr>
+          <p:cNvPr id="153" name="TextBox 152"/>
+          <p:cNvSpPr txBox="1"/>
+          <p:nvPr/>
+        </p:nvSpPr>
+        <p:spPr>
+          <a:xfrm>
+            <a:off x="7775066" y="951347"/>
+            <a:ext cx="223779" cy="153888"/>
+          </a:xfrm>
+          <a:prstGeom prst="rect">
+            <a:avLst/>
+          </a:prstGeom>
+          <a:ln/>
+        </p:spPr>
+        <p:style>
+          <a:lnRef idx="1">
+            <a:schemeClr val="accent3"/>
+          </a:lnRef>
+          <a:fillRef idx="2">
+            <a:schemeClr val="accent3"/>
+          </a:fillRef>
+          <a:effectRef idx="1">
+            <a:schemeClr val="accent3"/>
+          </a:effectRef>
+          <a:fontRef idx="minor">
+            <a:schemeClr val="dk1"/>
+          </a:fontRef>
+        </p:style>
+        <p:txBody>
+          <a:bodyPr wrap="none" lIns="45720" tIns="0" rIns="45720" bIns="0" rtlCol="0">
+            <a:spAutoFit/>
+          </a:bodyPr>
+          <a:lstStyle/>
+          <a:p>
+            <a:r>
+              <a:rPr lang="en-US" sz="1000" dirty="0" smtClean="0"/>
+              <a:t>42</a:t>
+            </a:r>
+            <a:endParaRPr lang="en-US" sz="1000" dirty="0"/>
+          </a:p>
+        </p:txBody>
+      </p:sp>
+      <p:sp>
+        <p:nvSpPr>
+          <p:cNvPr id="154" name="TextBox 153"/>
+          <p:cNvSpPr txBox="1"/>
+          <p:nvPr/>
+        </p:nvSpPr>
+        <p:spPr>
+          <a:xfrm>
+            <a:off x="7460464" y="461313"/>
+            <a:ext cx="223779" cy="153888"/>
+          </a:xfrm>
+          <a:prstGeom prst="rect">
+            <a:avLst/>
+          </a:prstGeom>
+          <a:ln/>
+        </p:spPr>
+        <p:style>
+          <a:lnRef idx="1">
+            <a:schemeClr val="accent3"/>
+          </a:lnRef>
+          <a:fillRef idx="2">
+            <a:schemeClr val="accent3"/>
+          </a:fillRef>
+          <a:effectRef idx="1">
+            <a:schemeClr val="accent3"/>
+          </a:effectRef>
+          <a:fontRef idx="minor">
+            <a:schemeClr val="dk1"/>
+          </a:fontRef>
+        </p:style>
+        <p:txBody>
+          <a:bodyPr wrap="none" lIns="45720" tIns="0" rIns="45720" bIns="0" rtlCol="0">
+            <a:spAutoFit/>
+          </a:bodyPr>
+          <a:lstStyle/>
+          <a:p>
+            <a:r>
+              <a:rPr lang="en-US" sz="1000" smtClean="0"/>
+              <a:t>41</a:t>
+            </a:r>
+            <a:endParaRPr lang="en-US" sz="1000" dirty="0"/>
+          </a:p>
+        </p:txBody>
+      </p:sp>
+      <p:sp>
+        <p:nvSpPr>
+          <p:cNvPr id="155" name="TextBox 154"/>
+          <p:cNvSpPr txBox="1"/>
+          <p:nvPr/>
+        </p:nvSpPr>
+        <p:spPr>
+          <a:xfrm>
+            <a:off x="6890492" y="750807"/>
+            <a:ext cx="223779" cy="153888"/>
+          </a:xfrm>
+          <a:prstGeom prst="rect">
+            <a:avLst/>
+          </a:prstGeom>
+          <a:ln/>
+        </p:spPr>
+        <p:style>
+          <a:lnRef idx="1">
+            <a:schemeClr val="accent3"/>
+          </a:lnRef>
+          <a:fillRef idx="2">
+            <a:schemeClr val="accent3"/>
+          </a:fillRef>
+          <a:effectRef idx="1">
+            <a:schemeClr val="accent3"/>
+          </a:effectRef>
+          <a:fontRef idx="minor">
+            <a:schemeClr val="dk1"/>
+          </a:fontRef>
+        </p:style>
+        <p:txBody>
+          <a:bodyPr wrap="none" lIns="45720" tIns="0" rIns="45720" bIns="0" rtlCol="0">
+            <a:spAutoFit/>
+          </a:bodyPr>
+          <a:lstStyle/>
+          <a:p>
+            <a:r>
+              <a:rPr lang="en-US" sz="1000" dirty="0" smtClean="0"/>
+              <a:t>54</a:t>
+            </a:r>
+            <a:endParaRPr lang="en-US" sz="1000" dirty="0"/>
+          </a:p>
+        </p:txBody>
+      </p:sp>
+      <p:sp>
+        <p:nvSpPr>
+          <p:cNvPr id="156" name="TextBox 155"/>
+          <p:cNvSpPr txBox="1"/>
+          <p:nvPr/>
+        </p:nvSpPr>
+        <p:spPr>
+          <a:xfrm>
+            <a:off x="6106460" y="1157382"/>
+            <a:ext cx="223779" cy="153888"/>
+          </a:xfrm>
+          <a:prstGeom prst="rect">
+            <a:avLst/>
+          </a:prstGeom>
+          <a:ln/>
+        </p:spPr>
+        <p:style>
+          <a:lnRef idx="1">
+            <a:schemeClr val="accent3"/>
+          </a:lnRef>
+          <a:fillRef idx="2">
+            <a:schemeClr val="accent3"/>
+          </a:fillRef>
+          <a:effectRef idx="1">
+            <a:schemeClr val="accent3"/>
+          </a:effectRef>
+          <a:fontRef idx="minor">
+            <a:schemeClr val="dk1"/>
+          </a:fontRef>
+        </p:style>
+        <p:txBody>
+          <a:bodyPr wrap="none" lIns="45720" tIns="0" rIns="45720" bIns="0" rtlCol="0">
+            <a:spAutoFit/>
+          </a:bodyPr>
+          <a:lstStyle/>
+          <a:p>
+            <a:r>
+              <a:rPr lang="en-US" sz="1000" smtClean="0"/>
+              <a:t>53</a:t>
+            </a:r>
+            <a:endParaRPr lang="en-US" sz="1000"/>
+          </a:p>
+        </p:txBody>
+      </p:sp>
+      <p:sp>
+        <p:nvSpPr>
+          <p:cNvPr id="157" name="TextBox 156"/>
+          <p:cNvSpPr txBox="1"/>
+          <p:nvPr/>
+        </p:nvSpPr>
+        <p:spPr>
+          <a:xfrm>
+            <a:off x="6103690" y="985318"/>
+            <a:ext cx="223779" cy="153888"/>
+          </a:xfrm>
+          <a:prstGeom prst="rect">
+            <a:avLst/>
+          </a:prstGeom>
+          <a:ln/>
+        </p:spPr>
+        <p:style>
+          <a:lnRef idx="1">
+            <a:schemeClr val="accent3"/>
+          </a:lnRef>
+          <a:fillRef idx="2">
+            <a:schemeClr val="accent3"/>
+          </a:fillRef>
+          <a:effectRef idx="1">
+            <a:schemeClr val="accent3"/>
+          </a:effectRef>
+          <a:fontRef idx="minor">
+            <a:schemeClr val="dk1"/>
+          </a:fontRef>
+        </p:style>
+        <p:txBody>
+          <a:bodyPr wrap="none" lIns="45720" tIns="0" rIns="45720" bIns="0" rtlCol="0">
+            <a:spAutoFit/>
+          </a:bodyPr>
+          <a:lstStyle/>
+          <a:p>
+            <a:r>
+              <a:rPr lang="en-US" sz="1000" smtClean="0"/>
+              <a:t>52</a:t>
+            </a:r>
+            <a:endParaRPr lang="en-US" sz="1000"/>
+          </a:p>
+        </p:txBody>
+      </p:sp>
+      <p:sp>
+        <p:nvSpPr>
+          <p:cNvPr id="158" name="TextBox 157"/>
+          <p:cNvSpPr txBox="1"/>
+          <p:nvPr/>
+        </p:nvSpPr>
+        <p:spPr>
+          <a:xfrm>
+            <a:off x="5911510" y="865025"/>
+            <a:ext cx="223779" cy="153888"/>
+          </a:xfrm>
+          <a:prstGeom prst="rect">
+            <a:avLst/>
+          </a:prstGeom>
+          <a:ln/>
+        </p:spPr>
+        <p:style>
+          <a:lnRef idx="1">
+            <a:schemeClr val="accent3"/>
+          </a:lnRef>
+          <a:fillRef idx="2">
+            <a:schemeClr val="accent3"/>
+          </a:fillRef>
+          <a:effectRef idx="1">
+            <a:schemeClr val="accent3"/>
+          </a:effectRef>
+          <a:fontRef idx="minor">
+            <a:schemeClr val="dk1"/>
+          </a:fontRef>
+        </p:style>
+        <p:txBody>
+          <a:bodyPr wrap="none" lIns="45720" tIns="0" rIns="45720" bIns="0" rtlCol="0">
+            <a:spAutoFit/>
+          </a:bodyPr>
+          <a:lstStyle/>
+          <a:p>
+            <a:r>
+              <a:rPr lang="en-US" sz="1000" smtClean="0"/>
+              <a:t>51</a:t>
+            </a:r>
+            <a:endParaRPr lang="en-US" sz="1000"/>
+          </a:p>
+        </p:txBody>
+      </p:sp>
+      <p:sp>
+        <p:nvSpPr>
+          <p:cNvPr id="159" name="TextBox 158"/>
+          <p:cNvSpPr txBox="1"/>
+          <p:nvPr/>
+        </p:nvSpPr>
+        <p:spPr>
+          <a:xfrm>
+            <a:off x="6323132" y="743861"/>
+            <a:ext cx="223779" cy="153888"/>
+          </a:xfrm>
+          <a:prstGeom prst="rect">
+            <a:avLst/>
+          </a:prstGeom>
+          <a:ln/>
+        </p:spPr>
+        <p:style>
+          <a:lnRef idx="1">
+            <a:schemeClr val="accent3"/>
+          </a:lnRef>
+          <a:fillRef idx="2">
+            <a:schemeClr val="accent3"/>
+          </a:fillRef>
+          <a:effectRef idx="1">
+            <a:schemeClr val="accent3"/>
+          </a:effectRef>
+          <a:fontRef idx="minor">
+            <a:schemeClr val="dk1"/>
+          </a:fontRef>
+        </p:style>
+        <p:txBody>
+          <a:bodyPr wrap="none" lIns="45720" tIns="0" rIns="45720" bIns="0" rtlCol="0">
+            <a:spAutoFit/>
+          </a:bodyPr>
+          <a:lstStyle/>
+          <a:p>
+            <a:r>
+              <a:rPr lang="en-US" sz="1000" smtClean="0"/>
+              <a:t>50</a:t>
+            </a:r>
+            <a:endParaRPr lang="en-US" sz="1000"/>
+          </a:p>
+        </p:txBody>
+      </p:sp>
+      <p:sp>
+        <p:nvSpPr>
+          <p:cNvPr id="160" name="TextBox 159"/>
+          <p:cNvSpPr txBox="1"/>
+          <p:nvPr/>
+        </p:nvSpPr>
+        <p:spPr>
+          <a:xfrm>
+            <a:off x="6077068" y="489638"/>
+            <a:ext cx="223779" cy="153888"/>
+          </a:xfrm>
+          <a:prstGeom prst="rect">
+            <a:avLst/>
+          </a:prstGeom>
+          <a:ln/>
+        </p:spPr>
+        <p:style>
+          <a:lnRef idx="1">
+            <a:schemeClr val="accent3"/>
+          </a:lnRef>
+          <a:fillRef idx="2">
+            <a:schemeClr val="accent3"/>
+          </a:fillRef>
+          <a:effectRef idx="1">
+            <a:schemeClr val="accent3"/>
+          </a:effectRef>
+          <a:fontRef idx="minor">
+            <a:schemeClr val="dk1"/>
+          </a:fontRef>
+        </p:style>
+        <p:txBody>
+          <a:bodyPr wrap="none" lIns="45720" tIns="0" rIns="45720" bIns="0" rtlCol="0">
+            <a:spAutoFit/>
+          </a:bodyPr>
+          <a:lstStyle/>
+          <a:p>
+            <a:r>
+              <a:rPr lang="en-US" sz="1000" dirty="0" smtClean="0"/>
+              <a:t>49</a:t>
+            </a:r>
+            <a:endParaRPr lang="en-US" sz="1000" dirty="0"/>
+          </a:p>
+        </p:txBody>
+      </p:sp>
+      <p:sp>
+        <p:nvSpPr>
+          <p:cNvPr id="161" name="TextBox 160"/>
+          <p:cNvSpPr txBox="1"/>
+          <p:nvPr/>
+        </p:nvSpPr>
+        <p:spPr>
+          <a:xfrm>
+            <a:off x="6732744" y="3602323"/>
+            <a:ext cx="223779" cy="153888"/>
+          </a:xfrm>
+          <a:prstGeom prst="rect">
+            <a:avLst/>
+          </a:prstGeom>
+          <a:ln/>
+        </p:spPr>
+        <p:style>
+          <a:lnRef idx="1">
+            <a:schemeClr val="accent3"/>
+          </a:lnRef>
+          <a:fillRef idx="2">
+            <a:schemeClr val="accent3"/>
+          </a:fillRef>
+          <a:effectRef idx="1">
+            <a:schemeClr val="accent3"/>
+          </a:effectRef>
+          <a:fontRef idx="minor">
+            <a:schemeClr val="dk1"/>
+          </a:fontRef>
+        </p:style>
+        <p:txBody>
+          <a:bodyPr wrap="none" lIns="45720" tIns="0" rIns="45720" bIns="0" rtlCol="0">
+            <a:spAutoFit/>
+          </a:bodyPr>
+          <a:lstStyle/>
+          <a:p>
+            <a:r>
+              <a:rPr lang="en-US" sz="1000" smtClean="0"/>
+              <a:t>34</a:t>
+            </a:r>
+            <a:endParaRPr lang="en-US" sz="1000"/>
+          </a:p>
+        </p:txBody>
+      </p:sp>
+      <p:sp>
+        <p:nvSpPr>
+          <p:cNvPr id="162" name="TextBox 161"/>
+          <p:cNvSpPr txBox="1"/>
+          <p:nvPr/>
+        </p:nvSpPr>
+        <p:spPr>
+          <a:xfrm>
+            <a:off x="6739591" y="2909325"/>
+            <a:ext cx="223779" cy="153888"/>
+          </a:xfrm>
+          <a:prstGeom prst="rect">
+            <a:avLst/>
+          </a:prstGeom>
+          <a:ln/>
+        </p:spPr>
+        <p:style>
+          <a:lnRef idx="1">
+            <a:schemeClr val="accent3"/>
+          </a:lnRef>
+          <a:fillRef idx="2">
+            <a:schemeClr val="accent3"/>
+          </a:fillRef>
+          <a:effectRef idx="1">
+            <a:schemeClr val="accent3"/>
+          </a:effectRef>
+          <a:fontRef idx="minor">
+            <a:schemeClr val="dk1"/>
+          </a:fontRef>
+        </p:style>
+        <p:txBody>
+          <a:bodyPr wrap="none" lIns="45720" tIns="0" rIns="45720" bIns="0" rtlCol="0">
+            <a:spAutoFit/>
+          </a:bodyPr>
+          <a:lstStyle/>
+          <a:p>
+            <a:r>
+              <a:rPr lang="en-US" sz="1000" smtClean="0"/>
+              <a:t>35</a:t>
+            </a:r>
+            <a:endParaRPr lang="en-US" sz="1000"/>
+          </a:p>
+        </p:txBody>
+      </p:sp>
+      <p:sp>
+        <p:nvSpPr>
+          <p:cNvPr id="163" name="TextBox 162"/>
+          <p:cNvSpPr txBox="1"/>
+          <p:nvPr/>
+        </p:nvSpPr>
+        <p:spPr>
+          <a:xfrm>
+            <a:off x="5915110" y="2218465"/>
+            <a:ext cx="223779" cy="153888"/>
+          </a:xfrm>
+          <a:prstGeom prst="rect">
+            <a:avLst/>
+          </a:prstGeom>
+          <a:ln/>
+        </p:spPr>
+        <p:style>
+          <a:lnRef idx="1">
+            <a:schemeClr val="accent3"/>
+          </a:lnRef>
+          <a:fillRef idx="2">
+            <a:schemeClr val="accent3"/>
+          </a:fillRef>
+          <a:effectRef idx="1">
+            <a:schemeClr val="accent3"/>
+          </a:effectRef>
+          <a:fontRef idx="minor">
+            <a:schemeClr val="dk1"/>
+          </a:fontRef>
+        </p:style>
+        <p:txBody>
+          <a:bodyPr wrap="none" lIns="45720" tIns="0" rIns="45720" bIns="0" rtlCol="0">
+            <a:spAutoFit/>
+          </a:bodyPr>
+          <a:lstStyle/>
+          <a:p>
+            <a:r>
+              <a:rPr lang="en-US" sz="1000" smtClean="0"/>
+              <a:t>62</a:t>
+            </a:r>
+            <a:endParaRPr lang="en-US" sz="1000"/>
+          </a:p>
+        </p:txBody>
+      </p:sp>
+      <p:sp>
+        <p:nvSpPr>
+          <p:cNvPr id="164" name="TextBox 163"/>
+          <p:cNvSpPr txBox="1"/>
+          <p:nvPr/>
+        </p:nvSpPr>
+        <p:spPr>
+          <a:xfrm>
+            <a:off x="6133558" y="1846273"/>
+            <a:ext cx="223779" cy="153888"/>
+          </a:xfrm>
+          <a:prstGeom prst="rect">
+            <a:avLst/>
+          </a:prstGeom>
+          <a:ln/>
+        </p:spPr>
+        <p:style>
+          <a:lnRef idx="1">
+            <a:schemeClr val="accent3"/>
+          </a:lnRef>
+          <a:fillRef idx="2">
+            <a:schemeClr val="accent3"/>
+          </a:fillRef>
+          <a:effectRef idx="1">
+            <a:schemeClr val="accent3"/>
+          </a:effectRef>
+          <a:fontRef idx="minor">
+            <a:schemeClr val="dk1"/>
+          </a:fontRef>
+        </p:style>
+        <p:txBody>
+          <a:bodyPr wrap="none" lIns="45720" tIns="0" rIns="45720" bIns="0" rtlCol="0">
+            <a:spAutoFit/>
+          </a:bodyPr>
+          <a:lstStyle/>
+          <a:p>
+            <a:r>
+              <a:rPr lang="en-US" sz="1000" smtClean="0"/>
+              <a:t>61</a:t>
+            </a:r>
+            <a:endParaRPr lang="en-US" sz="1000"/>
+          </a:p>
+        </p:txBody>
+      </p:sp>
+      <p:sp>
+        <p:nvSpPr>
+          <p:cNvPr id="165" name="TextBox 164"/>
+          <p:cNvSpPr txBox="1"/>
+          <p:nvPr/>
+        </p:nvSpPr>
+        <p:spPr>
+          <a:xfrm>
+            <a:off x="5541653" y="1643623"/>
+            <a:ext cx="223779" cy="153888"/>
+          </a:xfrm>
+          <a:prstGeom prst="rect">
+            <a:avLst/>
+          </a:prstGeom>
+          <a:ln/>
+        </p:spPr>
+        <p:style>
+          <a:lnRef idx="1">
+            <a:schemeClr val="accent3"/>
+          </a:lnRef>
+          <a:fillRef idx="2">
+            <a:schemeClr val="accent3"/>
+          </a:fillRef>
+          <a:effectRef idx="1">
+            <a:schemeClr val="accent3"/>
+          </a:effectRef>
+          <a:fontRef idx="minor">
+            <a:schemeClr val="dk1"/>
+          </a:fontRef>
+        </p:style>
+        <p:txBody>
+          <a:bodyPr wrap="none" lIns="45720" tIns="0" rIns="45720" bIns="0" rtlCol="0">
+            <a:spAutoFit/>
+          </a:bodyPr>
+          <a:lstStyle/>
+          <a:p>
+            <a:r>
+              <a:rPr lang="en-US" sz="1000" smtClean="0"/>
+              <a:t>58</a:t>
+            </a:r>
+            <a:endParaRPr lang="en-US" sz="1000"/>
+          </a:p>
+        </p:txBody>
+      </p:sp>
+      <p:sp>
+        <p:nvSpPr>
+          <p:cNvPr id="166" name="TextBox 165"/>
+          <p:cNvSpPr txBox="1"/>
+          <p:nvPr/>
+        </p:nvSpPr>
+        <p:spPr>
+          <a:xfrm>
+            <a:off x="5188361" y="1329846"/>
+            <a:ext cx="223779" cy="153888"/>
+          </a:xfrm>
+          <a:prstGeom prst="rect">
+            <a:avLst/>
+          </a:prstGeom>
+          <a:ln/>
+        </p:spPr>
+        <p:style>
+          <a:lnRef idx="1">
+            <a:schemeClr val="accent3"/>
+          </a:lnRef>
+          <a:fillRef idx="2">
+            <a:schemeClr val="accent3"/>
+          </a:fillRef>
+          <a:effectRef idx="1">
+            <a:schemeClr val="accent3"/>
+          </a:effectRef>
+          <a:fontRef idx="minor">
+            <a:schemeClr val="dk1"/>
+          </a:fontRef>
+        </p:style>
+        <p:txBody>
+          <a:bodyPr wrap="none" lIns="45720" tIns="0" rIns="45720" bIns="0" rtlCol="0">
+            <a:spAutoFit/>
+          </a:bodyPr>
+          <a:lstStyle/>
+          <a:p>
+            <a:r>
+              <a:rPr lang="en-US" sz="1000" smtClean="0"/>
+              <a:t>57</a:t>
+            </a:r>
+            <a:endParaRPr lang="en-US" sz="1000"/>
+          </a:p>
+        </p:txBody>
+      </p:sp>
+      <p:sp>
+        <p:nvSpPr>
+          <p:cNvPr id="167" name="TextBox 166"/>
+          <p:cNvSpPr txBox="1"/>
+          <p:nvPr/>
+        </p:nvSpPr>
+        <p:spPr>
+          <a:xfrm>
+            <a:off x="6766871" y="1638843"/>
+            <a:ext cx="223779" cy="153888"/>
+          </a:xfrm>
+          <a:prstGeom prst="rect">
+            <a:avLst/>
+          </a:prstGeom>
+          <a:ln/>
+        </p:spPr>
+        <p:style>
+          <a:lnRef idx="1">
+            <a:schemeClr val="accent3"/>
+          </a:lnRef>
+          <a:fillRef idx="2">
+            <a:schemeClr val="accent3"/>
+          </a:fillRef>
+          <a:effectRef idx="1">
+            <a:schemeClr val="accent3"/>
+          </a:effectRef>
+          <a:fontRef idx="minor">
+            <a:schemeClr val="dk1"/>
+          </a:fontRef>
+        </p:style>
+        <p:txBody>
+          <a:bodyPr wrap="none" lIns="45720" tIns="0" rIns="45720" bIns="0" rtlCol="0">
+            <a:spAutoFit/>
+          </a:bodyPr>
+          <a:lstStyle/>
+          <a:p>
+            <a:r>
+              <a:rPr lang="en-US" sz="1000" dirty="0" smtClean="0"/>
+              <a:t>56</a:t>
+            </a:r>
+            <a:endParaRPr lang="en-US" sz="1000" dirty="0"/>
+          </a:p>
+        </p:txBody>
+      </p:sp>
+      <p:sp>
+        <p:nvSpPr>
+          <p:cNvPr id="168" name="TextBox 167"/>
+          <p:cNvSpPr txBox="1"/>
+          <p:nvPr/>
+        </p:nvSpPr>
+        <p:spPr>
+          <a:xfrm>
+            <a:off x="7675533" y="2352381"/>
+            <a:ext cx="223779" cy="153888"/>
+          </a:xfrm>
+          <a:prstGeom prst="rect">
+            <a:avLst/>
+          </a:prstGeom>
+          <a:ln/>
+        </p:spPr>
+        <p:style>
+          <a:lnRef idx="1">
+            <a:schemeClr val="accent3"/>
+          </a:lnRef>
+          <a:fillRef idx="2">
+            <a:schemeClr val="accent3"/>
+          </a:fillRef>
+          <a:effectRef idx="1">
+            <a:schemeClr val="accent3"/>
+          </a:effectRef>
+          <a:fontRef idx="minor">
+            <a:schemeClr val="dk1"/>
+          </a:fontRef>
+        </p:style>
+        <p:txBody>
+          <a:bodyPr wrap="none" lIns="45720" tIns="0" rIns="45720" bIns="0" rtlCol="0">
+            <a:spAutoFit/>
+          </a:bodyPr>
+          <a:lstStyle/>
+          <a:p>
+            <a:r>
+              <a:rPr lang="en-US" sz="1000" dirty="0" smtClean="0"/>
+              <a:t>48</a:t>
+            </a:r>
+            <a:endParaRPr lang="en-US" sz="1000" dirty="0"/>
+          </a:p>
+        </p:txBody>
+      </p:sp>
+      <p:sp>
+        <p:nvSpPr>
+          <p:cNvPr id="169" name="TextBox 168"/>
+          <p:cNvSpPr txBox="1"/>
+          <p:nvPr/>
+        </p:nvSpPr>
+        <p:spPr>
+          <a:xfrm>
+            <a:off x="7988223" y="3497568"/>
+            <a:ext cx="223779" cy="153888"/>
+          </a:xfrm>
+          <a:prstGeom prst="rect">
+            <a:avLst/>
+          </a:prstGeom>
+          <a:ln/>
+        </p:spPr>
+        <p:style>
+          <a:lnRef idx="1">
+            <a:schemeClr val="accent3"/>
+          </a:lnRef>
+          <a:fillRef idx="2">
+            <a:schemeClr val="accent3"/>
+          </a:fillRef>
+          <a:effectRef idx="1">
+            <a:schemeClr val="accent3"/>
+          </a:effectRef>
+          <a:fontRef idx="minor">
+            <a:schemeClr val="dk1"/>
+          </a:fontRef>
+        </p:style>
+        <p:txBody>
+          <a:bodyPr wrap="none" lIns="45720" tIns="0" rIns="45720" bIns="0" rtlCol="0">
+            <a:spAutoFit/>
+          </a:bodyPr>
+          <a:lstStyle/>
+          <a:p>
+            <a:r>
+              <a:rPr lang="en-US" sz="1000" smtClean="0"/>
+              <a:t>26</a:t>
+            </a:r>
+            <a:endParaRPr lang="en-US" sz="1000"/>
+          </a:p>
+        </p:txBody>
+      </p:sp>
+      <p:sp>
+        <p:nvSpPr>
+          <p:cNvPr id="170" name="TextBox 169"/>
+          <p:cNvSpPr txBox="1"/>
+          <p:nvPr/>
+        </p:nvSpPr>
+        <p:spPr>
+          <a:xfrm>
+            <a:off x="8435448" y="3388047"/>
+            <a:ext cx="223779" cy="153888"/>
+          </a:xfrm>
+          <a:prstGeom prst="rect">
+            <a:avLst/>
+          </a:prstGeom>
+          <a:ln/>
+        </p:spPr>
+        <p:style>
+          <a:lnRef idx="1">
+            <a:schemeClr val="accent3"/>
+          </a:lnRef>
+          <a:fillRef idx="2">
+            <a:schemeClr val="accent3"/>
+          </a:fillRef>
+          <a:effectRef idx="1">
+            <a:schemeClr val="accent3"/>
+          </a:effectRef>
+          <a:fontRef idx="minor">
+            <a:schemeClr val="dk1"/>
+          </a:fontRef>
+        </p:style>
+        <p:txBody>
+          <a:bodyPr wrap="none" lIns="45720" tIns="0" rIns="45720" bIns="0" rtlCol="0">
+            <a:spAutoFit/>
+          </a:bodyPr>
+          <a:lstStyle/>
+          <a:p>
+            <a:r>
+              <a:rPr lang="en-US" sz="1000" smtClean="0"/>
+              <a:t>27</a:t>
+            </a:r>
+            <a:endParaRPr lang="en-US" sz="1000"/>
+          </a:p>
+        </p:txBody>
+      </p:sp>
+      <p:sp>
+        <p:nvSpPr>
+          <p:cNvPr id="171" name="TextBox 170"/>
+          <p:cNvSpPr txBox="1"/>
+          <p:nvPr/>
+        </p:nvSpPr>
+        <p:spPr>
+          <a:xfrm>
+            <a:off x="8538246" y="2791097"/>
+            <a:ext cx="223779" cy="153888"/>
+          </a:xfrm>
+          <a:prstGeom prst="rect">
+            <a:avLst/>
+          </a:prstGeom>
+          <a:ln/>
+        </p:spPr>
+        <p:style>
+          <a:lnRef idx="1">
+            <a:schemeClr val="accent3"/>
+          </a:lnRef>
+          <a:fillRef idx="2">
+            <a:schemeClr val="accent3"/>
+          </a:fillRef>
+          <a:effectRef idx="1">
+            <a:schemeClr val="accent3"/>
+          </a:effectRef>
+          <a:fontRef idx="minor">
+            <a:schemeClr val="dk1"/>
+          </a:fontRef>
+        </p:style>
+        <p:txBody>
+          <a:bodyPr wrap="none" lIns="45720" tIns="0" rIns="45720" bIns="0" rtlCol="0">
+            <a:spAutoFit/>
+          </a:bodyPr>
+          <a:lstStyle/>
+          <a:p>
+            <a:r>
+              <a:rPr lang="en-US" sz="1000" smtClean="0"/>
+              <a:t>25</a:t>
+            </a:r>
+            <a:endParaRPr lang="en-US" sz="1000"/>
+          </a:p>
+        </p:txBody>
+      </p:sp>
+      <p:sp>
+        <p:nvSpPr>
+          <p:cNvPr id="172" name="TextBox 171"/>
+          <p:cNvSpPr txBox="1"/>
+          <p:nvPr/>
+        </p:nvSpPr>
+        <p:spPr>
+          <a:xfrm>
+            <a:off x="8047659" y="2419898"/>
+            <a:ext cx="223779" cy="153888"/>
+          </a:xfrm>
+          <a:prstGeom prst="rect">
+            <a:avLst/>
+          </a:prstGeom>
+          <a:ln/>
+        </p:spPr>
+        <p:style>
+          <a:lnRef idx="1">
+            <a:schemeClr val="accent3"/>
+          </a:lnRef>
+          <a:fillRef idx="2">
+            <a:schemeClr val="accent3"/>
+          </a:fillRef>
+          <a:effectRef idx="1">
+            <a:schemeClr val="accent3"/>
+          </a:effectRef>
+          <a:fontRef idx="minor">
+            <a:schemeClr val="dk1"/>
+          </a:fontRef>
+        </p:style>
+        <p:txBody>
+          <a:bodyPr wrap="none" lIns="45720" tIns="0" rIns="45720" bIns="0" rtlCol="0">
+            <a:spAutoFit/>
+          </a:bodyPr>
+          <a:lstStyle/>
+          <a:p>
+            <a:r>
+              <a:rPr lang="en-US" sz="1000" smtClean="0"/>
+              <a:t>47</a:t>
+            </a:r>
+            <a:endParaRPr lang="en-US" sz="1000"/>
+          </a:p>
+        </p:txBody>
+      </p:sp>
+      <p:sp>
+        <p:nvSpPr>
+          <p:cNvPr id="173" name="TextBox 172"/>
+          <p:cNvSpPr txBox="1"/>
+          <p:nvPr/>
+        </p:nvSpPr>
+        <p:spPr>
+          <a:xfrm>
+            <a:off x="8516854" y="2077668"/>
+            <a:ext cx="223779" cy="153888"/>
+          </a:xfrm>
+          <a:prstGeom prst="rect">
+            <a:avLst/>
+          </a:prstGeom>
+          <a:ln/>
+        </p:spPr>
+        <p:style>
+          <a:lnRef idx="1">
+            <a:schemeClr val="accent3"/>
+          </a:lnRef>
+          <a:fillRef idx="2">
+            <a:schemeClr val="accent3"/>
+          </a:fillRef>
+          <a:effectRef idx="1">
+            <a:schemeClr val="accent3"/>
+          </a:effectRef>
+          <a:fontRef idx="minor">
+            <a:schemeClr val="dk1"/>
+          </a:fontRef>
+        </p:style>
+        <p:txBody>
+          <a:bodyPr wrap="none" lIns="45720" tIns="0" rIns="45720" bIns="0" rtlCol="0">
+            <a:spAutoFit/>
+          </a:bodyPr>
+          <a:lstStyle/>
+          <a:p>
+            <a:r>
+              <a:rPr lang="en-US" sz="1000" dirty="0" smtClean="0"/>
+              <a:t>45</a:t>
+            </a:r>
+            <a:endParaRPr lang="en-US" sz="1000" dirty="0"/>
+          </a:p>
+        </p:txBody>
+      </p:sp>
+      <p:sp>
+        <p:nvSpPr>
+          <p:cNvPr id="174" name="TextBox 173"/>
+          <p:cNvSpPr txBox="1"/>
+          <p:nvPr/>
+        </p:nvSpPr>
+        <p:spPr>
+          <a:xfrm>
+            <a:off x="8430190" y="1577692"/>
+            <a:ext cx="223779" cy="153888"/>
+          </a:xfrm>
+          <a:prstGeom prst="rect">
+            <a:avLst/>
+          </a:prstGeom>
+          <a:ln/>
+        </p:spPr>
+        <p:style>
+          <a:lnRef idx="1">
+            <a:schemeClr val="accent3"/>
+          </a:lnRef>
+          <a:fillRef idx="2">
+            <a:schemeClr val="accent3"/>
+          </a:fillRef>
+          <a:effectRef idx="1">
+            <a:schemeClr val="accent3"/>
+          </a:effectRef>
+          <a:fontRef idx="minor">
+            <a:schemeClr val="dk1"/>
+          </a:fontRef>
+        </p:style>
+        <p:txBody>
+          <a:bodyPr wrap="none" lIns="45720" tIns="0" rIns="45720" bIns="0" rtlCol="0">
+            <a:spAutoFit/>
+          </a:bodyPr>
+          <a:lstStyle/>
+          <a:p>
+            <a:r>
+              <a:rPr lang="en-US" sz="1000" dirty="0" smtClean="0"/>
+              <a:t>44</a:t>
+            </a:r>
+            <a:endParaRPr lang="en-US" sz="1000" dirty="0"/>
+          </a:p>
+        </p:txBody>
+      </p:sp>
+      <p:sp>
+        <p:nvSpPr>
+          <p:cNvPr id="175" name="TextBox 174"/>
+          <p:cNvSpPr txBox="1"/>
+          <p:nvPr/>
+        </p:nvSpPr>
+        <p:spPr>
+          <a:xfrm>
+            <a:off x="4251165" y="2223321"/>
+            <a:ext cx="223779" cy="153888"/>
+          </a:xfrm>
+          <a:prstGeom prst="rect">
+            <a:avLst/>
+          </a:prstGeom>
+          <a:ln/>
+        </p:spPr>
+        <p:style>
+          <a:lnRef idx="1">
+            <a:schemeClr val="accent3"/>
+          </a:lnRef>
+          <a:fillRef idx="2">
+            <a:schemeClr val="accent3"/>
+          </a:fillRef>
+          <a:effectRef idx="1">
+            <a:schemeClr val="accent3"/>
+          </a:effectRef>
+          <a:fontRef idx="minor">
+            <a:schemeClr val="dk1"/>
+          </a:fontRef>
+        </p:style>
+        <p:txBody>
+          <a:bodyPr wrap="none" lIns="45720" tIns="0" rIns="45720" bIns="0" rtlCol="0">
+            <a:spAutoFit/>
+          </a:bodyPr>
+          <a:lstStyle/>
+          <a:p>
+            <a:r>
+              <a:rPr lang="en-US" sz="1000" smtClean="0"/>
+              <a:t>77</a:t>
+            </a:r>
+            <a:endParaRPr lang="en-US" sz="1000"/>
+          </a:p>
+        </p:txBody>
+      </p:sp>
+      <p:sp>
+        <p:nvSpPr>
+          <p:cNvPr id="176" name="TextBox 175"/>
+          <p:cNvSpPr txBox="1"/>
+          <p:nvPr/>
+        </p:nvSpPr>
+        <p:spPr>
+          <a:xfrm>
+            <a:off x="3366700" y="2310020"/>
+            <a:ext cx="223779" cy="153888"/>
+          </a:xfrm>
+          <a:prstGeom prst="rect">
+            <a:avLst/>
+          </a:prstGeom>
+          <a:ln/>
+        </p:spPr>
+        <p:style>
+          <a:lnRef idx="1">
+            <a:schemeClr val="accent3"/>
+          </a:lnRef>
+          <a:fillRef idx="2">
+            <a:schemeClr val="accent3"/>
+          </a:fillRef>
+          <a:effectRef idx="1">
+            <a:schemeClr val="accent3"/>
+          </a:effectRef>
+          <a:fontRef idx="minor">
+            <a:schemeClr val="dk1"/>
+          </a:fontRef>
+        </p:style>
+        <p:txBody>
+          <a:bodyPr wrap="none" lIns="45720" tIns="0" rIns="45720" bIns="0" rtlCol="0">
+            <a:spAutoFit/>
+          </a:bodyPr>
+          <a:lstStyle/>
+          <a:p>
+            <a:r>
+              <a:rPr lang="en-US" sz="1000" smtClean="0"/>
+              <a:t>74</a:t>
+            </a:r>
+            <a:endParaRPr lang="en-US" sz="1000"/>
+          </a:p>
+        </p:txBody>
+      </p:sp>
+      <p:sp>
+        <p:nvSpPr>
+          <p:cNvPr id="177" name="TextBox 176"/>
+          <p:cNvSpPr txBox="1"/>
+          <p:nvPr/>
+        </p:nvSpPr>
+        <p:spPr>
+          <a:xfrm>
+            <a:off x="3681850" y="1712301"/>
+            <a:ext cx="223779" cy="153888"/>
+          </a:xfrm>
+          <a:prstGeom prst="rect">
+            <a:avLst/>
+          </a:prstGeom>
+          <a:ln/>
+        </p:spPr>
+        <p:style>
+          <a:lnRef idx="1">
+            <a:schemeClr val="accent3"/>
+          </a:lnRef>
+          <a:fillRef idx="2">
+            <a:schemeClr val="accent3"/>
+          </a:fillRef>
+          <a:effectRef idx="1">
+            <a:schemeClr val="accent3"/>
+          </a:effectRef>
+          <a:fontRef idx="minor">
+            <a:schemeClr val="dk1"/>
+          </a:fontRef>
+        </p:style>
+        <p:txBody>
+          <a:bodyPr wrap="none" lIns="45720" tIns="0" rIns="45720" bIns="0" rtlCol="0">
+            <a:spAutoFit/>
+          </a:bodyPr>
+          <a:lstStyle/>
+          <a:p>
+            <a:r>
+              <a:rPr lang="en-US" sz="1000" dirty="0" smtClean="0"/>
+              <a:t>75</a:t>
+            </a:r>
+            <a:endParaRPr lang="en-US" sz="1000" dirty="0"/>
+          </a:p>
+        </p:txBody>
+      </p:sp>
+      <p:sp>
+        <p:nvSpPr>
+          <p:cNvPr id="178" name="TextBox 177"/>
+          <p:cNvSpPr txBox="1"/>
+          <p:nvPr/>
+        </p:nvSpPr>
+        <p:spPr>
+          <a:xfrm>
+            <a:off x="4131698" y="1430696"/>
+            <a:ext cx="223779" cy="153888"/>
+          </a:xfrm>
+          <a:prstGeom prst="rect">
+            <a:avLst/>
+          </a:prstGeom>
+          <a:ln/>
+        </p:spPr>
+        <p:style>
+          <a:lnRef idx="1">
+            <a:schemeClr val="accent3"/>
+          </a:lnRef>
+          <a:fillRef idx="2">
+            <a:schemeClr val="accent3"/>
+          </a:fillRef>
+          <a:effectRef idx="1">
+            <a:schemeClr val="accent3"/>
+          </a:effectRef>
+          <a:fontRef idx="minor">
+            <a:schemeClr val="dk1"/>
+          </a:fontRef>
+        </p:style>
+        <p:txBody>
+          <a:bodyPr wrap="none" lIns="45720" tIns="0" rIns="45720" bIns="0" rtlCol="0">
+            <a:spAutoFit/>
+          </a:bodyPr>
+          <a:lstStyle/>
+          <a:p>
+            <a:r>
+              <a:rPr lang="en-US" sz="1000" dirty="0" smtClean="0"/>
+              <a:t>70</a:t>
+            </a:r>
+            <a:endParaRPr lang="en-US" sz="1000" dirty="0"/>
+          </a:p>
+        </p:txBody>
+      </p:sp>
+      <p:sp>
+        <p:nvSpPr>
+          <p:cNvPr id="179" name="TextBox 178"/>
+          <p:cNvSpPr txBox="1"/>
+          <p:nvPr/>
+        </p:nvSpPr>
+        <p:spPr>
+          <a:xfrm>
+            <a:off x="3406093" y="1416968"/>
+            <a:ext cx="223779" cy="153888"/>
+          </a:xfrm>
+          <a:prstGeom prst="rect">
+            <a:avLst/>
+          </a:prstGeom>
+          <a:ln/>
+        </p:spPr>
+        <p:style>
+          <a:lnRef idx="1">
+            <a:schemeClr val="accent3"/>
+          </a:lnRef>
+          <a:fillRef idx="2">
+            <a:schemeClr val="accent3"/>
+          </a:fillRef>
+          <a:effectRef idx="1">
+            <a:schemeClr val="accent3"/>
+          </a:effectRef>
+          <a:fontRef idx="minor">
+            <a:schemeClr val="dk1"/>
+          </a:fontRef>
+        </p:style>
+        <p:txBody>
+          <a:bodyPr wrap="none" lIns="45720" tIns="0" rIns="45720" bIns="0" rtlCol="0">
+            <a:spAutoFit/>
+          </a:bodyPr>
+          <a:lstStyle/>
+          <a:p>
+            <a:r>
+              <a:rPr lang="en-US" sz="1000" smtClean="0"/>
+              <a:t>69</a:t>
+            </a:r>
+            <a:endParaRPr lang="en-US" sz="1000"/>
+          </a:p>
+        </p:txBody>
+      </p:sp>
+      <p:sp>
+        <p:nvSpPr>
+          <p:cNvPr id="180" name="TextBox 179"/>
+          <p:cNvSpPr txBox="1"/>
+          <p:nvPr/>
+        </p:nvSpPr>
+        <p:spPr>
+          <a:xfrm>
+            <a:off x="2997816" y="2157335"/>
+            <a:ext cx="223779" cy="153888"/>
+          </a:xfrm>
+          <a:prstGeom prst="rect">
+            <a:avLst/>
+          </a:prstGeom>
+          <a:ln/>
+        </p:spPr>
+        <p:style>
+          <a:lnRef idx="1">
+            <a:schemeClr val="accent3"/>
+          </a:lnRef>
+          <a:fillRef idx="2">
+            <a:schemeClr val="accent3"/>
+          </a:fillRef>
+          <a:effectRef idx="1">
+            <a:schemeClr val="accent3"/>
+          </a:effectRef>
+          <a:fontRef idx="minor">
+            <a:schemeClr val="dk1"/>
+          </a:fontRef>
+        </p:style>
+        <p:txBody>
+          <a:bodyPr wrap="none" lIns="45720" tIns="0" rIns="45720" bIns="0" rtlCol="0">
+            <a:spAutoFit/>
+          </a:bodyPr>
+          <a:lstStyle/>
+          <a:p>
+            <a:r>
+              <a:rPr lang="en-US" sz="1000" smtClean="0"/>
+              <a:t>73</a:t>
+            </a:r>
+            <a:endParaRPr lang="en-US" sz="1000"/>
+          </a:p>
+        </p:txBody>
+      </p:sp>
+      <p:sp>
+        <p:nvSpPr>
+          <p:cNvPr id="181" name="TextBox 180"/>
+          <p:cNvSpPr txBox="1"/>
+          <p:nvPr/>
+        </p:nvSpPr>
+        <p:spPr>
+          <a:xfrm>
+            <a:off x="2966382" y="2646323"/>
+            <a:ext cx="223779" cy="153888"/>
+          </a:xfrm>
+          <a:prstGeom prst="rect">
+            <a:avLst/>
+          </a:prstGeom>
+          <a:ln/>
+        </p:spPr>
+        <p:style>
+          <a:lnRef idx="1">
+            <a:schemeClr val="accent3"/>
+          </a:lnRef>
+          <a:fillRef idx="2">
+            <a:schemeClr val="accent3"/>
+          </a:fillRef>
+          <a:effectRef idx="1">
+            <a:schemeClr val="accent3"/>
+          </a:effectRef>
+          <a:fontRef idx="minor">
+            <a:schemeClr val="dk1"/>
+          </a:fontRef>
+        </p:style>
+        <p:txBody>
+          <a:bodyPr wrap="none" lIns="45720" tIns="0" rIns="45720" bIns="0" rtlCol="0">
+            <a:spAutoFit/>
+          </a:bodyPr>
+          <a:lstStyle/>
+          <a:p>
+            <a:r>
+              <a:rPr lang="en-US" sz="1000" smtClean="0"/>
+              <a:t>95</a:t>
+            </a:r>
+            <a:endParaRPr lang="en-US" sz="1000"/>
+          </a:p>
+        </p:txBody>
+      </p:sp>
+      <p:sp>
+        <p:nvSpPr>
+          <p:cNvPr id="182" name="TextBox 181"/>
+          <p:cNvSpPr txBox="1"/>
+          <p:nvPr/>
+        </p:nvSpPr>
+        <p:spPr>
+          <a:xfrm>
+            <a:off x="2450435" y="2520991"/>
+            <a:ext cx="223779" cy="153888"/>
+          </a:xfrm>
+          <a:prstGeom prst="rect">
+            <a:avLst/>
+          </a:prstGeom>
+          <a:ln/>
+        </p:spPr>
+        <p:style>
+          <a:lnRef idx="1">
+            <a:schemeClr val="accent3"/>
+          </a:lnRef>
+          <a:fillRef idx="2">
+            <a:schemeClr val="accent3"/>
+          </a:fillRef>
+          <a:effectRef idx="1">
+            <a:schemeClr val="accent3"/>
+          </a:effectRef>
+          <a:fontRef idx="minor">
+            <a:schemeClr val="dk1"/>
+          </a:fontRef>
+        </p:style>
+        <p:txBody>
+          <a:bodyPr wrap="none" lIns="45720" tIns="0" rIns="45720" bIns="0" rtlCol="0">
+            <a:spAutoFit/>
+          </a:bodyPr>
+          <a:lstStyle/>
+          <a:p>
+            <a:r>
+              <a:rPr lang="en-US" sz="1000" smtClean="0"/>
+              <a:t>94</a:t>
+            </a:r>
+            <a:endParaRPr lang="en-US" sz="1000"/>
+          </a:p>
+        </p:txBody>
+      </p:sp>
+      <p:sp>
+        <p:nvSpPr>
+          <p:cNvPr id="183" name="TextBox 182"/>
+          <p:cNvSpPr txBox="1"/>
+          <p:nvPr/>
+        </p:nvSpPr>
+        <p:spPr>
+          <a:xfrm>
+            <a:off x="3383744" y="4761609"/>
+            <a:ext cx="158057" cy="153888"/>
+          </a:xfrm>
+          <a:prstGeom prst="rect">
+            <a:avLst/>
+          </a:prstGeom>
+          <a:ln/>
+        </p:spPr>
+        <p:style>
+          <a:lnRef idx="1">
+            <a:schemeClr val="accent3"/>
+          </a:lnRef>
+          <a:fillRef idx="2">
+            <a:schemeClr val="accent3"/>
+          </a:fillRef>
+          <a:effectRef idx="1">
+            <a:schemeClr val="accent3"/>
+          </a:effectRef>
+          <a:fontRef idx="minor">
+            <a:schemeClr val="dk1"/>
+          </a:fontRef>
+        </p:style>
+        <p:txBody>
+          <a:bodyPr wrap="none" lIns="45720" tIns="0" rIns="45720" bIns="0" rtlCol="0">
+            <a:spAutoFit/>
+          </a:bodyPr>
+          <a:lstStyle/>
+          <a:p>
+            <a:r>
+              <a:rPr lang="en-US" sz="1000" smtClean="0"/>
+              <a:t>4</a:t>
+            </a:r>
+            <a:endParaRPr lang="en-US" sz="1000"/>
+          </a:p>
+        </p:txBody>
+      </p:sp>
+      <p:sp>
+        <p:nvSpPr>
+          <p:cNvPr id="184" name="TextBox 183"/>
+          <p:cNvSpPr txBox="1"/>
+          <p:nvPr/>
+        </p:nvSpPr>
+        <p:spPr>
+          <a:xfrm>
+            <a:off x="3383744" y="4574805"/>
+            <a:ext cx="158057" cy="153888"/>
+          </a:xfrm>
+          <a:prstGeom prst="rect">
+            <a:avLst/>
+          </a:prstGeom>
+          <a:ln/>
+        </p:spPr>
+        <p:style>
+          <a:lnRef idx="1">
+            <a:schemeClr val="accent3"/>
+          </a:lnRef>
+          <a:fillRef idx="2">
+            <a:schemeClr val="accent3"/>
+          </a:fillRef>
+          <a:effectRef idx="1">
+            <a:schemeClr val="accent3"/>
+          </a:effectRef>
+          <a:fontRef idx="minor">
+            <a:schemeClr val="dk1"/>
+          </a:fontRef>
+        </p:style>
+        <p:txBody>
+          <a:bodyPr wrap="none" lIns="45720" tIns="0" rIns="45720" bIns="0" rtlCol="0">
+            <a:spAutoFit/>
+          </a:bodyPr>
+          <a:lstStyle/>
+          <a:p>
+            <a:r>
+              <a:rPr lang="en-US" sz="1000" smtClean="0"/>
+              <a:t>3</a:t>
+            </a:r>
+            <a:endParaRPr lang="en-US" sz="1000"/>
+          </a:p>
+        </p:txBody>
+      </p:sp>
+      <p:sp>
+        <p:nvSpPr>
+          <p:cNvPr id="185" name="TextBox 184"/>
+          <p:cNvSpPr txBox="1"/>
+          <p:nvPr/>
+        </p:nvSpPr>
+        <p:spPr>
+          <a:xfrm>
+            <a:off x="3383744" y="4322069"/>
+            <a:ext cx="158057" cy="153888"/>
+          </a:xfrm>
+          <a:prstGeom prst="rect">
+            <a:avLst/>
+          </a:prstGeom>
+          <a:ln/>
+        </p:spPr>
+        <p:style>
+          <a:lnRef idx="1">
+            <a:schemeClr val="accent3"/>
+          </a:lnRef>
+          <a:fillRef idx="2">
+            <a:schemeClr val="accent3"/>
+          </a:fillRef>
+          <a:effectRef idx="1">
+            <a:schemeClr val="accent3"/>
+          </a:effectRef>
+          <a:fontRef idx="minor">
+            <a:schemeClr val="dk1"/>
+          </a:fontRef>
+        </p:style>
+        <p:txBody>
+          <a:bodyPr wrap="none" lIns="45720" tIns="0" rIns="45720" bIns="0" rtlCol="0">
+            <a:spAutoFit/>
+          </a:bodyPr>
+          <a:lstStyle/>
+          <a:p>
+            <a:r>
+              <a:rPr lang="en-US" sz="1000" smtClean="0"/>
+              <a:t>2</a:t>
+            </a:r>
+            <a:endParaRPr lang="en-US" sz="1000"/>
+          </a:p>
+        </p:txBody>
+      </p:sp>
+      <p:sp>
+        <p:nvSpPr>
+          <p:cNvPr id="186" name="TextBox 185"/>
+          <p:cNvSpPr txBox="1"/>
+          <p:nvPr/>
+        </p:nvSpPr>
+        <p:spPr>
+          <a:xfrm>
+            <a:off x="3383744" y="4077575"/>
+            <a:ext cx="158057" cy="153888"/>
+          </a:xfrm>
+          <a:prstGeom prst="rect">
+            <a:avLst/>
+          </a:prstGeom>
+          <a:ln/>
+        </p:spPr>
+        <p:style>
+          <a:lnRef idx="1">
+            <a:schemeClr val="accent3"/>
+          </a:lnRef>
+          <a:fillRef idx="2">
+            <a:schemeClr val="accent3"/>
+          </a:fillRef>
+          <a:effectRef idx="1">
+            <a:schemeClr val="accent3"/>
+          </a:effectRef>
+          <a:fontRef idx="minor">
+            <a:schemeClr val="dk1"/>
+          </a:fontRef>
+        </p:style>
+        <p:txBody>
+          <a:bodyPr wrap="none" lIns="45720" tIns="0" rIns="45720" bIns="0" rtlCol="0">
+            <a:spAutoFit/>
+          </a:bodyPr>
+          <a:lstStyle/>
+          <a:p>
+            <a:r>
+              <a:rPr lang="en-US" sz="1000" smtClean="0"/>
+              <a:t>1</a:t>
+            </a:r>
+            <a:endParaRPr lang="en-US" sz="1000"/>
+          </a:p>
+        </p:txBody>
+      </p:sp>
+      <p:sp>
+        <p:nvSpPr>
+          <p:cNvPr id="187" name="TextBox 186"/>
+          <p:cNvSpPr txBox="1"/>
+          <p:nvPr/>
+        </p:nvSpPr>
+        <p:spPr>
+          <a:xfrm>
+            <a:off x="2044428" y="4992008"/>
+            <a:ext cx="289503" cy="153888"/>
+          </a:xfrm>
+          <a:prstGeom prst="rect">
+            <a:avLst/>
+          </a:prstGeom>
+          <a:ln/>
+        </p:spPr>
+        <p:style>
+          <a:lnRef idx="1">
+            <a:schemeClr val="accent3"/>
+          </a:lnRef>
+          <a:fillRef idx="2">
+            <a:schemeClr val="accent3"/>
+          </a:fillRef>
+          <a:effectRef idx="1">
+            <a:schemeClr val="accent3"/>
+          </a:effectRef>
+          <a:fontRef idx="minor">
+            <a:schemeClr val="dk1"/>
+          </a:fontRef>
+        </p:style>
+        <p:txBody>
+          <a:bodyPr wrap="none" lIns="45720" tIns="0" rIns="45720" bIns="0" rtlCol="0">
+            <a:spAutoFit/>
+          </a:bodyPr>
+          <a:lstStyle/>
+          <a:p>
+            <a:r>
+              <a:rPr lang="en-US" sz="1000" smtClean="0"/>
+              <a:t>116</a:t>
+            </a:r>
+            <a:endParaRPr lang="en-US" sz="1000"/>
+          </a:p>
+        </p:txBody>
+      </p:sp>
+      <p:sp>
+        <p:nvSpPr>
+          <p:cNvPr id="188" name="TextBox 187"/>
+          <p:cNvSpPr txBox="1"/>
+          <p:nvPr/>
+        </p:nvSpPr>
+        <p:spPr>
+          <a:xfrm>
+            <a:off x="2510180" y="4613760"/>
+            <a:ext cx="289503" cy="153888"/>
+          </a:xfrm>
+          <a:prstGeom prst="rect">
+            <a:avLst/>
+          </a:prstGeom>
+          <a:ln/>
+        </p:spPr>
+        <p:style>
+          <a:lnRef idx="1">
+            <a:schemeClr val="accent3"/>
+          </a:lnRef>
+          <a:fillRef idx="2">
+            <a:schemeClr val="accent3"/>
+          </a:fillRef>
+          <a:effectRef idx="1">
+            <a:schemeClr val="accent3"/>
+          </a:effectRef>
+          <a:fontRef idx="minor">
+            <a:schemeClr val="dk1"/>
+          </a:fontRef>
+        </p:style>
+        <p:txBody>
+          <a:bodyPr wrap="none" lIns="45720" tIns="0" rIns="45720" bIns="0" rtlCol="0">
+            <a:spAutoFit/>
+          </a:bodyPr>
+          <a:lstStyle/>
+          <a:p>
+            <a:r>
+              <a:rPr lang="en-US" sz="1000" smtClean="0"/>
+              <a:t>115</a:t>
+            </a:r>
+            <a:endParaRPr lang="en-US" sz="1000"/>
+          </a:p>
+        </p:txBody>
+      </p:sp>
+      <p:sp>
+        <p:nvSpPr>
+          <p:cNvPr id="189" name="TextBox 188"/>
+          <p:cNvSpPr txBox="1"/>
+          <p:nvPr/>
+        </p:nvSpPr>
+        <p:spPr>
+          <a:xfrm>
+            <a:off x="2173679" y="4250644"/>
+            <a:ext cx="289503" cy="153888"/>
+          </a:xfrm>
+          <a:prstGeom prst="rect">
+            <a:avLst/>
+          </a:prstGeom>
+          <a:ln/>
+        </p:spPr>
+        <p:style>
+          <a:lnRef idx="1">
+            <a:schemeClr val="accent3"/>
+          </a:lnRef>
+          <a:fillRef idx="2">
+            <a:schemeClr val="accent3"/>
+          </a:fillRef>
+          <a:effectRef idx="1">
+            <a:schemeClr val="accent3"/>
+          </a:effectRef>
+          <a:fontRef idx="minor">
+            <a:schemeClr val="dk1"/>
+          </a:fontRef>
+        </p:style>
+        <p:txBody>
+          <a:bodyPr wrap="none" lIns="45720" tIns="0" rIns="45720" bIns="0" rtlCol="0">
+            <a:spAutoFit/>
+          </a:bodyPr>
+          <a:lstStyle/>
+          <a:p>
+            <a:r>
+              <a:rPr lang="en-US" sz="1000" smtClean="0"/>
+              <a:t>114</a:t>
+            </a:r>
+            <a:endParaRPr lang="en-US" sz="1000"/>
+          </a:p>
+        </p:txBody>
+      </p:sp>
+      <p:sp>
+        <p:nvSpPr>
+          <p:cNvPr id="190" name="TextBox 189"/>
+          <p:cNvSpPr txBox="1"/>
+          <p:nvPr/>
+        </p:nvSpPr>
+        <p:spPr>
+          <a:xfrm>
+            <a:off x="1776921" y="4419570"/>
+            <a:ext cx="289503" cy="153888"/>
+          </a:xfrm>
+          <a:prstGeom prst="rect">
+            <a:avLst/>
+          </a:prstGeom>
+          <a:ln/>
+        </p:spPr>
+        <p:style>
+          <a:lnRef idx="1">
+            <a:schemeClr val="accent3"/>
+          </a:lnRef>
+          <a:fillRef idx="2">
+            <a:schemeClr val="accent3"/>
+          </a:fillRef>
+          <a:effectRef idx="1">
+            <a:schemeClr val="accent3"/>
+          </a:effectRef>
+          <a:fontRef idx="minor">
+            <a:schemeClr val="dk1"/>
+          </a:fontRef>
+        </p:style>
+        <p:txBody>
+          <a:bodyPr wrap="none" lIns="45720" tIns="0" rIns="45720" bIns="0" rtlCol="0">
+            <a:spAutoFit/>
+          </a:bodyPr>
+          <a:lstStyle/>
+          <a:p>
+            <a:r>
+              <a:rPr lang="en-US" sz="1000" smtClean="0"/>
+              <a:t>113</a:t>
+            </a:r>
+            <a:endParaRPr lang="en-US" sz="1000"/>
+          </a:p>
+        </p:txBody>
+      </p:sp>
+      <p:sp>
+        <p:nvSpPr>
+          <p:cNvPr id="191" name="TextBox 190"/>
+          <p:cNvSpPr txBox="1"/>
+          <p:nvPr/>
+        </p:nvSpPr>
+        <p:spPr>
+          <a:xfrm>
+            <a:off x="3843930" y="2701596"/>
+            <a:ext cx="223779" cy="153888"/>
+          </a:xfrm>
+          <a:prstGeom prst="rect">
+            <a:avLst/>
+          </a:prstGeom>
+          <a:ln/>
+        </p:spPr>
+        <p:style>
+          <a:lnRef idx="1">
+            <a:schemeClr val="accent3"/>
+          </a:lnRef>
+          <a:fillRef idx="2">
+            <a:schemeClr val="accent3"/>
+          </a:fillRef>
+          <a:effectRef idx="1">
+            <a:schemeClr val="accent3"/>
+          </a:effectRef>
+          <a:fontRef idx="minor">
+            <a:schemeClr val="dk1"/>
+          </a:fontRef>
+        </p:style>
+        <p:txBody>
+          <a:bodyPr wrap="none" lIns="45720" tIns="0" rIns="45720" bIns="0" rtlCol="0">
+            <a:spAutoFit/>
+          </a:bodyPr>
+          <a:lstStyle/>
+          <a:p>
+            <a:r>
+              <a:rPr lang="en-US" sz="1000" smtClean="0"/>
+              <a:t>78</a:t>
+            </a:r>
+            <a:endParaRPr lang="en-US" sz="1000"/>
+          </a:p>
+        </p:txBody>
+      </p:sp>
+      <p:sp>
+        <p:nvSpPr>
+          <p:cNvPr id="192" name="TextBox 191"/>
+          <p:cNvSpPr txBox="1"/>
+          <p:nvPr/>
+        </p:nvSpPr>
+        <p:spPr>
+          <a:xfrm>
+            <a:off x="4382367" y="2695332"/>
+            <a:ext cx="223779" cy="153888"/>
+          </a:xfrm>
+          <a:prstGeom prst="rect">
+            <a:avLst/>
+          </a:prstGeom>
+          <a:ln/>
+        </p:spPr>
+        <p:style>
+          <a:lnRef idx="1">
+            <a:schemeClr val="accent3"/>
+          </a:lnRef>
+          <a:fillRef idx="2">
+            <a:schemeClr val="accent3"/>
+          </a:fillRef>
+          <a:effectRef idx="1">
+            <a:schemeClr val="accent3"/>
+          </a:effectRef>
+          <a:fontRef idx="minor">
+            <a:schemeClr val="dk1"/>
+          </a:fontRef>
+        </p:style>
+        <p:txBody>
+          <a:bodyPr wrap="none" lIns="45720" tIns="0" rIns="45720" bIns="0" rtlCol="0">
+            <a:spAutoFit/>
+          </a:bodyPr>
+          <a:lstStyle/>
+          <a:p>
+            <a:r>
+              <a:rPr lang="en-US" sz="1000" smtClean="0"/>
+              <a:t>79</a:t>
+            </a:r>
+            <a:endParaRPr lang="en-US" sz="1000"/>
+          </a:p>
+        </p:txBody>
+      </p:sp>
+      <p:sp>
+        <p:nvSpPr>
+          <p:cNvPr id="193" name="TextBox 192"/>
+          <p:cNvSpPr txBox="1"/>
+          <p:nvPr/>
+        </p:nvSpPr>
+        <p:spPr>
+          <a:xfrm>
+            <a:off x="5365673" y="2049483"/>
+            <a:ext cx="223779" cy="153888"/>
+          </a:xfrm>
+          <a:prstGeom prst="rect">
+            <a:avLst/>
+          </a:prstGeom>
+          <a:ln/>
+        </p:spPr>
+        <p:style>
+          <a:lnRef idx="1">
+            <a:schemeClr val="accent3"/>
+          </a:lnRef>
+          <a:fillRef idx="2">
+            <a:schemeClr val="accent3"/>
+          </a:fillRef>
+          <a:effectRef idx="1">
+            <a:schemeClr val="accent3"/>
+          </a:effectRef>
+          <a:fontRef idx="minor">
+            <a:schemeClr val="dk1"/>
+          </a:fontRef>
+        </p:style>
+        <p:txBody>
+          <a:bodyPr wrap="none" lIns="45720" tIns="0" rIns="45720" bIns="0" rtlCol="0">
+            <a:spAutoFit/>
+          </a:bodyPr>
+          <a:lstStyle/>
+          <a:p>
+            <a:r>
+              <a:rPr lang="en-US" sz="1000" smtClean="0"/>
+              <a:t>60</a:t>
+            </a:r>
+            <a:endParaRPr lang="en-US" sz="1000"/>
+          </a:p>
+        </p:txBody>
+      </p:sp>
+      <p:sp>
+        <p:nvSpPr>
+          <p:cNvPr id="194" name="TextBox 193"/>
+          <p:cNvSpPr txBox="1"/>
+          <p:nvPr/>
+        </p:nvSpPr>
+        <p:spPr>
+          <a:xfrm>
+            <a:off x="5034851" y="1766474"/>
+            <a:ext cx="223779" cy="153888"/>
+          </a:xfrm>
+          <a:prstGeom prst="rect">
+            <a:avLst/>
+          </a:prstGeom>
+          <a:ln/>
+        </p:spPr>
+        <p:style>
+          <a:lnRef idx="1">
+            <a:schemeClr val="accent3"/>
+          </a:lnRef>
+          <a:fillRef idx="2">
+            <a:schemeClr val="accent3"/>
+          </a:fillRef>
+          <a:effectRef idx="1">
+            <a:schemeClr val="accent3"/>
+          </a:effectRef>
+          <a:fontRef idx="minor">
+            <a:schemeClr val="dk1"/>
+          </a:fontRef>
+        </p:style>
+        <p:txBody>
+          <a:bodyPr wrap="none" lIns="45720" tIns="0" rIns="45720" bIns="0" rtlCol="0">
+            <a:spAutoFit/>
+          </a:bodyPr>
+          <a:lstStyle/>
+          <a:p>
+            <a:r>
+              <a:rPr lang="en-US" sz="1000" smtClean="0"/>
+              <a:t>59</a:t>
+            </a:r>
+            <a:endParaRPr lang="en-US" sz="1000"/>
+          </a:p>
+        </p:txBody>
+      </p:sp>
+      <p:sp>
+        <p:nvSpPr>
+          <p:cNvPr id="195" name="TextBox 194"/>
+          <p:cNvSpPr txBox="1"/>
+          <p:nvPr/>
+        </p:nvSpPr>
+        <p:spPr>
+          <a:xfrm>
+            <a:off x="4621367" y="1698895"/>
+            <a:ext cx="223779" cy="153888"/>
+          </a:xfrm>
+          <a:prstGeom prst="rect">
+            <a:avLst/>
+          </a:prstGeom>
+          <a:ln/>
+        </p:spPr>
+        <p:style>
+          <a:lnRef idx="1">
+            <a:schemeClr val="accent3"/>
+          </a:lnRef>
+          <a:fillRef idx="2">
+            <a:schemeClr val="accent3"/>
+          </a:fillRef>
+          <a:effectRef idx="1">
+            <a:schemeClr val="accent3"/>
+          </a:effectRef>
+          <a:fontRef idx="minor">
+            <a:schemeClr val="dk1"/>
+          </a:fontRef>
+        </p:style>
+        <p:txBody>
+          <a:bodyPr wrap="none" lIns="45720" tIns="0" rIns="45720" bIns="0" rtlCol="0">
+            <a:spAutoFit/>
+          </a:bodyPr>
+          <a:lstStyle/>
+          <a:p>
+            <a:r>
+              <a:rPr lang="en-US" sz="1000" dirty="0" smtClean="0"/>
+              <a:t>71</a:t>
+            </a:r>
+            <a:endParaRPr lang="en-US" sz="1000" dirty="0"/>
+          </a:p>
+        </p:txBody>
+      </p:sp>
+      <p:sp>
+        <p:nvSpPr>
+          <p:cNvPr id="196" name="TextBox 195"/>
+          <p:cNvSpPr txBox="1"/>
+          <p:nvPr/>
+        </p:nvSpPr>
+        <p:spPr>
+          <a:xfrm>
+            <a:off x="4253252" y="1797462"/>
+            <a:ext cx="223779" cy="153888"/>
+          </a:xfrm>
+          <a:prstGeom prst="rect">
+            <a:avLst/>
+          </a:prstGeom>
+          <a:ln/>
+        </p:spPr>
+        <p:style>
+          <a:lnRef idx="1">
+            <a:schemeClr val="accent3"/>
+          </a:lnRef>
+          <a:fillRef idx="2">
+            <a:schemeClr val="accent3"/>
+          </a:fillRef>
+          <a:effectRef idx="1">
+            <a:schemeClr val="accent3"/>
+          </a:effectRef>
+          <a:fontRef idx="minor">
+            <a:schemeClr val="dk1"/>
+          </a:fontRef>
+        </p:style>
+        <p:txBody>
+          <a:bodyPr wrap="none" lIns="45720" tIns="0" rIns="45720" bIns="0" rtlCol="0">
+            <a:spAutoFit/>
+          </a:bodyPr>
+          <a:lstStyle/>
+          <a:p>
+            <a:r>
+              <a:rPr lang="en-US" sz="1000" dirty="0" smtClean="0"/>
+              <a:t>80</a:t>
+            </a:r>
+            <a:endParaRPr lang="en-US" sz="1000" dirty="0"/>
+          </a:p>
+        </p:txBody>
+      </p:sp>
+      <p:sp>
+        <p:nvSpPr>
+          <p:cNvPr id="197" name="TextBox 196"/>
+          <p:cNvSpPr txBox="1"/>
+          <p:nvPr/>
+        </p:nvSpPr>
+        <p:spPr>
+          <a:xfrm>
+            <a:off x="3616413" y="2011408"/>
+            <a:ext cx="223779" cy="153888"/>
+          </a:xfrm>
+          <a:prstGeom prst="rect">
+            <a:avLst/>
+          </a:prstGeom>
+          <a:ln/>
+        </p:spPr>
+        <p:style>
+          <a:lnRef idx="1">
+            <a:schemeClr val="accent3"/>
+          </a:lnRef>
+          <a:fillRef idx="2">
+            <a:schemeClr val="accent3"/>
+          </a:fillRef>
+          <a:effectRef idx="1">
+            <a:schemeClr val="accent3"/>
+          </a:effectRef>
+          <a:fontRef idx="minor">
+            <a:schemeClr val="dk1"/>
+          </a:fontRef>
+        </p:style>
+        <p:txBody>
+          <a:bodyPr wrap="none" lIns="45720" tIns="0" rIns="45720" bIns="0" rtlCol="0">
+            <a:spAutoFit/>
+          </a:bodyPr>
+          <a:lstStyle/>
+          <a:p>
+            <a:r>
+              <a:rPr lang="en-US" sz="1000" smtClean="0"/>
+              <a:t>76</a:t>
+            </a:r>
+            <a:endParaRPr lang="en-US" sz="1000"/>
+          </a:p>
+        </p:txBody>
+      </p:sp>
+      <p:sp>
+        <p:nvSpPr>
+          <p:cNvPr id="198" name="TextBox 197"/>
+          <p:cNvSpPr txBox="1"/>
+          <p:nvPr/>
+        </p:nvSpPr>
+        <p:spPr>
+          <a:xfrm>
+            <a:off x="6290323" y="3478702"/>
+            <a:ext cx="223779" cy="153888"/>
+          </a:xfrm>
+          <a:prstGeom prst="rect">
+            <a:avLst/>
+          </a:prstGeom>
+          <a:ln/>
+        </p:spPr>
+        <p:style>
+          <a:lnRef idx="1">
+            <a:schemeClr val="accent3"/>
+          </a:lnRef>
+          <a:fillRef idx="2">
+            <a:schemeClr val="accent3"/>
+          </a:fillRef>
+          <a:effectRef idx="1">
+            <a:schemeClr val="accent3"/>
+          </a:effectRef>
+          <a:fontRef idx="minor">
+            <a:schemeClr val="dk1"/>
+          </a:fontRef>
+        </p:style>
+        <p:txBody>
+          <a:bodyPr wrap="none" lIns="45720" tIns="0" rIns="45720" bIns="0" rtlCol="0">
+            <a:spAutoFit/>
+          </a:bodyPr>
+          <a:lstStyle/>
+          <a:p>
+            <a:r>
+              <a:rPr lang="en-US" sz="1000" smtClean="0"/>
+              <a:t>33</a:t>
+            </a:r>
+            <a:endParaRPr lang="en-US" sz="1000"/>
+          </a:p>
+        </p:txBody>
+      </p:sp>
+      <p:sp>
+        <p:nvSpPr>
+          <p:cNvPr id="199" name="TextBox 198"/>
+          <p:cNvSpPr txBox="1"/>
+          <p:nvPr/>
+        </p:nvSpPr>
+        <p:spPr>
+          <a:xfrm>
+            <a:off x="6929475" y="4602276"/>
+            <a:ext cx="223779" cy="153888"/>
+          </a:xfrm>
+          <a:prstGeom prst="rect">
+            <a:avLst/>
+          </a:prstGeom>
+          <a:ln/>
+        </p:spPr>
+        <p:style>
+          <a:lnRef idx="1">
+            <a:schemeClr val="accent3"/>
+          </a:lnRef>
+          <a:fillRef idx="2">
+            <a:schemeClr val="accent3"/>
+          </a:fillRef>
+          <a:effectRef idx="1">
+            <a:schemeClr val="accent3"/>
+          </a:effectRef>
+          <a:fontRef idx="minor">
+            <a:schemeClr val="dk1"/>
+          </a:fontRef>
+        </p:style>
+        <p:txBody>
+          <a:bodyPr wrap="none" lIns="45720" tIns="0" rIns="45720" bIns="0" rtlCol="0">
+            <a:spAutoFit/>
+          </a:bodyPr>
+          <a:lstStyle/>
+          <a:p>
+            <a:r>
+              <a:rPr lang="en-US" sz="1000" smtClean="0"/>
+              <a:t>11</a:t>
+            </a:r>
+            <a:endParaRPr lang="en-US" sz="1000"/>
+          </a:p>
+        </p:txBody>
+      </p:sp>
+      <p:sp>
+        <p:nvSpPr>
+          <p:cNvPr id="200" name="TextBox 199"/>
+          <p:cNvSpPr txBox="1"/>
+          <p:nvPr/>
+        </p:nvSpPr>
+        <p:spPr>
+          <a:xfrm>
+            <a:off x="6759774" y="4314210"/>
+            <a:ext cx="223779" cy="153888"/>
+          </a:xfrm>
+          <a:prstGeom prst="rect">
+            <a:avLst/>
+          </a:prstGeom>
+          <a:ln/>
+        </p:spPr>
+        <p:style>
+          <a:lnRef idx="1">
+            <a:schemeClr val="accent3"/>
+          </a:lnRef>
+          <a:fillRef idx="2">
+            <a:schemeClr val="accent3"/>
+          </a:fillRef>
+          <a:effectRef idx="1">
+            <a:schemeClr val="accent3"/>
+          </a:effectRef>
+          <a:fontRef idx="minor">
+            <a:schemeClr val="dk1"/>
+          </a:fontRef>
+        </p:style>
+        <p:txBody>
+          <a:bodyPr wrap="none" lIns="45720" tIns="0" rIns="45720" bIns="0" rtlCol="0">
+            <a:spAutoFit/>
+          </a:bodyPr>
+          <a:lstStyle/>
+          <a:p>
+            <a:r>
+              <a:rPr lang="en-US" sz="1000" smtClean="0"/>
+              <a:t>10</a:t>
+            </a:r>
+            <a:endParaRPr lang="en-US" sz="1000"/>
+          </a:p>
+        </p:txBody>
+      </p:sp>
+      <p:sp>
+        <p:nvSpPr>
+          <p:cNvPr id="201" name="TextBox 200"/>
+          <p:cNvSpPr txBox="1"/>
+          <p:nvPr/>
+        </p:nvSpPr>
+        <p:spPr>
+          <a:xfrm>
+            <a:off x="6330078" y="4286357"/>
+            <a:ext cx="158057" cy="153888"/>
+          </a:xfrm>
+          <a:prstGeom prst="rect">
+            <a:avLst/>
+          </a:prstGeom>
+          <a:ln/>
+        </p:spPr>
+        <p:style>
+          <a:lnRef idx="1">
+            <a:schemeClr val="accent3"/>
+          </a:lnRef>
+          <a:fillRef idx="2">
+            <a:schemeClr val="accent3"/>
+          </a:fillRef>
+          <a:effectRef idx="1">
+            <a:schemeClr val="accent3"/>
+          </a:effectRef>
+          <a:fontRef idx="minor">
+            <a:schemeClr val="dk1"/>
+          </a:fontRef>
+        </p:style>
+        <p:txBody>
+          <a:bodyPr wrap="none" lIns="45720" tIns="0" rIns="45720" bIns="0" rtlCol="0">
+            <a:spAutoFit/>
+          </a:bodyPr>
+          <a:lstStyle/>
+          <a:p>
+            <a:r>
+              <a:rPr lang="en-US" sz="1000" smtClean="0"/>
+              <a:t>9</a:t>
+            </a:r>
+            <a:endParaRPr lang="en-US" sz="1000"/>
+          </a:p>
+        </p:txBody>
+      </p:sp>
+      <p:sp>
+        <p:nvSpPr>
+          <p:cNvPr id="202" name="TextBox 201"/>
+          <p:cNvSpPr txBox="1"/>
+          <p:nvPr/>
+        </p:nvSpPr>
+        <p:spPr>
+          <a:xfrm>
+            <a:off x="5459932" y="4344046"/>
+            <a:ext cx="158057" cy="153888"/>
+          </a:xfrm>
+          <a:prstGeom prst="rect">
+            <a:avLst/>
+          </a:prstGeom>
+          <a:ln/>
+        </p:spPr>
+        <p:style>
+          <a:lnRef idx="1">
+            <a:schemeClr val="accent3"/>
+          </a:lnRef>
+          <a:fillRef idx="2">
+            <a:schemeClr val="accent3"/>
+          </a:fillRef>
+          <a:effectRef idx="1">
+            <a:schemeClr val="accent3"/>
+          </a:effectRef>
+          <a:fontRef idx="minor">
+            <a:schemeClr val="dk1"/>
+          </a:fontRef>
+        </p:style>
+        <p:txBody>
+          <a:bodyPr wrap="none" lIns="45720" tIns="0" rIns="45720" bIns="0" rtlCol="0">
+            <a:spAutoFit/>
+          </a:bodyPr>
+          <a:lstStyle/>
+          <a:p>
+            <a:r>
+              <a:rPr lang="en-US" sz="1000" smtClean="0"/>
+              <a:t>6</a:t>
+            </a:r>
+            <a:endParaRPr lang="en-US" sz="1000"/>
+          </a:p>
+        </p:txBody>
+      </p:sp>
+      <p:sp>
+        <p:nvSpPr>
+          <p:cNvPr id="203" name="TextBox 202"/>
+          <p:cNvSpPr txBox="1"/>
+          <p:nvPr/>
+        </p:nvSpPr>
+        <p:spPr>
+          <a:xfrm>
+            <a:off x="5460847" y="4101309"/>
+            <a:ext cx="158057" cy="153888"/>
+          </a:xfrm>
+          <a:prstGeom prst="rect">
+            <a:avLst/>
+          </a:prstGeom>
+          <a:ln/>
+        </p:spPr>
+        <p:style>
+          <a:lnRef idx="1">
+            <a:schemeClr val="accent3"/>
+          </a:lnRef>
+          <a:fillRef idx="2">
+            <a:schemeClr val="accent3"/>
+          </a:fillRef>
+          <a:effectRef idx="1">
+            <a:schemeClr val="accent3"/>
+          </a:effectRef>
+          <a:fontRef idx="minor">
+            <a:schemeClr val="dk1"/>
+          </a:fontRef>
+        </p:style>
+        <p:txBody>
+          <a:bodyPr wrap="none" lIns="45720" tIns="0" rIns="45720" bIns="0" rtlCol="0">
+            <a:spAutoFit/>
+          </a:bodyPr>
+          <a:lstStyle/>
+          <a:p>
+            <a:r>
+              <a:rPr lang="en-US" sz="1000" smtClean="0"/>
+              <a:t>5</a:t>
+            </a:r>
+            <a:endParaRPr lang="en-US" sz="1000"/>
+          </a:p>
+        </p:txBody>
+      </p:sp>
+      <p:sp>
+        <p:nvSpPr>
+          <p:cNvPr id="204" name="TextBox 203"/>
+          <p:cNvSpPr txBox="1"/>
+          <p:nvPr/>
+        </p:nvSpPr>
+        <p:spPr>
+          <a:xfrm>
+            <a:off x="6989388" y="1162876"/>
+            <a:ext cx="223779" cy="153888"/>
+          </a:xfrm>
+          <a:prstGeom prst="rect">
+            <a:avLst/>
+          </a:prstGeom>
+          <a:ln/>
+        </p:spPr>
+        <p:style>
+          <a:lnRef idx="1">
+            <a:schemeClr val="accent3"/>
+          </a:lnRef>
+          <a:fillRef idx="2">
+            <a:schemeClr val="accent3"/>
+          </a:fillRef>
+          <a:effectRef idx="1">
+            <a:schemeClr val="accent3"/>
+          </a:effectRef>
+          <a:fontRef idx="minor">
+            <a:schemeClr val="dk1"/>
+          </a:fontRef>
+        </p:style>
+        <p:txBody>
+          <a:bodyPr wrap="none" lIns="45720" tIns="0" rIns="45720" bIns="0" rtlCol="0">
+            <a:spAutoFit/>
+          </a:bodyPr>
+          <a:lstStyle/>
+          <a:p>
+            <a:r>
+              <a:rPr lang="en-US" sz="1000" smtClean="0"/>
+              <a:t>55</a:t>
+            </a:r>
+            <a:endParaRPr lang="en-US" sz="1000"/>
+          </a:p>
+        </p:txBody>
+      </p:sp>
+      <p:sp>
+        <p:nvSpPr>
+          <p:cNvPr id="205" name="TextBox 204"/>
+          <p:cNvSpPr txBox="1"/>
+          <p:nvPr/>
+        </p:nvSpPr>
+        <p:spPr>
+          <a:xfrm>
+            <a:off x="7418937" y="6484579"/>
+            <a:ext cx="223779" cy="153888"/>
+          </a:xfrm>
+          <a:prstGeom prst="rect">
+            <a:avLst/>
+          </a:prstGeom>
+          <a:ln/>
+        </p:spPr>
+        <p:style>
+          <a:lnRef idx="1">
+            <a:schemeClr val="accent3"/>
+          </a:lnRef>
+          <a:fillRef idx="2">
+            <a:schemeClr val="accent3"/>
+          </a:fillRef>
+          <a:effectRef idx="1">
+            <a:schemeClr val="accent3"/>
+          </a:effectRef>
+          <a:fontRef idx="minor">
+            <a:schemeClr val="dk1"/>
+          </a:fontRef>
+        </p:style>
+        <p:txBody>
+          <a:bodyPr wrap="none" lIns="45720" tIns="0" rIns="45720" bIns="0" rtlCol="0">
+            <a:spAutoFit/>
+          </a:bodyPr>
+          <a:lstStyle/>
+          <a:p>
+            <a:r>
+              <a:rPr lang="en-US" sz="1000" smtClean="0"/>
+              <a:t>18</a:t>
+            </a:r>
+            <a:endParaRPr lang="en-US" sz="1000"/>
+          </a:p>
+        </p:txBody>
+      </p:sp>
+      <p:sp>
+        <p:nvSpPr>
+          <p:cNvPr id="206" name="TextBox 205"/>
+          <p:cNvSpPr txBox="1"/>
+          <p:nvPr/>
+        </p:nvSpPr>
+        <p:spPr>
+          <a:xfrm>
+            <a:off x="7358432" y="5997815"/>
+            <a:ext cx="223779" cy="153888"/>
+          </a:xfrm>
+          <a:prstGeom prst="rect">
+            <a:avLst/>
+          </a:prstGeom>
+          <a:ln/>
+        </p:spPr>
+        <p:style>
+          <a:lnRef idx="1">
+            <a:schemeClr val="accent3"/>
+          </a:lnRef>
+          <a:fillRef idx="2">
+            <a:schemeClr val="accent3"/>
+          </a:fillRef>
+          <a:effectRef idx="1">
+            <a:schemeClr val="accent3"/>
+          </a:effectRef>
+          <a:fontRef idx="minor">
+            <a:schemeClr val="dk1"/>
+          </a:fontRef>
+        </p:style>
+        <p:txBody>
+          <a:bodyPr wrap="none" lIns="45720" tIns="0" rIns="45720" bIns="0" rtlCol="0">
+            <a:spAutoFit/>
+          </a:bodyPr>
+          <a:lstStyle/>
+          <a:p>
+            <a:r>
+              <a:rPr lang="en-US" sz="1000" smtClean="0"/>
+              <a:t>17</a:t>
+            </a:r>
+            <a:endParaRPr lang="en-US" sz="1000"/>
+          </a:p>
+        </p:txBody>
+      </p:sp>
+      <p:sp>
+        <p:nvSpPr>
+          <p:cNvPr id="207" name="TextBox 206"/>
+          <p:cNvSpPr txBox="1"/>
+          <p:nvPr/>
+        </p:nvSpPr>
+        <p:spPr>
+          <a:xfrm>
+            <a:off x="6768223" y="5359087"/>
+            <a:ext cx="223779" cy="153888"/>
+          </a:xfrm>
+          <a:prstGeom prst="rect">
+            <a:avLst/>
+          </a:prstGeom>
+          <a:ln/>
+        </p:spPr>
+        <p:style>
+          <a:lnRef idx="1">
+            <a:schemeClr val="accent3"/>
+          </a:lnRef>
+          <a:fillRef idx="2">
+            <a:schemeClr val="accent3"/>
+          </a:fillRef>
+          <a:effectRef idx="1">
+            <a:schemeClr val="accent3"/>
+          </a:effectRef>
+          <a:fontRef idx="minor">
+            <a:schemeClr val="dk1"/>
+          </a:fontRef>
+        </p:style>
+        <p:txBody>
+          <a:bodyPr wrap="none" lIns="45720" tIns="0" rIns="45720" bIns="0" rtlCol="0">
+            <a:spAutoFit/>
+          </a:bodyPr>
+          <a:lstStyle/>
+          <a:p>
+            <a:r>
+              <a:rPr lang="en-US" sz="1000" smtClean="0"/>
+              <a:t>12</a:t>
+            </a:r>
+            <a:endParaRPr lang="en-US" sz="1000"/>
+          </a:p>
+        </p:txBody>
+      </p:sp>
+      <p:sp>
+        <p:nvSpPr>
+          <p:cNvPr id="208" name="TextBox 207"/>
+          <p:cNvSpPr txBox="1"/>
+          <p:nvPr/>
+        </p:nvSpPr>
+        <p:spPr>
+          <a:xfrm>
+            <a:off x="8057262" y="5202337"/>
+            <a:ext cx="223779" cy="153888"/>
+          </a:xfrm>
+          <a:prstGeom prst="rect">
+            <a:avLst/>
+          </a:prstGeom>
+          <a:ln/>
+        </p:spPr>
+        <p:style>
+          <a:lnRef idx="1">
+            <a:schemeClr val="accent3"/>
+          </a:lnRef>
+          <a:fillRef idx="2">
+            <a:schemeClr val="accent3"/>
+          </a:fillRef>
+          <a:effectRef idx="1">
+            <a:schemeClr val="accent3"/>
+          </a:effectRef>
+          <a:fontRef idx="minor">
+            <a:schemeClr val="dk1"/>
+          </a:fontRef>
+        </p:style>
+        <p:txBody>
+          <a:bodyPr wrap="none" lIns="45720" tIns="0" rIns="45720" bIns="0" rtlCol="0">
+            <a:spAutoFit/>
+          </a:bodyPr>
+          <a:lstStyle/>
+          <a:p>
+            <a:r>
+              <a:rPr lang="en-US" sz="1000" dirty="0" smtClean="0"/>
+              <a:t>19</a:t>
+            </a:r>
+            <a:endParaRPr lang="en-US" sz="1000" dirty="0"/>
+          </a:p>
+        </p:txBody>
+      </p:sp>
+      <p:sp>
+        <p:nvSpPr>
+          <p:cNvPr id="209" name="TextBox 208"/>
+          <p:cNvSpPr txBox="1"/>
+          <p:nvPr/>
+        </p:nvSpPr>
+        <p:spPr>
+          <a:xfrm>
+            <a:off x="7856623" y="4494613"/>
+            <a:ext cx="223779" cy="153888"/>
+          </a:xfrm>
+          <a:prstGeom prst="rect">
+            <a:avLst/>
+          </a:prstGeom>
+          <a:ln/>
+        </p:spPr>
+        <p:style>
+          <a:lnRef idx="1">
+            <a:schemeClr val="accent3"/>
+          </a:lnRef>
+          <a:fillRef idx="2">
+            <a:schemeClr val="accent3"/>
+          </a:fillRef>
+          <a:effectRef idx="1">
+            <a:schemeClr val="accent3"/>
+          </a:effectRef>
+          <a:fontRef idx="minor">
+            <a:schemeClr val="dk1"/>
+          </a:fontRef>
+        </p:style>
+        <p:txBody>
+          <a:bodyPr wrap="none" lIns="45720" tIns="0" rIns="45720" bIns="0" rtlCol="0">
+            <a:spAutoFit/>
+          </a:bodyPr>
+          <a:lstStyle/>
+          <a:p>
+            <a:r>
+              <a:rPr lang="en-US" sz="1000" dirty="0" smtClean="0"/>
+              <a:t>31</a:t>
+            </a:r>
+            <a:endParaRPr lang="en-US" sz="1000" dirty="0"/>
+          </a:p>
+        </p:txBody>
+      </p:sp>
+      <p:sp>
+        <p:nvSpPr>
+          <p:cNvPr id="211" name="TextBox 210"/>
+          <p:cNvSpPr txBox="1"/>
+          <p:nvPr/>
+        </p:nvSpPr>
+        <p:spPr>
+          <a:xfrm>
+            <a:off x="8518632" y="4503058"/>
+            <a:ext cx="223779" cy="153888"/>
+          </a:xfrm>
+          <a:prstGeom prst="rect">
+            <a:avLst/>
+          </a:prstGeom>
+          <a:ln/>
+        </p:spPr>
+        <p:style>
+          <a:lnRef idx="1">
+            <a:schemeClr val="accent3"/>
+          </a:lnRef>
+          <a:fillRef idx="2">
+            <a:schemeClr val="accent3"/>
+          </a:fillRef>
+          <a:effectRef idx="1">
+            <a:schemeClr val="accent3"/>
+          </a:effectRef>
+          <a:fontRef idx="minor">
+            <a:schemeClr val="dk1"/>
+          </a:fontRef>
+        </p:style>
+        <p:txBody>
+          <a:bodyPr wrap="none" lIns="45720" tIns="0" rIns="45720" bIns="0" rtlCol="0">
+            <a:spAutoFit/>
+          </a:bodyPr>
+          <a:lstStyle/>
+          <a:p>
+            <a:r>
+              <a:rPr lang="en-US" sz="1000" dirty="0" smtClean="0"/>
+              <a:t>29</a:t>
+            </a:r>
+            <a:endParaRPr lang="en-US" sz="1000" dirty="0"/>
+          </a:p>
+        </p:txBody>
+      </p:sp>
+      <p:sp>
+        <p:nvSpPr>
+          <p:cNvPr id="212" name="TextBox 211"/>
+          <p:cNvSpPr txBox="1"/>
+          <p:nvPr/>
+        </p:nvSpPr>
+        <p:spPr>
+          <a:xfrm>
+            <a:off x="8165942" y="4333623"/>
+            <a:ext cx="223779" cy="153888"/>
+          </a:xfrm>
+          <a:prstGeom prst="rect">
+            <a:avLst/>
+          </a:prstGeom>
+          <a:ln/>
+        </p:spPr>
+        <p:style>
+          <a:lnRef idx="1">
+            <a:schemeClr val="accent3"/>
+          </a:lnRef>
+          <a:fillRef idx="2">
+            <a:schemeClr val="accent3"/>
+          </a:fillRef>
+          <a:effectRef idx="1">
+            <a:schemeClr val="accent3"/>
+          </a:effectRef>
+          <a:fontRef idx="minor">
+            <a:schemeClr val="dk1"/>
+          </a:fontRef>
+        </p:style>
+        <p:txBody>
+          <a:bodyPr wrap="none" lIns="45720" tIns="0" rIns="45720" bIns="0" rtlCol="0">
+            <a:spAutoFit/>
+          </a:bodyPr>
+          <a:lstStyle/>
+          <a:p>
+            <a:r>
+              <a:rPr lang="en-US" sz="1000" dirty="0" smtClean="0"/>
+              <a:t>28</a:t>
+            </a:r>
+            <a:endParaRPr lang="en-US" sz="1000" dirty="0"/>
+          </a:p>
+        </p:txBody>
+      </p:sp>
+      <p:sp>
+        <p:nvSpPr>
+          <p:cNvPr id="213" name="TextBox 212"/>
+          <p:cNvSpPr txBox="1"/>
+          <p:nvPr/>
+        </p:nvSpPr>
+        <p:spPr>
+          <a:xfrm>
+            <a:off x="7495144" y="3651744"/>
+            <a:ext cx="223779" cy="153888"/>
+          </a:xfrm>
+          <a:prstGeom prst="rect">
+            <a:avLst/>
+          </a:prstGeom>
+          <a:ln/>
+        </p:spPr>
+        <p:style>
+          <a:lnRef idx="1">
+            <a:schemeClr val="accent3"/>
+          </a:lnRef>
+          <a:fillRef idx="2">
+            <a:schemeClr val="accent3"/>
+          </a:fillRef>
+          <a:effectRef idx="1">
+            <a:schemeClr val="accent3"/>
+          </a:effectRef>
+          <a:fontRef idx="minor">
+            <a:schemeClr val="dk1"/>
+          </a:fontRef>
+        </p:style>
+        <p:txBody>
+          <a:bodyPr wrap="none" lIns="45720" tIns="0" rIns="45720" bIns="0" rtlCol="0">
+            <a:spAutoFit/>
+          </a:bodyPr>
+          <a:lstStyle/>
+          <a:p>
+            <a:r>
+              <a:rPr lang="en-US" sz="1000" smtClean="0"/>
+              <a:t>39</a:t>
+            </a:r>
+            <a:endParaRPr lang="en-US" sz="1000"/>
+          </a:p>
+        </p:txBody>
+      </p:sp>
+      <p:sp>
+        <p:nvSpPr>
+          <p:cNvPr id="214" name="TextBox 213"/>
+          <p:cNvSpPr txBox="1"/>
+          <p:nvPr/>
+        </p:nvSpPr>
+        <p:spPr>
+          <a:xfrm>
+            <a:off x="7182558" y="3274253"/>
+            <a:ext cx="223779" cy="153888"/>
+          </a:xfrm>
+          <a:prstGeom prst="rect">
+            <a:avLst/>
+          </a:prstGeom>
+          <a:ln/>
+        </p:spPr>
+        <p:style>
+          <a:lnRef idx="1">
+            <a:schemeClr val="accent3"/>
+          </a:lnRef>
+          <a:fillRef idx="2">
+            <a:schemeClr val="accent3"/>
+          </a:fillRef>
+          <a:effectRef idx="1">
+            <a:schemeClr val="accent3"/>
+          </a:effectRef>
+          <a:fontRef idx="minor">
+            <a:schemeClr val="dk1"/>
+          </a:fontRef>
+        </p:style>
+        <p:txBody>
+          <a:bodyPr wrap="none" lIns="45720" tIns="0" rIns="45720" bIns="0" rtlCol="0">
+            <a:spAutoFit/>
+          </a:bodyPr>
+          <a:lstStyle/>
+          <a:p>
+            <a:r>
+              <a:rPr lang="en-US" sz="1000" smtClean="0"/>
+              <a:t>38</a:t>
+            </a:r>
+            <a:endParaRPr lang="en-US" sz="1000"/>
+          </a:p>
+        </p:txBody>
+      </p:sp>
+      <p:sp>
+        <p:nvSpPr>
+          <p:cNvPr id="215" name="TextBox 214"/>
+          <p:cNvSpPr txBox="1"/>
+          <p:nvPr/>
+        </p:nvSpPr>
+        <p:spPr>
+          <a:xfrm>
+            <a:off x="7241817" y="2735815"/>
+            <a:ext cx="223779" cy="153888"/>
+          </a:xfrm>
+          <a:prstGeom prst="rect">
+            <a:avLst/>
+          </a:prstGeom>
+          <a:ln/>
+        </p:spPr>
+        <p:style>
+          <a:lnRef idx="1">
+            <a:schemeClr val="accent3"/>
+          </a:lnRef>
+          <a:fillRef idx="2">
+            <a:schemeClr val="accent3"/>
+          </a:fillRef>
+          <a:effectRef idx="1">
+            <a:schemeClr val="accent3"/>
+          </a:effectRef>
+          <a:fontRef idx="minor">
+            <a:schemeClr val="dk1"/>
+          </a:fontRef>
+        </p:style>
+        <p:txBody>
+          <a:bodyPr wrap="none" lIns="45720" tIns="0" rIns="45720" bIns="0" rtlCol="0">
+            <a:spAutoFit/>
+          </a:bodyPr>
+          <a:lstStyle/>
+          <a:p>
+            <a:r>
+              <a:rPr lang="en-US" sz="1000" smtClean="0"/>
+              <a:t>37</a:t>
+            </a:r>
+            <a:endParaRPr lang="en-US" sz="1000"/>
+          </a:p>
+        </p:txBody>
+      </p:sp>
+      <p:sp>
+        <p:nvSpPr>
+          <p:cNvPr id="216" name="TextBox 215"/>
+          <p:cNvSpPr txBox="1"/>
+          <p:nvPr/>
+        </p:nvSpPr>
+        <p:spPr>
+          <a:xfrm>
+            <a:off x="7006273" y="2341392"/>
+            <a:ext cx="223779" cy="153888"/>
+          </a:xfrm>
+          <a:prstGeom prst="rect">
+            <a:avLst/>
+          </a:prstGeom>
+          <a:ln/>
+        </p:spPr>
+        <p:style>
+          <a:lnRef idx="1">
+            <a:schemeClr val="accent3"/>
+          </a:lnRef>
+          <a:fillRef idx="2">
+            <a:schemeClr val="accent3"/>
+          </a:fillRef>
+          <a:effectRef idx="1">
+            <a:schemeClr val="accent3"/>
+          </a:effectRef>
+          <a:fontRef idx="minor">
+            <a:schemeClr val="dk1"/>
+          </a:fontRef>
+        </p:style>
+        <p:txBody>
+          <a:bodyPr wrap="none" lIns="45720" tIns="0" rIns="45720" bIns="0" rtlCol="0">
+            <a:spAutoFit/>
+          </a:bodyPr>
+          <a:lstStyle/>
+          <a:p>
+            <a:r>
+              <a:rPr lang="en-US" sz="1000" dirty="0" smtClean="0"/>
+              <a:t>36</a:t>
+            </a:r>
+            <a:endParaRPr lang="en-US" sz="1000" dirty="0"/>
+          </a:p>
+        </p:txBody>
+      </p:sp>
+      <p:sp>
+        <p:nvSpPr>
+          <p:cNvPr id="221" name="TextBox 220"/>
+          <p:cNvSpPr txBox="1"/>
+          <p:nvPr/>
+        </p:nvSpPr>
+        <p:spPr>
+          <a:xfrm>
+            <a:off x="5473032" y="4563816"/>
+            <a:ext cx="158057" cy="153888"/>
+          </a:xfrm>
+          <a:prstGeom prst="rect">
+            <a:avLst/>
+          </a:prstGeom>
+          <a:ln/>
+        </p:spPr>
+        <p:style>
+          <a:lnRef idx="1">
+            <a:schemeClr val="accent3"/>
+          </a:lnRef>
+          <a:fillRef idx="2">
+            <a:schemeClr val="accent3"/>
+          </a:fillRef>
+          <a:effectRef idx="1">
+            <a:schemeClr val="accent3"/>
+          </a:effectRef>
+          <a:fontRef idx="minor">
+            <a:schemeClr val="dk1"/>
+          </a:fontRef>
+        </p:style>
+        <p:txBody>
+          <a:bodyPr wrap="none" lIns="45720" tIns="0" rIns="45720" bIns="0" rtlCol="0">
+            <a:spAutoFit/>
+          </a:bodyPr>
+          <a:lstStyle/>
+          <a:p>
+            <a:r>
+              <a:rPr lang="en-US" sz="1000" smtClean="0"/>
+              <a:t>7</a:t>
+            </a:r>
+            <a:endParaRPr lang="en-US" sz="1000"/>
+          </a:p>
+        </p:txBody>
+      </p:sp>
+      <p:sp>
+        <p:nvSpPr>
+          <p:cNvPr id="222" name="TextBox 221"/>
+          <p:cNvSpPr txBox="1"/>
+          <p:nvPr/>
+        </p:nvSpPr>
+        <p:spPr>
+          <a:xfrm>
+            <a:off x="5463282" y="4775345"/>
+            <a:ext cx="158057" cy="153888"/>
+          </a:xfrm>
+          <a:prstGeom prst="rect">
+            <a:avLst/>
+          </a:prstGeom>
+          <a:ln/>
+        </p:spPr>
+        <p:style>
+          <a:lnRef idx="1">
+            <a:schemeClr val="accent3"/>
+          </a:lnRef>
+          <a:fillRef idx="2">
+            <a:schemeClr val="accent3"/>
+          </a:fillRef>
+          <a:effectRef idx="1">
+            <a:schemeClr val="accent3"/>
+          </a:effectRef>
+          <a:fontRef idx="minor">
+            <a:schemeClr val="dk1"/>
+          </a:fontRef>
+        </p:style>
+        <p:txBody>
+          <a:bodyPr wrap="none" lIns="45720" tIns="0" rIns="45720" bIns="0" rtlCol="0">
+            <a:spAutoFit/>
+          </a:bodyPr>
+          <a:lstStyle/>
+          <a:p>
+            <a:r>
+              <a:rPr lang="en-US" sz="1000" dirty="0" smtClean="0"/>
+              <a:t>8</a:t>
+            </a:r>
+            <a:endParaRPr lang="en-US" sz="1000" dirty="0"/>
+          </a:p>
+        </p:txBody>
+      </p:sp>
+      <p:sp>
+        <p:nvSpPr>
+          <p:cNvPr id="396" name="TextBox 395"/>
+          <p:cNvSpPr txBox="1"/>
+          <p:nvPr/>
+        </p:nvSpPr>
+        <p:spPr>
+          <a:xfrm>
+            <a:off x="6572504" y="692105"/>
+            <a:ext cx="223779" cy="307777"/>
+          </a:xfrm>
+          <a:prstGeom prst="rect">
+            <a:avLst/>
+          </a:prstGeom>
+          <a:ln/>
+        </p:spPr>
+        <p:style>
+          <a:lnRef idx="1">
+            <a:schemeClr val="accent5"/>
+          </a:lnRef>
+          <a:fillRef idx="2">
+            <a:schemeClr val="accent5"/>
+          </a:fillRef>
+          <a:effectRef idx="1">
+            <a:schemeClr val="accent5"/>
+          </a:effectRef>
+          <a:fontRef idx="minor">
+            <a:schemeClr val="dk1"/>
+          </a:fontRef>
+        </p:style>
+        <p:txBody>
+          <a:bodyPr wrap="none" lIns="45720" tIns="0" rIns="45720" bIns="0" rtlCol="0">
+            <a:spAutoFit/>
+          </a:bodyPr>
+          <a:lstStyle/>
+          <a:p>
+            <a:r>
+              <a:rPr lang="en-US" sz="1000" smtClean="0"/>
+              <a:t>55</a:t>
+            </a:r>
+          </a:p>
+          <a:p>
+            <a:r>
+              <a:rPr lang="en-US" sz="1000" smtClean="0"/>
+              <a:t>56</a:t>
             </a:r>
             <a:endParaRPr lang="en-US" sz="1000"/>
           </a:p>
